--- a/ADK_Complete_Presentation.pptx
+++ b/ADK_Complete_Presentation.pptx
@@ -2,26 +2,30 @@
 <file path=ppt/presentation.xml><?xml version="1.0" encoding="utf-8"?>
 <p:presentation xmlns:a="http://schemas.openxmlformats.org/drawingml/2006/main" xmlns:r="http://schemas.openxmlformats.org/officeDocument/2006/relationships" xmlns:p="http://schemas.openxmlformats.org/presentationml/2006/main" saveSubsetFonts="1" autoCompressPictures="0">
   <p:sldMasterIdLst>
-    <p:sldMasterId id="2147483648" r:id="rId1"/>
+    <p:sldMasterId id="2147483744" r:id="rId1"/>
   </p:sldMasterIdLst>
+  <p:notesMasterIdLst>
+    <p:notesMasterId r:id="rId20"/>
+  </p:notesMasterIdLst>
   <p:sldIdLst>
-    <p:sldId id="256" r:id="rId2"/>
-    <p:sldId id="259" r:id="rId3"/>
-    <p:sldId id="258" r:id="rId4"/>
+    <p:sldId id="276" r:id="rId2"/>
+    <p:sldId id="277" r:id="rId3"/>
+    <p:sldId id="256" r:id="rId4"/>
     <p:sldId id="262" r:id="rId5"/>
     <p:sldId id="263" r:id="rId6"/>
-    <p:sldId id="264" r:id="rId7"/>
-    <p:sldId id="272" r:id="rId8"/>
-    <p:sldId id="273" r:id="rId9"/>
-    <p:sldId id="274" r:id="rId10"/>
-    <p:sldId id="275" r:id="rId11"/>
-    <p:sldId id="265" r:id="rId12"/>
-    <p:sldId id="271" r:id="rId13"/>
-    <p:sldId id="266" r:id="rId14"/>
-    <p:sldId id="267" r:id="rId15"/>
-    <p:sldId id="270" r:id="rId16"/>
-    <p:sldId id="268" r:id="rId17"/>
-    <p:sldId id="269" r:id="rId18"/>
+    <p:sldId id="278" r:id="rId7"/>
+    <p:sldId id="264" r:id="rId8"/>
+    <p:sldId id="272" r:id="rId9"/>
+    <p:sldId id="273" r:id="rId10"/>
+    <p:sldId id="274" r:id="rId11"/>
+    <p:sldId id="275" r:id="rId12"/>
+    <p:sldId id="265" r:id="rId13"/>
+    <p:sldId id="271" r:id="rId14"/>
+    <p:sldId id="266" r:id="rId15"/>
+    <p:sldId id="267" r:id="rId16"/>
+    <p:sldId id="270" r:id="rId17"/>
+    <p:sldId id="268" r:id="rId18"/>
+    <p:sldId id="269" r:id="rId19"/>
   </p:sldIdLst>
   <p:sldSz cx="9144000" cy="6858000" type="screen4x3"/>
   <p:notesSz cx="6858000" cy="9144000"/>
@@ -123,9 +127,14 @@
 </p:presentation>
 </file>
 
-<file path=ppt/slideLayouts/slideLayout1.xml><?xml version="1.0" encoding="utf-8"?>
-<p:sldLayout xmlns:a="http://schemas.openxmlformats.org/drawingml/2006/main" xmlns:r="http://schemas.openxmlformats.org/officeDocument/2006/relationships" xmlns:p="http://schemas.openxmlformats.org/presentationml/2006/main" type="title" preserve="1">
-  <p:cSld name="Title Slide">
+<file path=ppt/notesMasters/notesMaster1.xml><?xml version="1.0" encoding="utf-8"?>
+<p:notesMaster xmlns:a="http://schemas.openxmlformats.org/drawingml/2006/main" xmlns:r="http://schemas.openxmlformats.org/officeDocument/2006/relationships" xmlns:p="http://schemas.openxmlformats.org/presentationml/2006/main">
+  <p:cSld>
+    <p:bg>
+      <p:bgRef idx="1001">
+        <a:schemeClr val="bg1"/>
+      </p:bgRef>
+    </p:bg>
     <p:spTree>
       <p:nvGrpSpPr>
         <p:cNvPr id="1" name=""/>
@@ -142,7 +151,441 @@
       </p:grpSpPr>
       <p:sp>
         <p:nvSpPr>
-          <p:cNvPr id="2" name="Title 1"/>
+          <p:cNvPr id="2" name="Header Placeholder 1"/>
+          <p:cNvSpPr>
+            <a:spLocks noGrp="1"/>
+          </p:cNvSpPr>
+          <p:nvPr>
+            <p:ph type="hdr" sz="quarter"/>
+          </p:nvPr>
+        </p:nvSpPr>
+        <p:spPr>
+          <a:xfrm>
+            <a:off x="0" y="0"/>
+            <a:ext cx="2971800" cy="457200"/>
+          </a:xfrm>
+          <a:prstGeom prst="rect">
+            <a:avLst/>
+          </a:prstGeom>
+        </p:spPr>
+        <p:txBody>
+          <a:bodyPr vert="horz" lIns="91440" tIns="45720" rIns="91440" bIns="45720" rtlCol="0"/>
+          <a:lstStyle>
+            <a:lvl1pPr algn="l">
+              <a:defRPr sz="1200"/>
+            </a:lvl1pPr>
+          </a:lstStyle>
+          <a:p>
+            <a:endParaRPr lang="en-US"/>
+          </a:p>
+        </p:txBody>
+      </p:sp>
+      <p:sp>
+        <p:nvSpPr>
+          <p:cNvPr id="3" name="Date Placeholder 2"/>
+          <p:cNvSpPr>
+            <a:spLocks noGrp="1"/>
+          </p:cNvSpPr>
+          <p:nvPr>
+            <p:ph type="dt" idx="1"/>
+          </p:nvPr>
+        </p:nvSpPr>
+        <p:spPr>
+          <a:xfrm>
+            <a:off x="3884613" y="0"/>
+            <a:ext cx="2971800" cy="457200"/>
+          </a:xfrm>
+          <a:prstGeom prst="rect">
+            <a:avLst/>
+          </a:prstGeom>
+        </p:spPr>
+        <p:txBody>
+          <a:bodyPr vert="horz" lIns="91440" tIns="45720" rIns="91440" bIns="45720" rtlCol="0"/>
+          <a:lstStyle>
+            <a:lvl1pPr algn="r">
+              <a:defRPr sz="1200"/>
+            </a:lvl1pPr>
+          </a:lstStyle>
+          <a:p>
+            <a:fld id="{253AF9F0-5E27-404C-8D9A-76CB49ADE209}" type="datetimeFigureOut">
+              <a:rPr lang="en-US" smtClean="0"/>
+              <a:t>7/22/2025</a:t>
+            </a:fld>
+            <a:endParaRPr lang="en-US"/>
+          </a:p>
+        </p:txBody>
+      </p:sp>
+      <p:sp>
+        <p:nvSpPr>
+          <p:cNvPr id="4" name="Slide Image Placeholder 3"/>
+          <p:cNvSpPr>
+            <a:spLocks noGrp="1" noRot="1" noChangeAspect="1"/>
+          </p:cNvSpPr>
+          <p:nvPr>
+            <p:ph type="sldImg" idx="2"/>
+          </p:nvPr>
+        </p:nvSpPr>
+        <p:spPr>
+          <a:xfrm>
+            <a:off x="1143000" y="685800"/>
+            <a:ext cx="4572000" cy="3429000"/>
+          </a:xfrm>
+          <a:prstGeom prst="rect">
+            <a:avLst/>
+          </a:prstGeom>
+          <a:noFill/>
+          <a:ln w="12700">
+            <a:solidFill>
+              <a:prstClr val="black"/>
+            </a:solidFill>
+          </a:ln>
+        </p:spPr>
+        <p:txBody>
+          <a:bodyPr vert="horz" lIns="91440" tIns="45720" rIns="91440" bIns="45720" rtlCol="0" anchor="ctr"/>
+          <a:lstStyle/>
+          <a:p>
+            <a:endParaRPr lang="en-US"/>
+          </a:p>
+        </p:txBody>
+      </p:sp>
+      <p:sp>
+        <p:nvSpPr>
+          <p:cNvPr id="5" name="Notes Placeholder 4"/>
+          <p:cNvSpPr>
+            <a:spLocks noGrp="1"/>
+          </p:cNvSpPr>
+          <p:nvPr>
+            <p:ph type="body" sz="quarter" idx="3"/>
+          </p:nvPr>
+        </p:nvSpPr>
+        <p:spPr>
+          <a:xfrm>
+            <a:off x="685800" y="4343400"/>
+            <a:ext cx="5486400" cy="4114800"/>
+          </a:xfrm>
+          <a:prstGeom prst="rect">
+            <a:avLst/>
+          </a:prstGeom>
+        </p:spPr>
+        <p:txBody>
+          <a:bodyPr vert="horz" lIns="91440" tIns="45720" rIns="91440" bIns="45720" rtlCol="0"/>
+          <a:lstStyle/>
+          <a:p>
+            <a:pPr lvl="0"/>
+            <a:r>
+              <a:rPr lang="en-US" smtClean="0"/>
+              <a:t>Click to edit Master text styles</a:t>
+            </a:r>
+          </a:p>
+          <a:p>
+            <a:pPr lvl="1"/>
+            <a:r>
+              <a:rPr lang="en-US" smtClean="0"/>
+              <a:t>Second level</a:t>
+            </a:r>
+          </a:p>
+          <a:p>
+            <a:pPr lvl="2"/>
+            <a:r>
+              <a:rPr lang="en-US" smtClean="0"/>
+              <a:t>Third level</a:t>
+            </a:r>
+          </a:p>
+          <a:p>
+            <a:pPr lvl="3"/>
+            <a:r>
+              <a:rPr lang="en-US" smtClean="0"/>
+              <a:t>Fourth level</a:t>
+            </a:r>
+          </a:p>
+          <a:p>
+            <a:pPr lvl="4"/>
+            <a:r>
+              <a:rPr lang="en-US" smtClean="0"/>
+              <a:t>Fifth level</a:t>
+            </a:r>
+            <a:endParaRPr lang="en-US"/>
+          </a:p>
+        </p:txBody>
+      </p:sp>
+      <p:sp>
+        <p:nvSpPr>
+          <p:cNvPr id="6" name="Footer Placeholder 5"/>
+          <p:cNvSpPr>
+            <a:spLocks noGrp="1"/>
+          </p:cNvSpPr>
+          <p:nvPr>
+            <p:ph type="ftr" sz="quarter" idx="4"/>
+          </p:nvPr>
+        </p:nvSpPr>
+        <p:spPr>
+          <a:xfrm>
+            <a:off x="0" y="8685213"/>
+            <a:ext cx="2971800" cy="457200"/>
+          </a:xfrm>
+          <a:prstGeom prst="rect">
+            <a:avLst/>
+          </a:prstGeom>
+        </p:spPr>
+        <p:txBody>
+          <a:bodyPr vert="horz" lIns="91440" tIns="45720" rIns="91440" bIns="45720" rtlCol="0" anchor="b"/>
+          <a:lstStyle>
+            <a:lvl1pPr algn="l">
+              <a:defRPr sz="1200"/>
+            </a:lvl1pPr>
+          </a:lstStyle>
+          <a:p>
+            <a:endParaRPr lang="en-US"/>
+          </a:p>
+        </p:txBody>
+      </p:sp>
+      <p:sp>
+        <p:nvSpPr>
+          <p:cNvPr id="7" name="Slide Number Placeholder 6"/>
+          <p:cNvSpPr>
+            <a:spLocks noGrp="1"/>
+          </p:cNvSpPr>
+          <p:nvPr>
+            <p:ph type="sldNum" sz="quarter" idx="5"/>
+          </p:nvPr>
+        </p:nvSpPr>
+        <p:spPr>
+          <a:xfrm>
+            <a:off x="3884613" y="8685213"/>
+            <a:ext cx="2971800" cy="457200"/>
+          </a:xfrm>
+          <a:prstGeom prst="rect">
+            <a:avLst/>
+          </a:prstGeom>
+        </p:spPr>
+        <p:txBody>
+          <a:bodyPr vert="horz" lIns="91440" tIns="45720" rIns="91440" bIns="45720" rtlCol="0" anchor="b"/>
+          <a:lstStyle>
+            <a:lvl1pPr algn="r">
+              <a:defRPr sz="1200"/>
+            </a:lvl1pPr>
+          </a:lstStyle>
+          <a:p>
+            <a:fld id="{F0EEE50E-BE84-47C1-A73C-D984E0C04597}" type="slidenum">
+              <a:rPr lang="en-US" smtClean="0"/>
+              <a:t>‹#›</a:t>
+            </a:fld>
+            <a:endParaRPr lang="en-US"/>
+          </a:p>
+        </p:txBody>
+      </p:sp>
+    </p:spTree>
+    <p:extLst>
+      <p:ext uri="{BB962C8B-B14F-4D97-AF65-F5344CB8AC3E}">
+        <p14:creationId xmlns:p14="http://schemas.microsoft.com/office/powerpoint/2010/main" val="3968972035"/>
+      </p:ext>
+    </p:extLst>
+  </p:cSld>
+  <p:clrMap bg1="lt1" tx1="dk1" bg2="lt2" tx2="dk2" accent1="accent1" accent2="accent2" accent3="accent3" accent4="accent4" accent5="accent5" accent6="accent6" hlink="hlink" folHlink="folHlink"/>
+  <p:notesStyle>
+    <a:lvl1pPr marL="0" algn="l" defTabSz="914400" rtl="0" eaLnBrk="1" latinLnBrk="0" hangingPunct="1">
+      <a:defRPr sz="1200" kern="1200">
+        <a:solidFill>
+          <a:schemeClr val="tx1"/>
+        </a:solidFill>
+        <a:latin typeface="+mn-lt"/>
+        <a:ea typeface="+mn-ea"/>
+        <a:cs typeface="+mn-cs"/>
+      </a:defRPr>
+    </a:lvl1pPr>
+    <a:lvl2pPr marL="457200" algn="l" defTabSz="914400" rtl="0" eaLnBrk="1" latinLnBrk="0" hangingPunct="1">
+      <a:defRPr sz="1200" kern="1200">
+        <a:solidFill>
+          <a:schemeClr val="tx1"/>
+        </a:solidFill>
+        <a:latin typeface="+mn-lt"/>
+        <a:ea typeface="+mn-ea"/>
+        <a:cs typeface="+mn-cs"/>
+      </a:defRPr>
+    </a:lvl2pPr>
+    <a:lvl3pPr marL="914400" algn="l" defTabSz="914400" rtl="0" eaLnBrk="1" latinLnBrk="0" hangingPunct="1">
+      <a:defRPr sz="1200" kern="1200">
+        <a:solidFill>
+          <a:schemeClr val="tx1"/>
+        </a:solidFill>
+        <a:latin typeface="+mn-lt"/>
+        <a:ea typeface="+mn-ea"/>
+        <a:cs typeface="+mn-cs"/>
+      </a:defRPr>
+    </a:lvl3pPr>
+    <a:lvl4pPr marL="1371600" algn="l" defTabSz="914400" rtl="0" eaLnBrk="1" latinLnBrk="0" hangingPunct="1">
+      <a:defRPr sz="1200" kern="1200">
+        <a:solidFill>
+          <a:schemeClr val="tx1"/>
+        </a:solidFill>
+        <a:latin typeface="+mn-lt"/>
+        <a:ea typeface="+mn-ea"/>
+        <a:cs typeface="+mn-cs"/>
+      </a:defRPr>
+    </a:lvl4pPr>
+    <a:lvl5pPr marL="1828800" algn="l" defTabSz="914400" rtl="0" eaLnBrk="1" latinLnBrk="0" hangingPunct="1">
+      <a:defRPr sz="1200" kern="1200">
+        <a:solidFill>
+          <a:schemeClr val="tx1"/>
+        </a:solidFill>
+        <a:latin typeface="+mn-lt"/>
+        <a:ea typeface="+mn-ea"/>
+        <a:cs typeface="+mn-cs"/>
+      </a:defRPr>
+    </a:lvl5pPr>
+    <a:lvl6pPr marL="2286000" algn="l" defTabSz="914400" rtl="0" eaLnBrk="1" latinLnBrk="0" hangingPunct="1">
+      <a:defRPr sz="1200" kern="1200">
+        <a:solidFill>
+          <a:schemeClr val="tx1"/>
+        </a:solidFill>
+        <a:latin typeface="+mn-lt"/>
+        <a:ea typeface="+mn-ea"/>
+        <a:cs typeface="+mn-cs"/>
+      </a:defRPr>
+    </a:lvl6pPr>
+    <a:lvl7pPr marL="2743200" algn="l" defTabSz="914400" rtl="0" eaLnBrk="1" latinLnBrk="0" hangingPunct="1">
+      <a:defRPr sz="1200" kern="1200">
+        <a:solidFill>
+          <a:schemeClr val="tx1"/>
+        </a:solidFill>
+        <a:latin typeface="+mn-lt"/>
+        <a:ea typeface="+mn-ea"/>
+        <a:cs typeface="+mn-cs"/>
+      </a:defRPr>
+    </a:lvl7pPr>
+    <a:lvl8pPr marL="3200400" algn="l" defTabSz="914400" rtl="0" eaLnBrk="1" latinLnBrk="0" hangingPunct="1">
+      <a:defRPr sz="1200" kern="1200">
+        <a:solidFill>
+          <a:schemeClr val="tx1"/>
+        </a:solidFill>
+        <a:latin typeface="+mn-lt"/>
+        <a:ea typeface="+mn-ea"/>
+        <a:cs typeface="+mn-cs"/>
+      </a:defRPr>
+    </a:lvl8pPr>
+    <a:lvl9pPr marL="3657600" algn="l" defTabSz="914400" rtl="0" eaLnBrk="1" latinLnBrk="0" hangingPunct="1">
+      <a:defRPr sz="1200" kern="1200">
+        <a:solidFill>
+          <a:schemeClr val="tx1"/>
+        </a:solidFill>
+        <a:latin typeface="+mn-lt"/>
+        <a:ea typeface="+mn-ea"/>
+        <a:cs typeface="+mn-cs"/>
+      </a:defRPr>
+    </a:lvl9pPr>
+  </p:notesStyle>
+</p:notesMaster>
+</file>
+
+<file path=ppt/notesSlides/notesSlide1.xml><?xml version="1.0" encoding="utf-8"?>
+<p:notes xmlns:a="http://schemas.openxmlformats.org/drawingml/2006/main" xmlns:r="http://schemas.openxmlformats.org/officeDocument/2006/relationships" xmlns:p="http://schemas.openxmlformats.org/presentationml/2006/main">
+  <p:cSld>
+    <p:spTree>
+      <p:nvGrpSpPr>
+        <p:cNvPr id="1" name=""/>
+        <p:cNvGrpSpPr/>
+        <p:nvPr/>
+      </p:nvGrpSpPr>
+      <p:grpSpPr>
+        <a:xfrm>
+          <a:off x="0" y="0"/>
+          <a:ext cx="0" cy="0"/>
+          <a:chOff x="0" y="0"/>
+          <a:chExt cx="0" cy="0"/>
+        </a:xfrm>
+      </p:grpSpPr>
+      <p:sp>
+        <p:nvSpPr>
+          <p:cNvPr id="2" name="Slide Image Placeholder 1"/>
+          <p:cNvSpPr>
+            <a:spLocks noGrp="1" noRot="1" noChangeAspect="1"/>
+          </p:cNvSpPr>
+          <p:nvPr>
+            <p:ph type="sldImg"/>
+          </p:nvPr>
+        </p:nvSpPr>
+        <p:spPr/>
+      </p:sp>
+      <p:sp>
+        <p:nvSpPr>
+          <p:cNvPr id="3" name="Notes Placeholder 2"/>
+          <p:cNvSpPr>
+            <a:spLocks noGrp="1"/>
+          </p:cNvSpPr>
+          <p:nvPr>
+            <p:ph type="body" idx="1"/>
+          </p:nvPr>
+        </p:nvSpPr>
+        <p:spPr/>
+        <p:txBody>
+          <a:bodyPr/>
+          <a:lstStyle/>
+          <a:p>
+            <a:endParaRPr lang="en-US" dirty="0"/>
+          </a:p>
+        </p:txBody>
+      </p:sp>
+      <p:sp>
+        <p:nvSpPr>
+          <p:cNvPr id="4" name="Slide Number Placeholder 3"/>
+          <p:cNvSpPr>
+            <a:spLocks noGrp="1"/>
+          </p:cNvSpPr>
+          <p:nvPr>
+            <p:ph type="sldNum" sz="quarter" idx="10"/>
+          </p:nvPr>
+        </p:nvSpPr>
+        <p:spPr/>
+        <p:txBody>
+          <a:bodyPr/>
+          <a:lstStyle/>
+          <a:p>
+            <a:fld id="{F0EEE50E-BE84-47C1-A73C-D984E0C04597}" type="slidenum">
+              <a:rPr lang="en-US" smtClean="0"/>
+              <a:t>3</a:t>
+            </a:fld>
+            <a:endParaRPr lang="en-US"/>
+          </a:p>
+        </p:txBody>
+      </p:sp>
+    </p:spTree>
+    <p:extLst>
+      <p:ext uri="{BB962C8B-B14F-4D97-AF65-F5344CB8AC3E}">
+        <p14:creationId xmlns:p14="http://schemas.microsoft.com/office/powerpoint/2010/main" val="2675505786"/>
+      </p:ext>
+    </p:extLst>
+  </p:cSld>
+  <p:clrMapOvr>
+    <a:masterClrMapping/>
+  </p:clrMapOvr>
+</p:notes>
+</file>
+
+<file path=ppt/slideLayouts/slideLayout1.xml><?xml version="1.0" encoding="utf-8"?>
+<p:sldLayout xmlns:a="http://schemas.openxmlformats.org/drawingml/2006/main" xmlns:r="http://schemas.openxmlformats.org/officeDocument/2006/relationships" xmlns:p="http://schemas.openxmlformats.org/presentationml/2006/main" type="title" preserve="1">
+  <p:cSld name="Title Slide">
+    <p:bg>
+      <p:bgRef idx="1002">
+        <a:schemeClr val="bg2"/>
+      </p:bgRef>
+    </p:bg>
+    <p:spTree>
+      <p:nvGrpSpPr>
+        <p:cNvPr id="1" name=""/>
+        <p:cNvGrpSpPr/>
+        <p:nvPr/>
+      </p:nvGrpSpPr>
+      <p:grpSpPr>
+        <a:xfrm>
+          <a:off x="0" y="0"/>
+          <a:ext cx="0" cy="0"/>
+          <a:chOff x="0" y="0"/>
+          <a:chExt cx="0" cy="0"/>
+        </a:xfrm>
+      </p:grpSpPr>
+      <p:sp>
+        <p:nvSpPr>
+          <p:cNvPr id="9" name="Title 8"/>
           <p:cNvSpPr>
             <a:spLocks noGrp="1"/>
           </p:cNvSpPr>
@@ -152,25 +595,70 @@
         </p:nvSpPr>
         <p:spPr>
           <a:xfrm>
-            <a:off x="685800" y="2130425"/>
-            <a:ext cx="7772400" cy="1470025"/>
+            <a:off x="533400" y="1371600"/>
+            <a:ext cx="7851648" cy="1828800"/>
           </a:xfrm>
+          <a:ln>
+            <a:noFill/>
+          </a:ln>
         </p:spPr>
         <p:txBody>
-          <a:bodyPr/>
-          <a:lstStyle/>
-          <a:p>
-            <a:r>
-              <a:rPr lang="en-US" smtClean="0"/>
+          <a:bodyPr vert="horz" tIns="0" rIns="18288" bIns="0" anchor="b">
+            <a:normAutofit/>
+            <a:scene3d>
+              <a:camera prst="orthographicFront"/>
+              <a:lightRig rig="freezing" dir="t">
+                <a:rot lat="0" lon="0" rev="5640000"/>
+              </a:lightRig>
+            </a:scene3d>
+            <a:sp3d prstMaterial="flat">
+              <a:bevelT w="38100" h="38100"/>
+              <a:contourClr>
+                <a:schemeClr val="tx2"/>
+              </a:contourClr>
+            </a:sp3d>
+          </a:bodyPr>
+          <a:lstStyle>
+            <a:lvl1pPr algn="r" rtl="0">
+              <a:spcBef>
+                <a:spcPct val="0"/>
+              </a:spcBef>
+              <a:buNone/>
+              <a:defRPr sz="5600" b="1">
+                <a:ln>
+                  <a:noFill/>
+                </a:ln>
+                <a:solidFill>
+                  <a:schemeClr val="accent3">
+                    <a:tint val="90000"/>
+                    <a:satMod val="120000"/>
+                  </a:schemeClr>
+                </a:solidFill>
+                <a:effectLst>
+                  <a:outerShdw blurRad="38100" dist="25400" dir="5400000" algn="tl" rotWithShape="0">
+                    <a:srgbClr val="000000">
+                      <a:alpha val="43000"/>
+                    </a:srgbClr>
+                  </a:outerShdw>
+                </a:effectLst>
+                <a:latin typeface="+mj-lt"/>
+                <a:ea typeface="+mj-ea"/>
+                <a:cs typeface="+mj-cs"/>
+              </a:defRPr>
+            </a:lvl1pPr>
+          </a:lstStyle>
+          <a:p>
+            <a:r>
+              <a:rPr kumimoji="0" lang="en-US" smtClean="0"/>
               <a:t>Click to edit Master title style</a:t>
             </a:r>
-            <a:endParaRPr lang="en-US"/>
-          </a:p>
-        </p:txBody>
-      </p:sp>
-      <p:sp>
-        <p:nvSpPr>
-          <p:cNvPr id="3" name="Subtitle 2"/>
+            <a:endParaRPr kumimoji="0" lang="en-US"/>
+          </a:p>
+        </p:txBody>
+      </p:sp>
+      <p:sp>
+        <p:nvSpPr>
+          <p:cNvPr id="17" name="Subtitle 16"/>
           <p:cNvSpPr>
             <a:spLocks noGrp="1"/>
           </p:cNvSpPr>
@@ -180,116 +668,58 @@
         </p:nvSpPr>
         <p:spPr>
           <a:xfrm>
-            <a:off x="1371600" y="3886200"/>
-            <a:ext cx="6400800" cy="1752600"/>
+            <a:off x="533400" y="3228536"/>
+            <a:ext cx="7854696" cy="1752600"/>
           </a:xfrm>
         </p:spPr>
         <p:txBody>
-          <a:bodyPr/>
+          <a:bodyPr lIns="0" rIns="18288"/>
           <a:lstStyle>
-            <a:lvl1pPr marL="0" indent="0" algn="ctr">
+            <a:lvl1pPr marL="0" marR="45720" indent="0" algn="r">
               <a:buNone/>
               <a:defRPr>
                 <a:solidFill>
-                  <a:schemeClr val="tx1">
-                    <a:tint val="75000"/>
-                  </a:schemeClr>
+                  <a:schemeClr val="tx1"/>
                 </a:solidFill>
               </a:defRPr>
             </a:lvl1pPr>
             <a:lvl2pPr marL="457200" indent="0" algn="ctr">
               <a:buNone/>
-              <a:defRPr>
-                <a:solidFill>
-                  <a:schemeClr val="tx1">
-                    <a:tint val="75000"/>
-                  </a:schemeClr>
-                </a:solidFill>
-              </a:defRPr>
             </a:lvl2pPr>
             <a:lvl3pPr marL="914400" indent="0" algn="ctr">
               <a:buNone/>
-              <a:defRPr>
-                <a:solidFill>
-                  <a:schemeClr val="tx1">
-                    <a:tint val="75000"/>
-                  </a:schemeClr>
-                </a:solidFill>
-              </a:defRPr>
             </a:lvl3pPr>
             <a:lvl4pPr marL="1371600" indent="0" algn="ctr">
               <a:buNone/>
-              <a:defRPr>
-                <a:solidFill>
-                  <a:schemeClr val="tx1">
-                    <a:tint val="75000"/>
-                  </a:schemeClr>
-                </a:solidFill>
-              </a:defRPr>
             </a:lvl4pPr>
             <a:lvl5pPr marL="1828800" indent="0" algn="ctr">
               <a:buNone/>
-              <a:defRPr>
-                <a:solidFill>
-                  <a:schemeClr val="tx1">
-                    <a:tint val="75000"/>
-                  </a:schemeClr>
-                </a:solidFill>
-              </a:defRPr>
             </a:lvl5pPr>
             <a:lvl6pPr marL="2286000" indent="0" algn="ctr">
               <a:buNone/>
-              <a:defRPr>
-                <a:solidFill>
-                  <a:schemeClr val="tx1">
-                    <a:tint val="75000"/>
-                  </a:schemeClr>
-                </a:solidFill>
-              </a:defRPr>
             </a:lvl6pPr>
             <a:lvl7pPr marL="2743200" indent="0" algn="ctr">
               <a:buNone/>
-              <a:defRPr>
-                <a:solidFill>
-                  <a:schemeClr val="tx1">
-                    <a:tint val="75000"/>
-                  </a:schemeClr>
-                </a:solidFill>
-              </a:defRPr>
             </a:lvl7pPr>
             <a:lvl8pPr marL="3200400" indent="0" algn="ctr">
               <a:buNone/>
-              <a:defRPr>
-                <a:solidFill>
-                  <a:schemeClr val="tx1">
-                    <a:tint val="75000"/>
-                  </a:schemeClr>
-                </a:solidFill>
-              </a:defRPr>
             </a:lvl8pPr>
             <a:lvl9pPr marL="3657600" indent="0" algn="ctr">
               <a:buNone/>
-              <a:defRPr>
-                <a:solidFill>
-                  <a:schemeClr val="tx1">
-                    <a:tint val="75000"/>
-                  </a:schemeClr>
-                </a:solidFill>
-              </a:defRPr>
             </a:lvl9pPr>
           </a:lstStyle>
           <a:p>
             <a:r>
-              <a:rPr lang="en-US" smtClean="0"/>
+              <a:rPr kumimoji="0" lang="en-US" smtClean="0"/>
               <a:t>Click to edit Master subtitle style</a:t>
             </a:r>
-            <a:endParaRPr lang="en-US"/>
-          </a:p>
-        </p:txBody>
-      </p:sp>
-      <p:sp>
-        <p:nvSpPr>
-          <p:cNvPr id="4" name="Date Placeholder 3"/>
+            <a:endParaRPr kumimoji="0" lang="en-US"/>
+          </a:p>
+        </p:txBody>
+      </p:sp>
+      <p:sp>
+        <p:nvSpPr>
+          <p:cNvPr id="30" name="Date Placeholder 29"/>
           <p:cNvSpPr>
             <a:spLocks noGrp="1"/>
           </p:cNvSpPr>
@@ -304,7 +734,7 @@
           <a:p>
             <a:fld id="{5BCAD085-E8A6-8845-BD4E-CB4CCA059FC4}" type="datetimeFigureOut">
               <a:rPr lang="en-US" smtClean="0"/>
-              <a:t>7/21/2025</a:t>
+              <a:t>7/22/2025</a:t>
             </a:fld>
             <a:endParaRPr lang="en-US"/>
           </a:p>
@@ -312,7 +742,7 @@
       </p:sp>
       <p:sp>
         <p:nvSpPr>
-          <p:cNvPr id="5" name="Footer Placeholder 4"/>
+          <p:cNvPr id="19" name="Footer Placeholder 18"/>
           <p:cNvSpPr>
             <a:spLocks noGrp="1"/>
           </p:cNvSpPr>
@@ -331,7 +761,7 @@
       </p:sp>
       <p:sp>
         <p:nvSpPr>
-          <p:cNvPr id="6" name="Slide Number Placeholder 5"/>
+          <p:cNvPr id="27" name="Slide Number Placeholder 26"/>
           <p:cNvSpPr>
             <a:spLocks noGrp="1"/>
           </p:cNvSpPr>
@@ -353,14 +783,9 @@
         </p:txBody>
       </p:sp>
     </p:spTree>
-    <p:extLst>
-      <p:ext uri="{BB962C8B-B14F-4D97-AF65-F5344CB8AC3E}">
-        <p14:creationId xmlns:p14="http://schemas.microsoft.com/office/powerpoint/2010/main" val="3168075583"/>
-      </p:ext>
-    </p:extLst>
   </p:cSld>
   <p:clrMapOvr>
-    <a:masterClrMapping/>
+    <a:overrideClrMapping bg1="dk1" tx1="lt1" bg2="dk2" tx2="lt2" accent1="accent1" accent2="accent2" accent3="accent3" accent4="accent4" accent5="accent5" accent6="accent6" hlink="hlink" folHlink="folHlink"/>
   </p:clrMapOvr>
 </p:sldLayout>
 </file>
@@ -398,10 +823,10 @@
           <a:lstStyle/>
           <a:p>
             <a:r>
-              <a:rPr lang="en-US" smtClean="0"/>
+              <a:rPr kumimoji="0" lang="en-US" smtClean="0"/>
               <a:t>Click to edit Master title style</a:t>
             </a:r>
-            <a:endParaRPr lang="en-US"/>
+            <a:endParaRPr kumimoji="0" lang="en-US"/>
           </a:p>
         </p:txBody>
       </p:sp>
@@ -420,40 +845,40 @@
           <a:bodyPr vert="eaVert"/>
           <a:lstStyle/>
           <a:p>
-            <a:pPr lvl="0"/>
+            <a:pPr lvl="0" eaLnBrk="1" latinLnBrk="0" hangingPunct="1"/>
             <a:r>
               <a:rPr lang="en-US" smtClean="0"/>
               <a:t>Click to edit Master text styles</a:t>
             </a:r>
           </a:p>
           <a:p>
-            <a:pPr lvl="1"/>
+            <a:pPr lvl="1" eaLnBrk="1" latinLnBrk="0" hangingPunct="1"/>
             <a:r>
               <a:rPr lang="en-US" smtClean="0"/>
               <a:t>Second level</a:t>
             </a:r>
           </a:p>
           <a:p>
-            <a:pPr lvl="2"/>
+            <a:pPr lvl="2" eaLnBrk="1" latinLnBrk="0" hangingPunct="1"/>
             <a:r>
               <a:rPr lang="en-US" smtClean="0"/>
               <a:t>Third level</a:t>
             </a:r>
           </a:p>
           <a:p>
-            <a:pPr lvl="3"/>
+            <a:pPr lvl="3" eaLnBrk="1" latinLnBrk="0" hangingPunct="1"/>
             <a:r>
               <a:rPr lang="en-US" smtClean="0"/>
               <a:t>Fourth level</a:t>
             </a:r>
           </a:p>
           <a:p>
-            <a:pPr lvl="4"/>
+            <a:pPr lvl="4" eaLnBrk="1" latinLnBrk="0" hangingPunct="1"/>
             <a:r>
               <a:rPr lang="en-US" smtClean="0"/>
               <a:t>Fifth level</a:t>
             </a:r>
-            <a:endParaRPr lang="en-US"/>
+            <a:endParaRPr kumimoji="0" lang="en-US"/>
           </a:p>
         </p:txBody>
       </p:sp>
@@ -474,7 +899,7 @@
           <a:p>
             <a:fld id="{5BCAD085-E8A6-8845-BD4E-CB4CCA059FC4}" type="datetimeFigureOut">
               <a:rPr lang="en-US" smtClean="0"/>
-              <a:t>7/21/2025</a:t>
+              <a:t>7/22/2025</a:t>
             </a:fld>
             <a:endParaRPr lang="en-US"/>
           </a:p>
@@ -523,11 +948,6 @@
         </p:txBody>
       </p:sp>
     </p:spTree>
-    <p:extLst>
-      <p:ext uri="{BB962C8B-B14F-4D97-AF65-F5344CB8AC3E}">
-        <p14:creationId xmlns:p14="http://schemas.microsoft.com/office/powerpoint/2010/main" val="2910927964"/>
-      </p:ext>
-    </p:extLst>
   </p:cSld>
   <p:clrMapOvr>
     <a:masterClrMapping/>
@@ -564,8 +984,8 @@
         </p:nvSpPr>
         <p:spPr>
           <a:xfrm>
-            <a:off x="6629400" y="274638"/>
-            <a:ext cx="2057400" cy="5851525"/>
+            <a:off x="6629400" y="914401"/>
+            <a:ext cx="2057400" cy="5211763"/>
           </a:xfrm>
         </p:spPr>
         <p:txBody>
@@ -573,10 +993,10 @@
           <a:lstStyle/>
           <a:p>
             <a:r>
-              <a:rPr lang="en-US" smtClean="0"/>
+              <a:rPr kumimoji="0" lang="en-US" smtClean="0"/>
               <a:t>Click to edit Master title style</a:t>
             </a:r>
-            <a:endParaRPr lang="en-US"/>
+            <a:endParaRPr kumimoji="0" lang="en-US"/>
           </a:p>
         </p:txBody>
       </p:sp>
@@ -592,48 +1012,48 @@
         </p:nvSpPr>
         <p:spPr>
           <a:xfrm>
-            <a:off x="457200" y="274638"/>
-            <a:ext cx="6019800" cy="5851525"/>
+            <a:off x="457200" y="914401"/>
+            <a:ext cx="6019800" cy="5211763"/>
           </a:xfrm>
         </p:spPr>
         <p:txBody>
           <a:bodyPr vert="eaVert"/>
           <a:lstStyle/>
           <a:p>
-            <a:pPr lvl="0"/>
+            <a:pPr lvl="0" eaLnBrk="1" latinLnBrk="0" hangingPunct="1"/>
             <a:r>
               <a:rPr lang="en-US" smtClean="0"/>
               <a:t>Click to edit Master text styles</a:t>
             </a:r>
           </a:p>
           <a:p>
-            <a:pPr lvl="1"/>
+            <a:pPr lvl="1" eaLnBrk="1" latinLnBrk="0" hangingPunct="1"/>
             <a:r>
               <a:rPr lang="en-US" smtClean="0"/>
               <a:t>Second level</a:t>
             </a:r>
           </a:p>
           <a:p>
-            <a:pPr lvl="2"/>
+            <a:pPr lvl="2" eaLnBrk="1" latinLnBrk="0" hangingPunct="1"/>
             <a:r>
               <a:rPr lang="en-US" smtClean="0"/>
               <a:t>Third level</a:t>
             </a:r>
           </a:p>
           <a:p>
-            <a:pPr lvl="3"/>
+            <a:pPr lvl="3" eaLnBrk="1" latinLnBrk="0" hangingPunct="1"/>
             <a:r>
               <a:rPr lang="en-US" smtClean="0"/>
               <a:t>Fourth level</a:t>
             </a:r>
           </a:p>
           <a:p>
-            <a:pPr lvl="4"/>
+            <a:pPr lvl="4" eaLnBrk="1" latinLnBrk="0" hangingPunct="1"/>
             <a:r>
               <a:rPr lang="en-US" smtClean="0"/>
               <a:t>Fifth level</a:t>
             </a:r>
-            <a:endParaRPr lang="en-US"/>
+            <a:endParaRPr kumimoji="0" lang="en-US"/>
           </a:p>
         </p:txBody>
       </p:sp>
@@ -654,7 +1074,7 @@
           <a:p>
             <a:fld id="{5BCAD085-E8A6-8845-BD4E-CB4CCA059FC4}" type="datetimeFigureOut">
               <a:rPr lang="en-US" smtClean="0"/>
-              <a:t>7/21/2025</a:t>
+              <a:t>7/22/2025</a:t>
             </a:fld>
             <a:endParaRPr lang="en-US"/>
           </a:p>
@@ -703,11 +1123,6 @@
         </p:txBody>
       </p:sp>
     </p:spTree>
-    <p:extLst>
-      <p:ext uri="{BB962C8B-B14F-4D97-AF65-F5344CB8AC3E}">
-        <p14:creationId xmlns:p14="http://schemas.microsoft.com/office/powerpoint/2010/main" val="3612223792"/>
-      </p:ext>
-    </p:extLst>
   </p:cSld>
   <p:clrMapOvr>
     <a:masterClrMapping/>
@@ -748,10 +1163,10 @@
           <a:lstStyle/>
           <a:p>
             <a:r>
-              <a:rPr lang="en-US" smtClean="0"/>
+              <a:rPr kumimoji="0" lang="en-US" smtClean="0"/>
               <a:t>Click to edit Master title style</a:t>
             </a:r>
-            <a:endParaRPr lang="en-US"/>
+            <a:endParaRPr kumimoji="0" lang="en-US"/>
           </a:p>
         </p:txBody>
       </p:sp>
@@ -770,40 +1185,40 @@
           <a:bodyPr/>
           <a:lstStyle/>
           <a:p>
-            <a:pPr lvl="0"/>
+            <a:pPr lvl="0" eaLnBrk="1" latinLnBrk="0" hangingPunct="1"/>
             <a:r>
               <a:rPr lang="en-US" smtClean="0"/>
               <a:t>Click to edit Master text styles</a:t>
             </a:r>
           </a:p>
           <a:p>
-            <a:pPr lvl="1"/>
+            <a:pPr lvl="1" eaLnBrk="1" latinLnBrk="0" hangingPunct="1"/>
             <a:r>
               <a:rPr lang="en-US" smtClean="0"/>
               <a:t>Second level</a:t>
             </a:r>
           </a:p>
           <a:p>
-            <a:pPr lvl="2"/>
+            <a:pPr lvl="2" eaLnBrk="1" latinLnBrk="0" hangingPunct="1"/>
             <a:r>
               <a:rPr lang="en-US" smtClean="0"/>
               <a:t>Third level</a:t>
             </a:r>
           </a:p>
           <a:p>
-            <a:pPr lvl="3"/>
+            <a:pPr lvl="3" eaLnBrk="1" latinLnBrk="0" hangingPunct="1"/>
             <a:r>
               <a:rPr lang="en-US" smtClean="0"/>
               <a:t>Fourth level</a:t>
             </a:r>
           </a:p>
           <a:p>
-            <a:pPr lvl="4"/>
+            <a:pPr lvl="4" eaLnBrk="1" latinLnBrk="0" hangingPunct="1"/>
             <a:r>
               <a:rPr lang="en-US" smtClean="0"/>
               <a:t>Fifth level</a:t>
             </a:r>
-            <a:endParaRPr lang="en-US"/>
+            <a:endParaRPr kumimoji="0" lang="en-US"/>
           </a:p>
         </p:txBody>
       </p:sp>
@@ -824,7 +1239,7 @@
           <a:p>
             <a:fld id="{5BCAD085-E8A6-8845-BD4E-CB4CCA059FC4}" type="datetimeFigureOut">
               <a:rPr lang="en-US" smtClean="0"/>
-              <a:t>7/21/2025</a:t>
+              <a:t>7/22/2025</a:t>
             </a:fld>
             <a:endParaRPr lang="en-US"/>
           </a:p>
@@ -873,11 +1288,6 @@
         </p:txBody>
       </p:sp>
     </p:spTree>
-    <p:extLst>
-      <p:ext uri="{BB962C8B-B14F-4D97-AF65-F5344CB8AC3E}">
-        <p14:creationId xmlns:p14="http://schemas.microsoft.com/office/powerpoint/2010/main" val="2614314258"/>
-      </p:ext>
-    </p:extLst>
   </p:cSld>
   <p:clrMapOvr>
     <a:masterClrMapping/>
@@ -888,6 +1298,11 @@
 <file path=ppt/slideLayouts/slideLayout3.xml><?xml version="1.0" encoding="utf-8"?>
 <p:sldLayout xmlns:a="http://schemas.openxmlformats.org/drawingml/2006/main" xmlns:r="http://schemas.openxmlformats.org/officeDocument/2006/relationships" xmlns:p="http://schemas.openxmlformats.org/presentationml/2006/main" type="secHead" preserve="1">
   <p:cSld name="Section Header">
+    <p:bg>
+      <p:bgRef idx="1002">
+        <a:schemeClr val="bg2"/>
+      </p:bgRef>
+    </p:bg>
     <p:spTree>
       <p:nvGrpSpPr>
         <p:cNvPr id="1" name=""/>
@@ -914,23 +1329,61 @@
         </p:nvSpPr>
         <p:spPr>
           <a:xfrm>
-            <a:off x="722313" y="4406900"/>
-            <a:ext cx="7772400" cy="1362075"/>
+            <a:off x="530352" y="1316736"/>
+            <a:ext cx="7772400" cy="1362456"/>
           </a:xfrm>
+          <a:ln>
+            <a:noFill/>
+          </a:ln>
         </p:spPr>
         <p:txBody>
-          <a:bodyPr anchor="t"/>
+          <a:bodyPr vert="horz" tIns="0" bIns="0" anchor="b">
+            <a:noAutofit/>
+            <a:scene3d>
+              <a:camera prst="orthographicFront"/>
+              <a:lightRig rig="freezing" dir="t">
+                <a:rot lat="0" lon="0" rev="5640000"/>
+              </a:lightRig>
+            </a:scene3d>
+            <a:sp3d prstMaterial="flat">
+              <a:bevelT w="38100" h="38100"/>
+            </a:sp3d>
+          </a:bodyPr>
           <a:lstStyle>
-            <a:lvl1pPr algn="l">
-              <a:defRPr sz="4000" b="1" cap="all"/>
+            <a:lvl1pPr algn="l" rtl="0">
+              <a:spcBef>
+                <a:spcPct val="0"/>
+              </a:spcBef>
+              <a:buNone/>
+              <a:defRPr lang="en-US" sz="5600" b="1" cap="none" baseline="0" dirty="0">
+                <a:ln w="635">
+                  <a:noFill/>
+                </a:ln>
+                <a:solidFill>
+                  <a:schemeClr val="accent4">
+                    <a:tint val="90000"/>
+                    <a:satMod val="125000"/>
+                  </a:schemeClr>
+                </a:solidFill>
+                <a:effectLst>
+                  <a:outerShdw blurRad="38100" dist="25400" dir="5400000" algn="tl" rotWithShape="0">
+                    <a:srgbClr val="000000">
+                      <a:alpha val="43000"/>
+                    </a:srgbClr>
+                  </a:outerShdw>
+                </a:effectLst>
+                <a:latin typeface="+mj-lt"/>
+                <a:ea typeface="+mj-ea"/>
+                <a:cs typeface="+mj-cs"/>
+              </a:defRPr>
             </a:lvl1pPr>
           </a:lstStyle>
           <a:p>
             <a:r>
-              <a:rPr lang="en-US" smtClean="0"/>
+              <a:rPr kumimoji="0" lang="en-US" smtClean="0"/>
               <a:t>Click to edit Master title style</a:t>
             </a:r>
-            <a:endParaRPr lang="en-US"/>
+            <a:endParaRPr kumimoji="0" lang="en-US"/>
           </a:p>
         </p:txBody>
       </p:sp>
@@ -946,44 +1399,52 @@
         </p:nvSpPr>
         <p:spPr>
           <a:xfrm>
-            <a:off x="722313" y="2906713"/>
-            <a:ext cx="7772400" cy="1500187"/>
+            <a:off x="530352" y="2704664"/>
+            <a:ext cx="7772400" cy="1509712"/>
           </a:xfrm>
         </p:spPr>
         <p:txBody>
-          <a:bodyPr anchor="b"/>
+          <a:bodyPr lIns="45720" rIns="45720" anchor="t"/>
           <a:lstStyle>
             <a:lvl1pPr marL="0" indent="0">
               <a:buNone/>
-              <a:defRPr sz="2000">
+              <a:defRPr sz="2200">
+                <a:solidFill>
+                  <a:schemeClr val="tx1"/>
+                </a:solidFill>
+              </a:defRPr>
+            </a:lvl1pPr>
+            <a:lvl2pPr>
+              <a:buNone/>
+              <a:defRPr sz="1800">
                 <a:solidFill>
                   <a:schemeClr val="tx1">
                     <a:tint val="75000"/>
                   </a:schemeClr>
                 </a:solidFill>
               </a:defRPr>
-            </a:lvl1pPr>
-            <a:lvl2pPr marL="457200" indent="0">
+            </a:lvl2pPr>
+            <a:lvl3pPr>
               <a:buNone/>
-              <a:defRPr sz="1800">
+              <a:defRPr sz="1600">
                 <a:solidFill>
                   <a:schemeClr val="tx1">
                     <a:tint val="75000"/>
                   </a:schemeClr>
                 </a:solidFill>
               </a:defRPr>
-            </a:lvl2pPr>
-            <a:lvl3pPr marL="914400" indent="0">
+            </a:lvl3pPr>
+            <a:lvl4pPr>
               <a:buNone/>
-              <a:defRPr sz="1600">
+              <a:defRPr sz="1400">
                 <a:solidFill>
                   <a:schemeClr val="tx1">
                     <a:tint val="75000"/>
                   </a:schemeClr>
                 </a:solidFill>
               </a:defRPr>
-            </a:lvl3pPr>
-            <a:lvl4pPr marL="1371600" indent="0">
+            </a:lvl4pPr>
+            <a:lvl5pPr>
               <a:buNone/>
               <a:defRPr sz="1400">
                 <a:solidFill>
@@ -992,62 +1453,12 @@
                   </a:schemeClr>
                 </a:solidFill>
               </a:defRPr>
-            </a:lvl4pPr>
-            <a:lvl5pPr marL="1828800" indent="0">
-              <a:buNone/>
-              <a:defRPr sz="1400">
-                <a:solidFill>
-                  <a:schemeClr val="tx1">
-                    <a:tint val="75000"/>
-                  </a:schemeClr>
-                </a:solidFill>
-              </a:defRPr>
             </a:lvl5pPr>
-            <a:lvl6pPr marL="2286000" indent="0">
-              <a:buNone/>
-              <a:defRPr sz="1400">
-                <a:solidFill>
-                  <a:schemeClr val="tx1">
-                    <a:tint val="75000"/>
-                  </a:schemeClr>
-                </a:solidFill>
-              </a:defRPr>
-            </a:lvl6pPr>
-            <a:lvl7pPr marL="2743200" indent="0">
-              <a:buNone/>
-              <a:defRPr sz="1400">
-                <a:solidFill>
-                  <a:schemeClr val="tx1">
-                    <a:tint val="75000"/>
-                  </a:schemeClr>
-                </a:solidFill>
-              </a:defRPr>
-            </a:lvl7pPr>
-            <a:lvl8pPr marL="3200400" indent="0">
-              <a:buNone/>
-              <a:defRPr sz="1400">
-                <a:solidFill>
-                  <a:schemeClr val="tx1">
-                    <a:tint val="75000"/>
-                  </a:schemeClr>
-                </a:solidFill>
-              </a:defRPr>
-            </a:lvl8pPr>
-            <a:lvl9pPr marL="3657600" indent="0">
-              <a:buNone/>
-              <a:defRPr sz="1400">
-                <a:solidFill>
-                  <a:schemeClr val="tx1">
-                    <a:tint val="75000"/>
-                  </a:schemeClr>
-                </a:solidFill>
-              </a:defRPr>
-            </a:lvl9pPr>
           </a:lstStyle>
           <a:p>
-            <a:pPr lvl="0"/>
-            <a:r>
-              <a:rPr lang="en-US" smtClean="0"/>
+            <a:pPr lvl="0" eaLnBrk="1" latinLnBrk="0" hangingPunct="1"/>
+            <a:r>
+              <a:rPr kumimoji="0" lang="en-US" smtClean="0"/>
               <a:t>Click to edit Master text styles</a:t>
             </a:r>
           </a:p>
@@ -1070,7 +1481,7 @@
           <a:p>
             <a:fld id="{5BCAD085-E8A6-8845-BD4E-CB4CCA059FC4}" type="datetimeFigureOut">
               <a:rPr lang="en-US" smtClean="0"/>
-              <a:t>7/21/2025</a:t>
+              <a:t>7/22/2025</a:t>
             </a:fld>
             <a:endParaRPr lang="en-US"/>
           </a:p>
@@ -1119,14 +1530,9 @@
         </p:txBody>
       </p:sp>
     </p:spTree>
-    <p:extLst>
-      <p:ext uri="{BB962C8B-B14F-4D97-AF65-F5344CB8AC3E}">
-        <p14:creationId xmlns:p14="http://schemas.microsoft.com/office/powerpoint/2010/main" val="960648375"/>
-      </p:ext>
-    </p:extLst>
   </p:cSld>
   <p:clrMapOvr>
-    <a:masterClrMapping/>
+    <a:overrideClrMapping bg1="dk1" tx1="lt1" bg2="dk2" tx2="lt2" accent1="accent1" accent2="accent2" accent3="accent3" accent4="accent4" accent5="accent5" accent6="accent6" hlink="hlink" folHlink="folHlink"/>
   </p:clrMapOvr>
 </p:sldLayout>
 </file>
@@ -1158,16 +1564,21 @@
             <p:ph type="title"/>
           </p:nvPr>
         </p:nvSpPr>
-        <p:spPr/>
+        <p:spPr>
+          <a:xfrm>
+            <a:off x="457200" y="704088"/>
+            <a:ext cx="8229600" cy="1143000"/>
+          </a:xfrm>
+        </p:spPr>
         <p:txBody>
           <a:bodyPr/>
           <a:lstStyle/>
           <a:p>
             <a:r>
-              <a:rPr lang="en-US" smtClean="0"/>
+              <a:rPr kumimoji="0" lang="en-US" smtClean="0"/>
               <a:t>Click to edit Master title style</a:t>
             </a:r>
-            <a:endParaRPr lang="en-US"/>
+            <a:endParaRPr kumimoji="0" lang="en-US"/>
           </a:p>
         </p:txBody>
       </p:sp>
@@ -1183,15 +1594,15 @@
         </p:nvSpPr>
         <p:spPr>
           <a:xfrm>
-            <a:off x="457200" y="1600200"/>
-            <a:ext cx="4038600" cy="4525963"/>
+            <a:off x="457200" y="1920085"/>
+            <a:ext cx="4038600" cy="4434840"/>
           </a:xfrm>
         </p:spPr>
         <p:txBody>
           <a:bodyPr/>
           <a:lstStyle>
             <a:lvl1pPr>
-              <a:defRPr sz="2800"/>
+              <a:defRPr sz="2600"/>
             </a:lvl1pPr>
             <a:lvl2pPr>
               <a:defRPr sz="2400"/>
@@ -1205,54 +1616,42 @@
             <a:lvl5pPr>
               <a:defRPr sz="1800"/>
             </a:lvl5pPr>
-            <a:lvl6pPr>
-              <a:defRPr sz="1800"/>
-            </a:lvl6pPr>
-            <a:lvl7pPr>
-              <a:defRPr sz="1800"/>
-            </a:lvl7pPr>
-            <a:lvl8pPr>
-              <a:defRPr sz="1800"/>
-            </a:lvl8pPr>
-            <a:lvl9pPr>
-              <a:defRPr sz="1800"/>
-            </a:lvl9pPr>
           </a:lstStyle>
           <a:p>
-            <a:pPr lvl="0"/>
+            <a:pPr lvl="0" eaLnBrk="1" latinLnBrk="0" hangingPunct="1"/>
             <a:r>
               <a:rPr lang="en-US" smtClean="0"/>
               <a:t>Click to edit Master text styles</a:t>
             </a:r>
           </a:p>
           <a:p>
-            <a:pPr lvl="1"/>
+            <a:pPr lvl="1" eaLnBrk="1" latinLnBrk="0" hangingPunct="1"/>
             <a:r>
               <a:rPr lang="en-US" smtClean="0"/>
               <a:t>Second level</a:t>
             </a:r>
           </a:p>
           <a:p>
-            <a:pPr lvl="2"/>
+            <a:pPr lvl="2" eaLnBrk="1" latinLnBrk="0" hangingPunct="1"/>
             <a:r>
               <a:rPr lang="en-US" smtClean="0"/>
               <a:t>Third level</a:t>
             </a:r>
           </a:p>
           <a:p>
-            <a:pPr lvl="3"/>
+            <a:pPr lvl="3" eaLnBrk="1" latinLnBrk="0" hangingPunct="1"/>
             <a:r>
               <a:rPr lang="en-US" smtClean="0"/>
               <a:t>Fourth level</a:t>
             </a:r>
           </a:p>
           <a:p>
-            <a:pPr lvl="4"/>
+            <a:pPr lvl="4" eaLnBrk="1" latinLnBrk="0" hangingPunct="1"/>
             <a:r>
               <a:rPr lang="en-US" smtClean="0"/>
               <a:t>Fifth level</a:t>
             </a:r>
-            <a:endParaRPr lang="en-US"/>
+            <a:endParaRPr kumimoji="0" lang="en-US"/>
           </a:p>
         </p:txBody>
       </p:sp>
@@ -1268,15 +1667,15 @@
         </p:nvSpPr>
         <p:spPr>
           <a:xfrm>
-            <a:off x="4648200" y="1600200"/>
-            <a:ext cx="4038600" cy="4525963"/>
+            <a:off x="4648200" y="1920085"/>
+            <a:ext cx="4038600" cy="4434840"/>
           </a:xfrm>
         </p:spPr>
         <p:txBody>
           <a:bodyPr/>
           <a:lstStyle>
             <a:lvl1pPr>
-              <a:defRPr sz="2800"/>
+              <a:defRPr sz="2600"/>
             </a:lvl1pPr>
             <a:lvl2pPr>
               <a:defRPr sz="2400"/>
@@ -1290,54 +1689,42 @@
             <a:lvl5pPr>
               <a:defRPr sz="1800"/>
             </a:lvl5pPr>
-            <a:lvl6pPr>
-              <a:defRPr sz="1800"/>
-            </a:lvl6pPr>
-            <a:lvl7pPr>
-              <a:defRPr sz="1800"/>
-            </a:lvl7pPr>
-            <a:lvl8pPr>
-              <a:defRPr sz="1800"/>
-            </a:lvl8pPr>
-            <a:lvl9pPr>
-              <a:defRPr sz="1800"/>
-            </a:lvl9pPr>
           </a:lstStyle>
           <a:p>
-            <a:pPr lvl="0"/>
+            <a:pPr lvl="0" eaLnBrk="1" latinLnBrk="0" hangingPunct="1"/>
             <a:r>
               <a:rPr lang="en-US" smtClean="0"/>
               <a:t>Click to edit Master text styles</a:t>
             </a:r>
           </a:p>
           <a:p>
-            <a:pPr lvl="1"/>
+            <a:pPr lvl="1" eaLnBrk="1" latinLnBrk="0" hangingPunct="1"/>
             <a:r>
               <a:rPr lang="en-US" smtClean="0"/>
               <a:t>Second level</a:t>
             </a:r>
           </a:p>
           <a:p>
-            <a:pPr lvl="2"/>
+            <a:pPr lvl="2" eaLnBrk="1" latinLnBrk="0" hangingPunct="1"/>
             <a:r>
               <a:rPr lang="en-US" smtClean="0"/>
               <a:t>Third level</a:t>
             </a:r>
           </a:p>
           <a:p>
-            <a:pPr lvl="3"/>
+            <a:pPr lvl="3" eaLnBrk="1" latinLnBrk="0" hangingPunct="1"/>
             <a:r>
               <a:rPr lang="en-US" smtClean="0"/>
               <a:t>Fourth level</a:t>
             </a:r>
           </a:p>
           <a:p>
-            <a:pPr lvl="4"/>
+            <a:pPr lvl="4" eaLnBrk="1" latinLnBrk="0" hangingPunct="1"/>
             <a:r>
               <a:rPr lang="en-US" smtClean="0"/>
               <a:t>Fifth level</a:t>
             </a:r>
-            <a:endParaRPr lang="en-US"/>
+            <a:endParaRPr kumimoji="0" lang="en-US"/>
           </a:p>
         </p:txBody>
       </p:sp>
@@ -1358,7 +1745,7 @@
           <a:p>
             <a:fld id="{5BCAD085-E8A6-8845-BD4E-CB4CCA059FC4}" type="datetimeFigureOut">
               <a:rPr lang="en-US" smtClean="0"/>
-              <a:t>7/21/2025</a:t>
+              <a:t>7/22/2025</a:t>
             </a:fld>
             <a:endParaRPr lang="en-US"/>
           </a:p>
@@ -1407,11 +1794,6 @@
         </p:txBody>
       </p:sp>
     </p:spTree>
-    <p:extLst>
-      <p:ext uri="{BB962C8B-B14F-4D97-AF65-F5344CB8AC3E}">
-        <p14:creationId xmlns:p14="http://schemas.microsoft.com/office/powerpoint/2010/main" val="2782244947"/>
-      </p:ext>
-    </p:extLst>
   </p:cSld>
   <p:clrMapOvr>
     <a:masterClrMapping/>
@@ -1446,9 +1828,14 @@
             <p:ph type="title"/>
           </p:nvPr>
         </p:nvSpPr>
-        <p:spPr/>
-        <p:txBody>
-          <a:bodyPr/>
+        <p:spPr>
+          <a:xfrm>
+            <a:off x="457200" y="704088"/>
+            <a:ext cx="8229600" cy="1143000"/>
+          </a:xfrm>
+        </p:spPr>
+        <p:txBody>
+          <a:bodyPr tIns="45720" anchor="b"/>
           <a:lstStyle>
             <a:lvl1pPr>
               <a:defRPr/>
@@ -1456,10 +1843,10 @@
           </a:lstStyle>
           <a:p>
             <a:r>
-              <a:rPr lang="en-US" smtClean="0"/>
+              <a:rPr kumimoji="0" lang="en-US" smtClean="0"/>
               <a:t>Click to edit Master title style</a:t>
             </a:r>
-            <a:endParaRPr lang="en-US"/>
+            <a:endParaRPr kumimoji="0" lang="en-US"/>
           </a:p>
         </p:txBody>
       </p:sp>
@@ -1475,54 +1862,99 @@
         </p:nvSpPr>
         <p:spPr>
           <a:xfrm>
-            <a:off x="457200" y="1535113"/>
-            <a:ext cx="4040188" cy="639762"/>
+            <a:off x="457200" y="1855248"/>
+            <a:ext cx="4040188" cy="659352"/>
           </a:xfrm>
         </p:spPr>
         <p:txBody>
-          <a:bodyPr anchor="b"/>
+          <a:bodyPr lIns="45720" tIns="0" rIns="45720" bIns="0" anchor="ctr">
+            <a:noAutofit/>
+          </a:bodyPr>
           <a:lstStyle>
             <a:lvl1pPr marL="0" indent="0">
               <a:buNone/>
-              <a:defRPr sz="2400" b="1"/>
+              <a:defRPr sz="2400" b="1" cap="none" baseline="0">
+                <a:solidFill>
+                  <a:schemeClr val="tx2"/>
+                </a:solidFill>
+                <a:effectLst/>
+              </a:defRPr>
             </a:lvl1pPr>
-            <a:lvl2pPr marL="457200" indent="0">
+            <a:lvl2pPr>
               <a:buNone/>
               <a:defRPr sz="2000" b="1"/>
             </a:lvl2pPr>
-            <a:lvl3pPr marL="914400" indent="0">
+            <a:lvl3pPr>
               <a:buNone/>
               <a:defRPr sz="1800" b="1"/>
             </a:lvl3pPr>
-            <a:lvl4pPr marL="1371600" indent="0">
+            <a:lvl4pPr>
               <a:buNone/>
               <a:defRPr sz="1600" b="1"/>
             </a:lvl4pPr>
-            <a:lvl5pPr marL="1828800" indent="0">
+            <a:lvl5pPr>
               <a:buNone/>
               <a:defRPr sz="1600" b="1"/>
             </a:lvl5pPr>
-            <a:lvl6pPr marL="2286000" indent="0">
+          </a:lstStyle>
+          <a:p>
+            <a:pPr lvl="0" eaLnBrk="1" latinLnBrk="0" hangingPunct="1"/>
+            <a:r>
+              <a:rPr kumimoji="0" lang="en-US" smtClean="0"/>
+              <a:t>Click to edit Master text styles</a:t>
+            </a:r>
+          </a:p>
+        </p:txBody>
+      </p:sp>
+      <p:sp>
+        <p:nvSpPr>
+          <p:cNvPr id="4" name="Text Placeholder 3"/>
+          <p:cNvSpPr>
+            <a:spLocks noGrp="1"/>
+          </p:cNvSpPr>
+          <p:nvPr>
+            <p:ph type="body" sz="half" idx="3"/>
+          </p:nvPr>
+        </p:nvSpPr>
+        <p:spPr>
+          <a:xfrm>
+            <a:off x="4645025" y="1859757"/>
+            <a:ext cx="4041775" cy="654843"/>
+          </a:xfrm>
+        </p:spPr>
+        <p:txBody>
+          <a:bodyPr lIns="45720" tIns="0" rIns="45720" bIns="0" anchor="ctr"/>
+          <a:lstStyle>
+            <a:lvl1pPr marL="0" indent="0">
+              <a:buNone/>
+              <a:defRPr sz="2400" b="1" cap="none" baseline="0">
+                <a:solidFill>
+                  <a:schemeClr val="tx2"/>
+                </a:solidFill>
+                <a:effectLst/>
+              </a:defRPr>
+            </a:lvl1pPr>
+            <a:lvl2pPr>
+              <a:buNone/>
+              <a:defRPr sz="2000" b="1"/>
+            </a:lvl2pPr>
+            <a:lvl3pPr>
+              <a:buNone/>
+              <a:defRPr sz="1800" b="1"/>
+            </a:lvl3pPr>
+            <a:lvl4pPr>
               <a:buNone/>
               <a:defRPr sz="1600" b="1"/>
-            </a:lvl6pPr>
-            <a:lvl7pPr marL="2743200" indent="0">
+            </a:lvl4pPr>
+            <a:lvl5pPr>
               <a:buNone/>
               <a:defRPr sz="1600" b="1"/>
-            </a:lvl7pPr>
-            <a:lvl8pPr marL="3200400" indent="0">
-              <a:buNone/>
-              <a:defRPr sz="1600" b="1"/>
-            </a:lvl8pPr>
-            <a:lvl9pPr marL="3657600" indent="0">
-              <a:buNone/>
-              <a:defRPr sz="1600" b="1"/>
-            </a:lvl9pPr>
+            </a:lvl5pPr>
           </a:lstStyle>
           <a:p>
-            <a:pPr lvl="0"/>
-            <a:r>
-              <a:rPr lang="en-US" smtClean="0"/>
+            <a:pPr lvl="0" eaLnBrk="1" latinLnBrk="0" hangingPunct="1"/>
+            <a:r>
+              <a:rPr kumimoji="0" lang="en-US" smtClean="0"/>
               <a:t>Click to edit Master text styles</a:t>
             </a:r>
           </a:p>
@@ -1530,25 +1962,25 @@
       </p:sp>
       <p:sp>
         <p:nvSpPr>
-          <p:cNvPr id="4" name="Content Placeholder 3"/>
+          <p:cNvPr id="5" name="Content Placeholder 4"/>
           <p:cNvSpPr>
             <a:spLocks noGrp="1"/>
           </p:cNvSpPr>
           <p:nvPr>
-            <p:ph sz="half" idx="2"/>
+            <p:ph sz="quarter" idx="2"/>
           </p:nvPr>
         </p:nvSpPr>
         <p:spPr>
           <a:xfrm>
-            <a:off x="457200" y="2174875"/>
-            <a:ext cx="4040188" cy="3951288"/>
+            <a:off x="457200" y="2514600"/>
+            <a:ext cx="4040188" cy="3845720"/>
           </a:xfrm>
         </p:spPr>
         <p:txBody>
-          <a:bodyPr/>
+          <a:bodyPr tIns="0"/>
           <a:lstStyle>
             <a:lvl1pPr>
-              <a:defRPr sz="2400"/>
+              <a:defRPr sz="2200"/>
             </a:lvl1pPr>
             <a:lvl2pPr>
               <a:defRPr sz="2000"/>
@@ -1562,119 +1994,42 @@
             <a:lvl5pPr>
               <a:defRPr sz="1600"/>
             </a:lvl5pPr>
-            <a:lvl6pPr>
-              <a:defRPr sz="1600"/>
-            </a:lvl6pPr>
-            <a:lvl7pPr>
-              <a:defRPr sz="1600"/>
-            </a:lvl7pPr>
-            <a:lvl8pPr>
-              <a:defRPr sz="1600"/>
-            </a:lvl8pPr>
-            <a:lvl9pPr>
-              <a:defRPr sz="1600"/>
-            </a:lvl9pPr>
           </a:lstStyle>
           <a:p>
-            <a:pPr lvl="0"/>
+            <a:pPr lvl="0" eaLnBrk="1" latinLnBrk="0" hangingPunct="1"/>
             <a:r>
               <a:rPr lang="en-US" smtClean="0"/>
               <a:t>Click to edit Master text styles</a:t>
             </a:r>
           </a:p>
           <a:p>
-            <a:pPr lvl="1"/>
+            <a:pPr lvl="1" eaLnBrk="1" latinLnBrk="0" hangingPunct="1"/>
             <a:r>
               <a:rPr lang="en-US" smtClean="0"/>
               <a:t>Second level</a:t>
             </a:r>
           </a:p>
           <a:p>
-            <a:pPr lvl="2"/>
+            <a:pPr lvl="2" eaLnBrk="1" latinLnBrk="0" hangingPunct="1"/>
             <a:r>
               <a:rPr lang="en-US" smtClean="0"/>
               <a:t>Third level</a:t>
             </a:r>
           </a:p>
           <a:p>
-            <a:pPr lvl="3"/>
+            <a:pPr lvl="3" eaLnBrk="1" latinLnBrk="0" hangingPunct="1"/>
             <a:r>
               <a:rPr lang="en-US" smtClean="0"/>
               <a:t>Fourth level</a:t>
             </a:r>
           </a:p>
           <a:p>
-            <a:pPr lvl="4"/>
+            <a:pPr lvl="4" eaLnBrk="1" latinLnBrk="0" hangingPunct="1"/>
             <a:r>
               <a:rPr lang="en-US" smtClean="0"/>
               <a:t>Fifth level</a:t>
             </a:r>
-            <a:endParaRPr lang="en-US"/>
-          </a:p>
-        </p:txBody>
-      </p:sp>
-      <p:sp>
-        <p:nvSpPr>
-          <p:cNvPr id="5" name="Text Placeholder 4"/>
-          <p:cNvSpPr>
-            <a:spLocks noGrp="1"/>
-          </p:cNvSpPr>
-          <p:nvPr>
-            <p:ph type="body" sz="quarter" idx="3"/>
-          </p:nvPr>
-        </p:nvSpPr>
-        <p:spPr>
-          <a:xfrm>
-            <a:off x="4645025" y="1535113"/>
-            <a:ext cx="4041775" cy="639762"/>
-          </a:xfrm>
-        </p:spPr>
-        <p:txBody>
-          <a:bodyPr anchor="b"/>
-          <a:lstStyle>
-            <a:lvl1pPr marL="0" indent="0">
-              <a:buNone/>
-              <a:defRPr sz="2400" b="1"/>
-            </a:lvl1pPr>
-            <a:lvl2pPr marL="457200" indent="0">
-              <a:buNone/>
-              <a:defRPr sz="2000" b="1"/>
-            </a:lvl2pPr>
-            <a:lvl3pPr marL="914400" indent="0">
-              <a:buNone/>
-              <a:defRPr sz="1800" b="1"/>
-            </a:lvl3pPr>
-            <a:lvl4pPr marL="1371600" indent="0">
-              <a:buNone/>
-              <a:defRPr sz="1600" b="1"/>
-            </a:lvl4pPr>
-            <a:lvl5pPr marL="1828800" indent="0">
-              <a:buNone/>
-              <a:defRPr sz="1600" b="1"/>
-            </a:lvl5pPr>
-            <a:lvl6pPr marL="2286000" indent="0">
-              <a:buNone/>
-              <a:defRPr sz="1600" b="1"/>
-            </a:lvl6pPr>
-            <a:lvl7pPr marL="2743200" indent="0">
-              <a:buNone/>
-              <a:defRPr sz="1600" b="1"/>
-            </a:lvl7pPr>
-            <a:lvl8pPr marL="3200400" indent="0">
-              <a:buNone/>
-              <a:defRPr sz="1600" b="1"/>
-            </a:lvl8pPr>
-            <a:lvl9pPr marL="3657600" indent="0">
-              <a:buNone/>
-              <a:defRPr sz="1600" b="1"/>
-            </a:lvl9pPr>
-          </a:lstStyle>
-          <a:p>
-            <a:pPr lvl="0"/>
-            <a:r>
-              <a:rPr lang="en-US" smtClean="0"/>
-              <a:t>Click to edit Master text styles</a:t>
-            </a:r>
+            <a:endParaRPr kumimoji="0" lang="en-US"/>
           </a:p>
         </p:txBody>
       </p:sp>
@@ -1690,15 +2045,15 @@
         </p:nvSpPr>
         <p:spPr>
           <a:xfrm>
-            <a:off x="4645025" y="2174875"/>
-            <a:ext cx="4041775" cy="3951288"/>
+            <a:off x="4645025" y="2514600"/>
+            <a:ext cx="4041775" cy="3845720"/>
           </a:xfrm>
         </p:spPr>
         <p:txBody>
-          <a:bodyPr/>
+          <a:bodyPr tIns="0"/>
           <a:lstStyle>
             <a:lvl1pPr>
-              <a:defRPr sz="2400"/>
+              <a:defRPr sz="2200"/>
             </a:lvl1pPr>
             <a:lvl2pPr>
               <a:defRPr sz="2000"/>
@@ -1712,54 +2067,42 @@
             <a:lvl5pPr>
               <a:defRPr sz="1600"/>
             </a:lvl5pPr>
-            <a:lvl6pPr>
-              <a:defRPr sz="1600"/>
-            </a:lvl6pPr>
-            <a:lvl7pPr>
-              <a:defRPr sz="1600"/>
-            </a:lvl7pPr>
-            <a:lvl8pPr>
-              <a:defRPr sz="1600"/>
-            </a:lvl8pPr>
-            <a:lvl9pPr>
-              <a:defRPr sz="1600"/>
-            </a:lvl9pPr>
           </a:lstStyle>
           <a:p>
-            <a:pPr lvl="0"/>
+            <a:pPr lvl="0" eaLnBrk="1" latinLnBrk="0" hangingPunct="1"/>
             <a:r>
               <a:rPr lang="en-US" smtClean="0"/>
               <a:t>Click to edit Master text styles</a:t>
             </a:r>
           </a:p>
           <a:p>
-            <a:pPr lvl="1"/>
+            <a:pPr lvl="1" eaLnBrk="1" latinLnBrk="0" hangingPunct="1"/>
             <a:r>
               <a:rPr lang="en-US" smtClean="0"/>
               <a:t>Second level</a:t>
             </a:r>
           </a:p>
           <a:p>
-            <a:pPr lvl="2"/>
+            <a:pPr lvl="2" eaLnBrk="1" latinLnBrk="0" hangingPunct="1"/>
             <a:r>
               <a:rPr lang="en-US" smtClean="0"/>
               <a:t>Third level</a:t>
             </a:r>
           </a:p>
           <a:p>
-            <a:pPr lvl="3"/>
+            <a:pPr lvl="3" eaLnBrk="1" latinLnBrk="0" hangingPunct="1"/>
             <a:r>
               <a:rPr lang="en-US" smtClean="0"/>
               <a:t>Fourth level</a:t>
             </a:r>
           </a:p>
           <a:p>
-            <a:pPr lvl="4"/>
+            <a:pPr lvl="4" eaLnBrk="1" latinLnBrk="0" hangingPunct="1"/>
             <a:r>
               <a:rPr lang="en-US" smtClean="0"/>
               <a:t>Fifth level</a:t>
             </a:r>
-            <a:endParaRPr lang="en-US"/>
+            <a:endParaRPr kumimoji="0" lang="en-US"/>
           </a:p>
         </p:txBody>
       </p:sp>
@@ -1780,7 +2123,7 @@
           <a:p>
             <a:fld id="{5BCAD085-E8A6-8845-BD4E-CB4CCA059FC4}" type="datetimeFigureOut">
               <a:rPr lang="en-US" smtClean="0"/>
-              <a:t>7/21/2025</a:t>
+              <a:t>7/22/2025</a:t>
             </a:fld>
             <a:endParaRPr lang="en-US"/>
           </a:p>
@@ -1829,11 +2172,6 @@
         </p:txBody>
       </p:sp>
     </p:spTree>
-    <p:extLst>
-      <p:ext uri="{BB962C8B-B14F-4D97-AF65-F5344CB8AC3E}">
-        <p14:creationId xmlns:p14="http://schemas.microsoft.com/office/powerpoint/2010/main" val="990158736"/>
-      </p:ext>
-    </p:extLst>
   </p:cSld>
   <p:clrMapOvr>
     <a:masterClrMapping/>
@@ -1868,16 +2206,53 @@
             <p:ph type="title"/>
           </p:nvPr>
         </p:nvSpPr>
-        <p:spPr/>
-        <p:txBody>
-          <a:bodyPr/>
-          <a:lstStyle/>
-          <a:p>
-            <a:r>
-              <a:rPr lang="en-US" smtClean="0"/>
+        <p:spPr>
+          <a:xfrm>
+            <a:off x="457200" y="704088"/>
+            <a:ext cx="8305800" cy="1143000"/>
+          </a:xfrm>
+        </p:spPr>
+        <p:txBody>
+          <a:bodyPr vert="horz" tIns="45720" bIns="0" anchor="b">
+            <a:normAutofit/>
+            <a:scene3d>
+              <a:camera prst="orthographicFront"/>
+              <a:lightRig rig="freezing" dir="t">
+                <a:rot lat="0" lon="0" rev="5640000"/>
+              </a:lightRig>
+            </a:scene3d>
+            <a:sp3d prstMaterial="flat">
+              <a:contourClr>
+                <a:schemeClr val="tx2"/>
+              </a:contourClr>
+            </a:sp3d>
+          </a:bodyPr>
+          <a:lstStyle>
+            <a:lvl1pPr algn="l" rtl="0">
+              <a:spcBef>
+                <a:spcPct val="0"/>
+              </a:spcBef>
+              <a:buNone/>
+              <a:defRPr sz="5000" b="0">
+                <a:ln>
+                  <a:noFill/>
+                </a:ln>
+                <a:solidFill>
+                  <a:schemeClr val="tx2"/>
+                </a:solidFill>
+                <a:effectLst/>
+                <a:latin typeface="+mj-lt"/>
+                <a:ea typeface="+mj-ea"/>
+                <a:cs typeface="+mj-cs"/>
+              </a:defRPr>
+            </a:lvl1pPr>
+          </a:lstStyle>
+          <a:p>
+            <a:r>
+              <a:rPr kumimoji="0" lang="en-US" smtClean="0"/>
               <a:t>Click to edit Master title style</a:t>
             </a:r>
-            <a:endParaRPr lang="en-US"/>
+            <a:endParaRPr kumimoji="0" lang="en-US"/>
           </a:p>
         </p:txBody>
       </p:sp>
@@ -1898,7 +2273,7 @@
           <a:p>
             <a:fld id="{5BCAD085-E8A6-8845-BD4E-CB4CCA059FC4}" type="datetimeFigureOut">
               <a:rPr lang="en-US" smtClean="0"/>
-              <a:t>7/21/2025</a:t>
+              <a:t>7/22/2025</a:t>
             </a:fld>
             <a:endParaRPr lang="en-US"/>
           </a:p>
@@ -1947,11 +2322,6 @@
         </p:txBody>
       </p:sp>
     </p:spTree>
-    <p:extLst>
-      <p:ext uri="{BB962C8B-B14F-4D97-AF65-F5344CB8AC3E}">
-        <p14:creationId xmlns:p14="http://schemas.microsoft.com/office/powerpoint/2010/main" val="727027711"/>
-      </p:ext>
-    </p:extLst>
   </p:cSld>
   <p:clrMapOvr>
     <a:masterClrMapping/>
@@ -1993,7 +2363,7 @@
           <a:p>
             <a:fld id="{5BCAD085-E8A6-8845-BD4E-CB4CCA059FC4}" type="datetimeFigureOut">
               <a:rPr lang="en-US" smtClean="0"/>
-              <a:t>7/21/2025</a:t>
+              <a:t>7/22/2025</a:t>
             </a:fld>
             <a:endParaRPr lang="en-US"/>
           </a:p>
@@ -2042,11 +2412,6 @@
         </p:txBody>
       </p:sp>
     </p:spTree>
-    <p:extLst>
-      <p:ext uri="{BB962C8B-B14F-4D97-AF65-F5344CB8AC3E}">
-        <p14:creationId xmlns:p14="http://schemas.microsoft.com/office/powerpoint/2010/main" val="1212999818"/>
-      </p:ext>
-    </p:extLst>
   </p:cSld>
   <p:clrMapOvr>
     <a:masterClrMapping/>
@@ -2083,50 +2448,116 @@
         </p:nvSpPr>
         <p:spPr>
           <a:xfrm>
-            <a:off x="457200" y="273050"/>
-            <a:ext cx="3008313" cy="1162050"/>
+            <a:off x="685800" y="514352"/>
+            <a:ext cx="2743200" cy="1162050"/>
           </a:xfrm>
         </p:spPr>
         <p:txBody>
-          <a:bodyPr anchor="b"/>
+          <a:bodyPr lIns="0" anchor="b">
+            <a:noAutofit/>
+          </a:bodyPr>
           <a:lstStyle>
-            <a:lvl1pPr algn="l">
-              <a:defRPr sz="2000" b="1"/>
+            <a:lvl1pPr algn="l" rtl="0">
+              <a:spcBef>
+                <a:spcPct val="0"/>
+              </a:spcBef>
+              <a:buNone/>
+              <a:defRPr sz="2600" b="0">
+                <a:ln>
+                  <a:noFill/>
+                </a:ln>
+                <a:solidFill>
+                  <a:schemeClr val="tx2"/>
+                </a:solidFill>
+                <a:effectLst/>
+                <a:latin typeface="+mj-lt"/>
+                <a:ea typeface="+mj-ea"/>
+                <a:cs typeface="+mj-cs"/>
+              </a:defRPr>
             </a:lvl1pPr>
           </a:lstStyle>
           <a:p>
             <a:r>
-              <a:rPr lang="en-US" smtClean="0"/>
+              <a:rPr kumimoji="0" lang="en-US" smtClean="0"/>
               <a:t>Click to edit Master title style</a:t>
             </a:r>
-            <a:endParaRPr lang="en-US"/>
-          </a:p>
-        </p:txBody>
-      </p:sp>
-      <p:sp>
-        <p:nvSpPr>
-          <p:cNvPr id="3" name="Content Placeholder 2"/>
+            <a:endParaRPr kumimoji="0" lang="en-US"/>
+          </a:p>
+        </p:txBody>
+      </p:sp>
+      <p:sp>
+        <p:nvSpPr>
+          <p:cNvPr id="3" name="Text Placeholder 2"/>
           <p:cNvSpPr>
             <a:spLocks noGrp="1"/>
           </p:cNvSpPr>
           <p:nvPr>
-            <p:ph idx="1"/>
+            <p:ph type="body" idx="2"/>
           </p:nvPr>
         </p:nvSpPr>
         <p:spPr>
           <a:xfrm>
-            <a:off x="3575050" y="273050"/>
-            <a:ext cx="5111750" cy="5853113"/>
+            <a:off x="685800" y="1676400"/>
+            <a:ext cx="2743200" cy="4572000"/>
           </a:xfrm>
         </p:spPr>
         <p:txBody>
-          <a:bodyPr/>
+          <a:bodyPr lIns="18288" rIns="18288"/>
+          <a:lstStyle>
+            <a:lvl1pPr marL="0" indent="0" algn="l">
+              <a:buNone/>
+              <a:defRPr sz="1400"/>
+            </a:lvl1pPr>
+            <a:lvl2pPr indent="0" algn="l">
+              <a:buNone/>
+              <a:defRPr sz="1200"/>
+            </a:lvl2pPr>
+            <a:lvl3pPr indent="0" algn="l">
+              <a:buNone/>
+              <a:defRPr sz="1000"/>
+            </a:lvl3pPr>
+            <a:lvl4pPr indent="0" algn="l">
+              <a:buNone/>
+              <a:defRPr sz="900"/>
+            </a:lvl4pPr>
+            <a:lvl5pPr indent="0" algn="l">
+              <a:buNone/>
+              <a:defRPr sz="900"/>
+            </a:lvl5pPr>
+          </a:lstStyle>
+          <a:p>
+            <a:pPr lvl="0" eaLnBrk="1" latinLnBrk="0" hangingPunct="1"/>
+            <a:r>
+              <a:rPr kumimoji="0" lang="en-US" smtClean="0"/>
+              <a:t>Click to edit Master text styles</a:t>
+            </a:r>
+          </a:p>
+        </p:txBody>
+      </p:sp>
+      <p:sp>
+        <p:nvSpPr>
+          <p:cNvPr id="4" name="Content Placeholder 3"/>
+          <p:cNvSpPr>
+            <a:spLocks noGrp="1"/>
+          </p:cNvSpPr>
+          <p:nvPr>
+            <p:ph sz="half" idx="1"/>
+          </p:nvPr>
+        </p:nvSpPr>
+        <p:spPr>
+          <a:xfrm>
+            <a:off x="3575050" y="1676400"/>
+            <a:ext cx="5111750" cy="4572000"/>
+          </a:xfrm>
+        </p:spPr>
+        <p:txBody>
+          <a:bodyPr tIns="0"/>
           <a:lstStyle>
             <a:lvl1pPr>
-              <a:defRPr sz="3200"/>
+              <a:defRPr sz="2800"/>
             </a:lvl1pPr>
             <a:lvl2pPr>
-              <a:defRPr sz="2800"/>
+              <a:defRPr sz="2600"/>
             </a:lvl2pPr>
             <a:lvl3pPr>
               <a:defRPr sz="2400"/>
@@ -2135,121 +2566,44 @@
               <a:defRPr sz="2000"/>
             </a:lvl4pPr>
             <a:lvl5pPr>
-              <a:defRPr sz="2000"/>
+              <a:defRPr sz="1800"/>
             </a:lvl5pPr>
-            <a:lvl6pPr>
-              <a:defRPr sz="2000"/>
-            </a:lvl6pPr>
-            <a:lvl7pPr>
-              <a:defRPr sz="2000"/>
-            </a:lvl7pPr>
-            <a:lvl8pPr>
-              <a:defRPr sz="2000"/>
-            </a:lvl8pPr>
-            <a:lvl9pPr>
-              <a:defRPr sz="2000"/>
-            </a:lvl9pPr>
           </a:lstStyle>
           <a:p>
-            <a:pPr lvl="0"/>
+            <a:pPr lvl="0" eaLnBrk="1" latinLnBrk="0" hangingPunct="1"/>
             <a:r>
               <a:rPr lang="en-US" smtClean="0"/>
               <a:t>Click to edit Master text styles</a:t>
             </a:r>
           </a:p>
           <a:p>
-            <a:pPr lvl="1"/>
+            <a:pPr lvl="1" eaLnBrk="1" latinLnBrk="0" hangingPunct="1"/>
             <a:r>
               <a:rPr lang="en-US" smtClean="0"/>
               <a:t>Second level</a:t>
             </a:r>
           </a:p>
           <a:p>
-            <a:pPr lvl="2"/>
+            <a:pPr lvl="2" eaLnBrk="1" latinLnBrk="0" hangingPunct="1"/>
             <a:r>
               <a:rPr lang="en-US" smtClean="0"/>
               <a:t>Third level</a:t>
             </a:r>
           </a:p>
           <a:p>
-            <a:pPr lvl="3"/>
+            <a:pPr lvl="3" eaLnBrk="1" latinLnBrk="0" hangingPunct="1"/>
             <a:r>
               <a:rPr lang="en-US" smtClean="0"/>
               <a:t>Fourth level</a:t>
             </a:r>
           </a:p>
           <a:p>
-            <a:pPr lvl="4"/>
+            <a:pPr lvl="4" eaLnBrk="1" latinLnBrk="0" hangingPunct="1"/>
             <a:r>
               <a:rPr lang="en-US" smtClean="0"/>
               <a:t>Fifth level</a:t>
             </a:r>
-            <a:endParaRPr lang="en-US"/>
-          </a:p>
-        </p:txBody>
-      </p:sp>
-      <p:sp>
-        <p:nvSpPr>
-          <p:cNvPr id="4" name="Text Placeholder 3"/>
-          <p:cNvSpPr>
-            <a:spLocks noGrp="1"/>
-          </p:cNvSpPr>
-          <p:nvPr>
-            <p:ph type="body" sz="half" idx="2"/>
-          </p:nvPr>
-        </p:nvSpPr>
-        <p:spPr>
-          <a:xfrm>
-            <a:off x="457200" y="1435100"/>
-            <a:ext cx="3008313" cy="4691063"/>
-          </a:xfrm>
-        </p:spPr>
-        <p:txBody>
-          <a:bodyPr/>
-          <a:lstStyle>
-            <a:lvl1pPr marL="0" indent="0">
-              <a:buNone/>
-              <a:defRPr sz="1400"/>
-            </a:lvl1pPr>
-            <a:lvl2pPr marL="457200" indent="0">
-              <a:buNone/>
-              <a:defRPr sz="1200"/>
-            </a:lvl2pPr>
-            <a:lvl3pPr marL="914400" indent="0">
-              <a:buNone/>
-              <a:defRPr sz="1000"/>
-            </a:lvl3pPr>
-            <a:lvl4pPr marL="1371600" indent="0">
-              <a:buNone/>
-              <a:defRPr sz="900"/>
-            </a:lvl4pPr>
-            <a:lvl5pPr marL="1828800" indent="0">
-              <a:buNone/>
-              <a:defRPr sz="900"/>
-            </a:lvl5pPr>
-            <a:lvl6pPr marL="2286000" indent="0">
-              <a:buNone/>
-              <a:defRPr sz="900"/>
-            </a:lvl6pPr>
-            <a:lvl7pPr marL="2743200" indent="0">
-              <a:buNone/>
-              <a:defRPr sz="900"/>
-            </a:lvl7pPr>
-            <a:lvl8pPr marL="3200400" indent="0">
-              <a:buNone/>
-              <a:defRPr sz="900"/>
-            </a:lvl8pPr>
-            <a:lvl9pPr marL="3657600" indent="0">
-              <a:buNone/>
-              <a:defRPr sz="900"/>
-            </a:lvl9pPr>
-          </a:lstStyle>
-          <a:p>
-            <a:pPr lvl="0"/>
-            <a:r>
-              <a:rPr lang="en-US" smtClean="0"/>
-              <a:t>Click to edit Master text styles</a:t>
-            </a:r>
+            <a:endParaRPr kumimoji="0" lang="en-US"/>
           </a:p>
         </p:txBody>
       </p:sp>
@@ -2270,7 +2624,7 @@
           <a:p>
             <a:fld id="{5BCAD085-E8A6-8845-BD4E-CB4CCA059FC4}" type="datetimeFigureOut">
               <a:rPr lang="en-US" smtClean="0"/>
-              <a:t>7/21/2025</a:t>
+              <a:t>7/22/2025</a:t>
             </a:fld>
             <a:endParaRPr lang="en-US"/>
           </a:p>
@@ -2319,11 +2673,6 @@
         </p:txBody>
       </p:sp>
     </p:spTree>
-    <p:extLst>
-      <p:ext uri="{BB962C8B-B14F-4D97-AF65-F5344CB8AC3E}">
-        <p14:creationId xmlns:p14="http://schemas.microsoft.com/office/powerpoint/2010/main" val="1840726560"/>
-      </p:ext>
-    </p:extLst>
   </p:cSld>
   <p:clrMapOvr>
     <a:masterClrMapping/>
@@ -2332,7 +2681,7 @@
 </file>
 
 <file path=ppt/slideLayouts/slideLayout9.xml><?xml version="1.0" encoding="utf-8"?>
-<p:sldLayout xmlns:a="http://schemas.openxmlformats.org/drawingml/2006/main" xmlns:r="http://schemas.openxmlformats.org/officeDocument/2006/relationships" xmlns:p="http://schemas.openxmlformats.org/presentationml/2006/main" type="picTx" preserve="1">
+<p:sldLayout xmlns:a="http://schemas.openxmlformats.org/drawingml/2006/main" xmlns:r="http://schemas.openxmlformats.org/officeDocument/2006/relationships" xmlns:p="http://schemas.openxmlformats.org/presentationml/2006/main" showMasterSp="0" type="picTx" preserve="1">
   <p:cSld name="Picture with Caption">
     <p:spTree>
       <p:nvGrpSpPr>
@@ -2350,6 +2699,118 @@
       </p:grpSpPr>
       <p:sp>
         <p:nvSpPr>
+          <p:cNvPr id="9" name="Snip and Round Single Corner Rectangle 8"/>
+          <p:cNvSpPr/>
+          <p:nvPr/>
+        </p:nvSpPr>
+        <p:spPr>
+          <a:xfrm rot="420000" flipV="1">
+            <a:off x="3165753" y="1108077"/>
+            <a:ext cx="5257800" cy="4114800"/>
+          </a:xfrm>
+          <a:prstGeom prst="snipRoundRect">
+            <a:avLst>
+              <a:gd name="adj1" fmla="val 0"/>
+              <a:gd name="adj2" fmla="val 3646"/>
+            </a:avLst>
+          </a:prstGeom>
+          <a:solidFill>
+            <a:srgbClr val="FFFFFF"/>
+          </a:solidFill>
+          <a:ln w="3175" cap="rnd" cmpd="sng" algn="ctr">
+            <a:solidFill>
+              <a:srgbClr val="C0C0C0"/>
+            </a:solidFill>
+            <a:prstDash val="solid"/>
+          </a:ln>
+          <a:effectLst>
+            <a:outerShdw blurRad="63500" dist="38500" dir="7500000" sx="98500" sy="100080" kx="100000" algn="tl" rotWithShape="0">
+              <a:srgbClr val="000000">
+                <a:alpha val="25000"/>
+              </a:srgbClr>
+            </a:outerShdw>
+          </a:effectLst>
+        </p:spPr>
+        <p:style>
+          <a:lnRef idx="2">
+            <a:schemeClr val="accent1"/>
+          </a:lnRef>
+          <a:fillRef idx="1">
+            <a:schemeClr val="accent1"/>
+          </a:fillRef>
+          <a:effectRef idx="0">
+            <a:schemeClr val="accent1"/>
+          </a:effectRef>
+          <a:fontRef idx="minor">
+            <a:schemeClr val="lt1"/>
+          </a:fontRef>
+        </p:style>
+        <p:txBody>
+          <a:bodyPr rtlCol="0" anchor="ctr"/>
+          <a:lstStyle/>
+          <a:p>
+            <a:pPr algn="ctr" eaLnBrk="1" latinLnBrk="0" hangingPunct="1"/>
+            <a:endParaRPr kumimoji="0" lang="en-US"/>
+          </a:p>
+        </p:txBody>
+      </p:sp>
+      <p:sp>
+        <p:nvSpPr>
+          <p:cNvPr id="12" name="Right Triangle 11"/>
+          <p:cNvSpPr/>
+          <p:nvPr/>
+        </p:nvSpPr>
+        <p:spPr>
+          <a:xfrm rot="420000" flipV="1">
+            <a:off x="8004134" y="5359769"/>
+            <a:ext cx="155448" cy="155448"/>
+          </a:xfrm>
+          <a:prstGeom prst="rtTriangle">
+            <a:avLst/>
+          </a:prstGeom>
+          <a:solidFill>
+            <a:srgbClr val="FFFFFF"/>
+          </a:solidFill>
+          <a:ln w="12700" cap="flat" cmpd="sng" algn="ctr">
+            <a:solidFill>
+              <a:srgbClr val="FFFFFF"/>
+            </a:solidFill>
+            <a:prstDash val="solid"/>
+            <a:bevel/>
+          </a:ln>
+          <a:effectLst>
+            <a:outerShdw blurRad="19685" dist="6350" dir="12900000" algn="tl" rotWithShape="0">
+              <a:srgbClr val="000000">
+                <a:alpha val="47000"/>
+              </a:srgbClr>
+            </a:outerShdw>
+          </a:effectLst>
+        </p:spPr>
+        <p:style>
+          <a:lnRef idx="2">
+            <a:schemeClr val="accent1"/>
+          </a:lnRef>
+          <a:fillRef idx="1">
+            <a:schemeClr val="accent1"/>
+          </a:fillRef>
+          <a:effectRef idx="0">
+            <a:schemeClr val="accent1"/>
+          </a:effectRef>
+          <a:fontRef idx="minor">
+            <a:schemeClr val="lt1"/>
+          </a:fontRef>
+        </p:style>
+        <p:txBody>
+          <a:bodyPr rtlCol="0" anchor="ctr"/>
+          <a:lstStyle/>
+          <a:p>
+            <a:pPr algn="ctr" eaLnBrk="1" latinLnBrk="0" hangingPunct="1"/>
+            <a:endParaRPr kumimoji="0" lang="en-US"/>
+          </a:p>
+        </p:txBody>
+      </p:sp>
+      <p:sp>
+        <p:nvSpPr>
           <p:cNvPr id="2" name="Title 1"/>
           <p:cNvSpPr>
             <a:spLocks noGrp="1"/>
@@ -2360,22 +2821,146 @@
         </p:nvSpPr>
         <p:spPr>
           <a:xfrm>
-            <a:off x="1792288" y="4800600"/>
-            <a:ext cx="5486400" cy="566738"/>
+            <a:off x="609600" y="1176996"/>
+            <a:ext cx="2212848" cy="1582621"/>
           </a:xfrm>
         </p:spPr>
         <p:txBody>
-          <a:bodyPr anchor="b"/>
+          <a:bodyPr vert="horz" lIns="45720" tIns="45720" rIns="45720" bIns="45720" anchor="b"/>
           <a:lstStyle>
             <a:lvl1pPr algn="l">
-              <a:defRPr sz="2000" b="1"/>
+              <a:buNone/>
+              <a:defRPr sz="2000" b="1">
+                <a:solidFill>
+                  <a:schemeClr val="tx2"/>
+                </a:solidFill>
+              </a:defRPr>
             </a:lvl1pPr>
           </a:lstStyle>
           <a:p>
             <a:r>
+              <a:rPr kumimoji="0" lang="en-US" smtClean="0"/>
+              <a:t>Click to edit Master title style</a:t>
+            </a:r>
+            <a:endParaRPr kumimoji="0" lang="en-US"/>
+          </a:p>
+        </p:txBody>
+      </p:sp>
+      <p:sp>
+        <p:nvSpPr>
+          <p:cNvPr id="4" name="Text Placeholder 3"/>
+          <p:cNvSpPr>
+            <a:spLocks noGrp="1"/>
+          </p:cNvSpPr>
+          <p:nvPr>
+            <p:ph type="body" sz="half" idx="2"/>
+          </p:nvPr>
+        </p:nvSpPr>
+        <p:spPr>
+          <a:xfrm>
+            <a:off x="609600" y="2828785"/>
+            <a:ext cx="2209800" cy="2179320"/>
+          </a:xfrm>
+        </p:spPr>
+        <p:txBody>
+          <a:bodyPr lIns="64008" rIns="45720" bIns="45720" anchor="t"/>
+          <a:lstStyle>
+            <a:lvl1pPr marL="0" indent="0" algn="l">
+              <a:spcBef>
+                <a:spcPts val="250"/>
+              </a:spcBef>
+              <a:buFontTx/>
+              <a:buNone/>
+              <a:defRPr sz="1300"/>
+            </a:lvl1pPr>
+            <a:lvl2pPr>
+              <a:defRPr sz="1200"/>
+            </a:lvl2pPr>
+            <a:lvl3pPr>
+              <a:defRPr sz="1000"/>
+            </a:lvl3pPr>
+            <a:lvl4pPr>
+              <a:defRPr sz="900"/>
+            </a:lvl4pPr>
+            <a:lvl5pPr>
+              <a:defRPr sz="900"/>
+            </a:lvl5pPr>
+          </a:lstStyle>
+          <a:p>
+            <a:pPr lvl="0" eaLnBrk="1" latinLnBrk="0" hangingPunct="1"/>
+            <a:r>
+              <a:rPr kumimoji="0" lang="en-US" smtClean="0"/>
+              <a:t>Click to edit Master text styles</a:t>
+            </a:r>
+          </a:p>
+        </p:txBody>
+      </p:sp>
+      <p:sp>
+        <p:nvSpPr>
+          <p:cNvPr id="5" name="Date Placeholder 4"/>
+          <p:cNvSpPr>
+            <a:spLocks noGrp="1"/>
+          </p:cNvSpPr>
+          <p:nvPr>
+            <p:ph type="dt" sz="half" idx="10"/>
+          </p:nvPr>
+        </p:nvSpPr>
+        <p:spPr/>
+        <p:txBody>
+          <a:bodyPr/>
+          <a:lstStyle/>
+          <a:p>
+            <a:fld id="{5BCAD085-E8A6-8845-BD4E-CB4CCA059FC4}" type="datetimeFigureOut">
               <a:rPr lang="en-US" smtClean="0"/>
-              <a:t>Click to edit Master title style</a:t>
-            </a:r>
+              <a:t>7/22/2025</a:t>
+            </a:fld>
+            <a:endParaRPr lang="en-US"/>
+          </a:p>
+        </p:txBody>
+      </p:sp>
+      <p:sp>
+        <p:nvSpPr>
+          <p:cNvPr id="6" name="Footer Placeholder 5"/>
+          <p:cNvSpPr>
+            <a:spLocks noGrp="1"/>
+          </p:cNvSpPr>
+          <p:nvPr>
+            <p:ph type="ftr" sz="quarter" idx="11"/>
+          </p:nvPr>
+        </p:nvSpPr>
+        <p:spPr/>
+        <p:txBody>
+          <a:bodyPr/>
+          <a:lstStyle/>
+          <a:p>
+            <a:endParaRPr lang="en-US"/>
+          </a:p>
+        </p:txBody>
+      </p:sp>
+      <p:sp>
+        <p:nvSpPr>
+          <p:cNvPr id="7" name="Slide Number Placeholder 6"/>
+          <p:cNvSpPr>
+            <a:spLocks noGrp="1"/>
+          </p:cNvSpPr>
+          <p:nvPr>
+            <p:ph type="sldNum" sz="quarter" idx="12"/>
+          </p:nvPr>
+        </p:nvSpPr>
+        <p:spPr>
+          <a:xfrm>
+            <a:off x="8077200" y="6356350"/>
+            <a:ext cx="609600" cy="365125"/>
+          </a:xfrm>
+        </p:spPr>
+        <p:txBody>
+          <a:bodyPr/>
+          <a:lstStyle/>
+          <a:p>
+            <a:fld id="{C1FF6DA9-008F-8B48-92A6-B652298478BF}" type="slidenum">
+              <a:rPr lang="en-US" smtClean="0"/>
+              <a:t>‹#›</a:t>
+            </a:fld>
             <a:endParaRPr lang="en-US"/>
           </a:p>
         </p:txBody>
@@ -2391,10 +2976,23 @@
           </p:nvPr>
         </p:nvSpPr>
         <p:spPr>
-          <a:xfrm>
-            <a:off x="1792288" y="612775"/>
-            <a:ext cx="5486400" cy="4114800"/>
+          <a:xfrm rot="420000">
+            <a:off x="3485793" y="1199517"/>
+            <a:ext cx="4617720" cy="3931920"/>
           </a:xfrm>
+          <a:prstGeom prst="rect">
+            <a:avLst/>
+          </a:prstGeom>
+          <a:solidFill>
+            <a:schemeClr val="bg2"/>
+          </a:solidFill>
+          <a:ln w="3000" cap="rnd">
+            <a:solidFill>
+              <a:srgbClr val="C0C0C0"/>
+            </a:solidFill>
+            <a:round/>
+          </a:ln>
+          <a:effectLst/>
         </p:spPr>
         <p:txBody>
           <a:bodyPr/>
@@ -2403,180 +3001,273 @@
               <a:buNone/>
               <a:defRPr sz="3200"/>
             </a:lvl1pPr>
-            <a:lvl2pPr marL="457200" indent="0">
-              <a:buNone/>
-              <a:defRPr sz="2800"/>
-            </a:lvl2pPr>
-            <a:lvl3pPr marL="914400" indent="0">
-              <a:buNone/>
-              <a:defRPr sz="2400"/>
-            </a:lvl3pPr>
-            <a:lvl4pPr marL="1371600" indent="0">
-              <a:buNone/>
-              <a:defRPr sz="2000"/>
-            </a:lvl4pPr>
-            <a:lvl5pPr marL="1828800" indent="0">
-              <a:buNone/>
-              <a:defRPr sz="2000"/>
-            </a:lvl5pPr>
-            <a:lvl6pPr marL="2286000" indent="0">
-              <a:buNone/>
-              <a:defRPr sz="2000"/>
-            </a:lvl6pPr>
-            <a:lvl7pPr marL="2743200" indent="0">
-              <a:buNone/>
-              <a:defRPr sz="2000"/>
-            </a:lvl7pPr>
-            <a:lvl8pPr marL="3200400" indent="0">
-              <a:buNone/>
-              <a:defRPr sz="2000"/>
-            </a:lvl8pPr>
-            <a:lvl9pPr marL="3657600" indent="0">
-              <a:buNone/>
-              <a:defRPr sz="2000"/>
-            </a:lvl9pPr>
           </a:lstStyle>
           <a:p>
-            <a:endParaRPr lang="en-US"/>
-          </a:p>
-        </p:txBody>
-      </p:sp>
-      <p:sp>
-        <p:nvSpPr>
-          <p:cNvPr id="4" name="Text Placeholder 3"/>
+            <a:r>
+              <a:rPr kumimoji="0" lang="en-US" smtClean="0"/>
+              <a:t>Click icon to add picture</a:t>
+            </a:r>
+            <a:endParaRPr kumimoji="0" lang="en-US" dirty="0"/>
+          </a:p>
+        </p:txBody>
+      </p:sp>
+      <p:sp>
+        <p:nvSpPr>
+          <p:cNvPr id="10" name="Freeform 9"/>
           <p:cNvSpPr>
-            <a:spLocks noGrp="1"/>
-          </p:cNvSpPr>
-          <p:nvPr>
-            <p:ph type="body" sz="half" idx="2"/>
-          </p:nvPr>
-        </p:nvSpPr>
-        <p:spPr>
-          <a:xfrm>
-            <a:off x="1792288" y="5367338"/>
-            <a:ext cx="5486400" cy="804862"/>
+            <a:spLocks/>
+          </p:cNvSpPr>
+          <p:nvPr/>
+        </p:nvSpPr>
+        <p:spPr bwMode="auto">
+          <a:xfrm flipV="1">
+            <a:off x="-9525" y="5816600"/>
+            <a:ext cx="9163050" cy="1041400"/>
           </a:xfrm>
+          <a:custGeom>
+            <a:avLst>
+              <a:gd name="A1" fmla="val 0"/>
+              <a:gd name="A2" fmla="val 0"/>
+              <a:gd name="A3" fmla="val 0"/>
+              <a:gd name="A4" fmla="val 0"/>
+              <a:gd name="A5" fmla="val 0"/>
+              <a:gd name="A6" fmla="val 0"/>
+              <a:gd name="A7" fmla="val 0"/>
+              <a:gd name="A8" fmla="val 0"/>
+            </a:avLst>
+            <a:gdLst/>
+            <a:ahLst/>
+            <a:cxnLst>
+              <a:cxn ang="0">
+                <a:pos x="6" y="2"/>
+              </a:cxn>
+              <a:cxn ang="0">
+                <a:pos x="2542" y="0"/>
+              </a:cxn>
+              <a:cxn ang="0">
+                <a:pos x="4374" y="367"/>
+              </a:cxn>
+              <a:cxn ang="0">
+                <a:pos x="5766" y="55"/>
+              </a:cxn>
+              <a:cxn ang="0">
+                <a:pos x="5772" y="213"/>
+              </a:cxn>
+              <a:cxn ang="0">
+                <a:pos x="4302" y="439"/>
+              </a:cxn>
+              <a:cxn ang="0">
+                <a:pos x="1488" y="201"/>
+              </a:cxn>
+              <a:cxn ang="0">
+                <a:pos x="0" y="656"/>
+              </a:cxn>
+              <a:cxn ang="0">
+                <a:pos x="6" y="2"/>
+              </a:cxn>
+            </a:cxnLst>
+            <a:rect l="0" t="0" r="0" b="0"/>
+            <a:pathLst>
+              <a:path w="5772" h="656">
+                <a:moveTo>
+                  <a:pt x="6" y="2"/>
+                </a:moveTo>
+                <a:lnTo>
+                  <a:pt x="2542" y="0"/>
+                </a:lnTo>
+                <a:cubicBezTo>
+                  <a:pt x="2746" y="101"/>
+                  <a:pt x="3828" y="367"/>
+                  <a:pt x="4374" y="367"/>
+                </a:cubicBezTo>
+                <a:cubicBezTo>
+                  <a:pt x="4920" y="367"/>
+                  <a:pt x="5526" y="152"/>
+                  <a:pt x="5766" y="55"/>
+                </a:cubicBezTo>
+                <a:lnTo>
+                  <a:pt x="5772" y="213"/>
+                </a:lnTo>
+                <a:cubicBezTo>
+                  <a:pt x="5670" y="257"/>
+                  <a:pt x="5016" y="441"/>
+                  <a:pt x="4302" y="439"/>
+                </a:cubicBezTo>
+                <a:cubicBezTo>
+                  <a:pt x="3588" y="437"/>
+                  <a:pt x="2205" y="165"/>
+                  <a:pt x="1488" y="201"/>
+                </a:cubicBezTo>
+                <a:cubicBezTo>
+                  <a:pt x="750" y="209"/>
+                  <a:pt x="270" y="482"/>
+                  <a:pt x="0" y="656"/>
+                </a:cubicBezTo>
+                <a:lnTo>
+                  <a:pt x="6" y="2"/>
+                </a:lnTo>
+                <a:close/>
+              </a:path>
+            </a:pathLst>
+          </a:custGeom>
+          <a:gradFill>
+            <a:gsLst>
+              <a:gs pos="0">
+                <a:schemeClr val="accent2">
+                  <a:shade val="50000"/>
+                  <a:alpha val="45000"/>
+                  <a:satMod val="120000"/>
+                </a:schemeClr>
+              </a:gs>
+              <a:gs pos="100000">
+                <a:schemeClr val="accent3">
+                  <a:shade val="80000"/>
+                  <a:alpha val="55000"/>
+                  <a:satMod val="155000"/>
+                </a:schemeClr>
+              </a:gs>
+            </a:gsLst>
+            <a:lin ang="5400000" scaled="1"/>
+          </a:gradFill>
+          <a:ln w="9525" cap="flat" cmpd="sng" algn="ctr">
+            <a:noFill/>
+            <a:prstDash val="solid"/>
+            <a:round/>
+            <a:headEnd type="none" w="med" len="med"/>
+            <a:tailEnd type="none" w="med" len="med"/>
+          </a:ln>
+          <a:effectLst/>
         </p:spPr>
         <p:txBody>
-          <a:bodyPr/>
-          <a:lstStyle>
-            <a:lvl1pPr marL="0" indent="0">
-              <a:buNone/>
-              <a:defRPr sz="1400"/>
-            </a:lvl1pPr>
-            <a:lvl2pPr marL="457200" indent="0">
-              <a:buNone/>
-              <a:defRPr sz="1200"/>
-            </a:lvl2pPr>
-            <a:lvl3pPr marL="914400" indent="0">
-              <a:buNone/>
-              <a:defRPr sz="1000"/>
-            </a:lvl3pPr>
-            <a:lvl4pPr marL="1371600" indent="0">
-              <a:buNone/>
-              <a:defRPr sz="900"/>
-            </a:lvl4pPr>
-            <a:lvl5pPr marL="1828800" indent="0">
-              <a:buNone/>
-              <a:defRPr sz="900"/>
-            </a:lvl5pPr>
-            <a:lvl6pPr marL="2286000" indent="0">
-              <a:buNone/>
-              <a:defRPr sz="900"/>
-            </a:lvl6pPr>
-            <a:lvl7pPr marL="2743200" indent="0">
-              <a:buNone/>
-              <a:defRPr sz="900"/>
-            </a:lvl7pPr>
-            <a:lvl8pPr marL="3200400" indent="0">
-              <a:buNone/>
-              <a:defRPr sz="900"/>
-            </a:lvl8pPr>
-            <a:lvl9pPr marL="3657600" indent="0">
-              <a:buNone/>
-              <a:defRPr sz="900"/>
-            </a:lvl9pPr>
-          </a:lstStyle>
-          <a:p>
-            <a:pPr lvl="0"/>
-            <a:r>
-              <a:rPr lang="en-US" smtClean="0"/>
-              <a:t>Click to edit Master text styles</a:t>
-            </a:r>
-          </a:p>
-        </p:txBody>
-      </p:sp>
-      <p:sp>
-        <p:nvSpPr>
-          <p:cNvPr id="5" name="Date Placeholder 4"/>
+          <a:bodyPr vert="horz" wrap="square" lIns="91440" tIns="45720" rIns="91440" bIns="45720" anchor="t" compatLnSpc="1"/>
+          <a:lstStyle/>
+          <a:p>
+            <a:pPr marL="0" algn="l" rtl="0" eaLnBrk="1" latinLnBrk="0" hangingPunct="1"/>
+            <a:endParaRPr kumimoji="0" lang="en-US">
+              <a:solidFill>
+                <a:schemeClr val="tx1"/>
+              </a:solidFill>
+              <a:latin typeface="+mn-lt"/>
+              <a:ea typeface="+mn-ea"/>
+              <a:cs typeface="+mn-cs"/>
+            </a:endParaRPr>
+          </a:p>
+        </p:txBody>
+      </p:sp>
+      <p:sp>
+        <p:nvSpPr>
+          <p:cNvPr id="11" name="Freeform 10"/>
           <p:cNvSpPr>
-            <a:spLocks noGrp="1"/>
-          </p:cNvSpPr>
-          <p:nvPr>
-            <p:ph type="dt" sz="half" idx="10"/>
-          </p:nvPr>
-        </p:nvSpPr>
-        <p:spPr/>
-        <p:txBody>
-          <a:bodyPr/>
+            <a:spLocks/>
+          </p:cNvSpPr>
+          <p:nvPr/>
+        </p:nvSpPr>
+        <p:spPr bwMode="auto">
+          <a:xfrm flipV="1">
+            <a:off x="4381500" y="6219825"/>
+            <a:ext cx="4762500" cy="638175"/>
+          </a:xfrm>
+          <a:custGeom>
+            <a:avLst>
+              <a:gd name="A1" fmla="val 0"/>
+              <a:gd name="A2" fmla="val 0"/>
+              <a:gd name="A3" fmla="val 0"/>
+              <a:gd name="A4" fmla="val 0"/>
+              <a:gd name="A5" fmla="val 0"/>
+              <a:gd name="A6" fmla="val 0"/>
+              <a:gd name="A7" fmla="val 0"/>
+              <a:gd name="A8" fmla="val 0"/>
+            </a:avLst>
+            <a:gdLst/>
+            <a:ahLst/>
+            <a:cxnLst>
+              <a:cxn ang="0">
+                <a:pos x="0" y="0"/>
+              </a:cxn>
+              <a:cxn ang="0">
+                <a:pos x="1668" y="564"/>
+              </a:cxn>
+              <a:cxn ang="0">
+                <a:pos x="3000" y="186"/>
+              </a:cxn>
+              <a:cxn ang="0">
+                <a:pos x="3000" y="6"/>
+              </a:cxn>
+              <a:cxn ang="0">
+                <a:pos x="0" y="0"/>
+              </a:cxn>
+            </a:cxnLst>
+            <a:rect l="0" t="0" r="0" b="0"/>
+            <a:pathLst>
+              <a:path w="3000" h="595">
+                <a:moveTo>
+                  <a:pt x="0" y="0"/>
+                </a:moveTo>
+                <a:cubicBezTo>
+                  <a:pt x="174" y="102"/>
+                  <a:pt x="1168" y="533"/>
+                  <a:pt x="1668" y="564"/>
+                </a:cubicBezTo>
+                <a:cubicBezTo>
+                  <a:pt x="2168" y="595"/>
+                  <a:pt x="2778" y="279"/>
+                  <a:pt x="3000" y="186"/>
+                </a:cubicBezTo>
+                <a:lnTo>
+                  <a:pt x="3000" y="6"/>
+                </a:lnTo>
+                <a:lnTo>
+                  <a:pt x="0" y="0"/>
+                </a:lnTo>
+                <a:close/>
+              </a:path>
+            </a:pathLst>
+          </a:custGeom>
+          <a:gradFill>
+            <a:gsLst>
+              <a:gs pos="0">
+                <a:schemeClr val="accent3">
+                  <a:shade val="50000"/>
+                  <a:alpha val="30000"/>
+                  <a:satMod val="130000"/>
+                </a:schemeClr>
+              </a:gs>
+              <a:gs pos="80000">
+                <a:schemeClr val="accent2">
+                  <a:shade val="75000"/>
+                  <a:alpha val="45000"/>
+                  <a:satMod val="140000"/>
+                </a:schemeClr>
+              </a:gs>
+            </a:gsLst>
+            <a:lin ang="5400000" scaled="1"/>
+          </a:gradFill>
+          <a:ln w="9525" cap="flat" cmpd="sng" algn="ctr">
+            <a:noFill/>
+            <a:prstDash val="solid"/>
+            <a:round/>
+            <a:headEnd type="none" w="med" len="med"/>
+            <a:tailEnd type="none" w="med" len="med"/>
+          </a:ln>
+          <a:effectLst/>
+        </p:spPr>
+        <p:txBody>
+          <a:bodyPr vert="horz" wrap="square" lIns="91440" tIns="45720" rIns="91440" bIns="45720" anchor="t" compatLnSpc="1"/>
           <a:lstStyle/>
           <a:p>
-            <a:fld id="{5BCAD085-E8A6-8845-BD4E-CB4CCA059FC4}" type="datetimeFigureOut">
-              <a:rPr lang="en-US" smtClean="0"/>
-              <a:t>7/21/2025</a:t>
-            </a:fld>
-            <a:endParaRPr lang="en-US"/>
-          </a:p>
-        </p:txBody>
-      </p:sp>
-      <p:sp>
-        <p:nvSpPr>
-          <p:cNvPr id="6" name="Footer Placeholder 5"/>
-          <p:cNvSpPr>
-            <a:spLocks noGrp="1"/>
-          </p:cNvSpPr>
-          <p:nvPr>
-            <p:ph type="ftr" sz="quarter" idx="11"/>
-          </p:nvPr>
-        </p:nvSpPr>
-        <p:spPr/>
-        <p:txBody>
-          <a:bodyPr/>
-          <a:lstStyle/>
-          <a:p>
-            <a:endParaRPr lang="en-US"/>
-          </a:p>
-        </p:txBody>
-      </p:sp>
-      <p:sp>
-        <p:nvSpPr>
-          <p:cNvPr id="7" name="Slide Number Placeholder 6"/>
-          <p:cNvSpPr>
-            <a:spLocks noGrp="1"/>
-          </p:cNvSpPr>
-          <p:nvPr>
-            <p:ph type="sldNum" sz="quarter" idx="12"/>
-          </p:nvPr>
-        </p:nvSpPr>
-        <p:spPr/>
-        <p:txBody>
-          <a:bodyPr/>
-          <a:lstStyle/>
-          <a:p>
-            <a:fld id="{C1FF6DA9-008F-8B48-92A6-B652298478BF}" type="slidenum">
-              <a:rPr lang="en-US" smtClean="0"/>
-              <a:t>‹#›</a:t>
-            </a:fld>
-            <a:endParaRPr lang="en-US"/>
+            <a:pPr marL="0" algn="l" rtl="0" eaLnBrk="1" latinLnBrk="0" hangingPunct="1"/>
+            <a:endParaRPr kumimoji="0" lang="en-US">
+              <a:solidFill>
+                <a:schemeClr val="tx1"/>
+              </a:solidFill>
+              <a:latin typeface="+mn-lt"/>
+              <a:ea typeface="+mn-ea"/>
+              <a:cs typeface="+mn-cs"/>
+            </a:endParaRPr>
           </a:p>
         </p:txBody>
       </p:sp>
     </p:spTree>
-    <p:extLst>
-      <p:ext uri="{BB962C8B-B14F-4D97-AF65-F5344CB8AC3E}">
-        <p14:creationId xmlns:p14="http://schemas.microsoft.com/office/powerpoint/2010/main" val="3889236939"/>
-      </p:ext>
-    </p:extLst>
   </p:cSld>
   <p:clrMapOvr>
     <a:masterClrMapping/>
@@ -2588,7 +3279,7 @@
 <p:sldMaster xmlns:a="http://schemas.openxmlformats.org/drawingml/2006/main" xmlns:r="http://schemas.openxmlformats.org/officeDocument/2006/relationships" xmlns:p="http://schemas.openxmlformats.org/presentationml/2006/main">
   <p:cSld>
     <p:bg>
-      <p:bgRef idx="1001">
+      <p:bgRef idx="1003">
         <a:schemeClr val="bg1"/>
       </p:bgRef>
     </p:bg>
@@ -2608,7 +3299,263 @@
       </p:grpSpPr>
       <p:sp>
         <p:nvSpPr>
-          <p:cNvPr id="2" name="Title Placeholder 1"/>
+          <p:cNvPr id="7" name="Freeform 6"/>
+          <p:cNvSpPr>
+            <a:spLocks/>
+          </p:cNvSpPr>
+          <p:nvPr/>
+        </p:nvSpPr>
+        <p:spPr bwMode="auto">
+          <a:xfrm>
+            <a:off x="-9525" y="-7144"/>
+            <a:ext cx="9163050" cy="1041400"/>
+          </a:xfrm>
+          <a:custGeom>
+            <a:avLst>
+              <a:gd name="A1" fmla="val 0"/>
+              <a:gd name="A2" fmla="val 0"/>
+              <a:gd name="A3" fmla="val 0"/>
+              <a:gd name="A4" fmla="val 0"/>
+              <a:gd name="A5" fmla="val 0"/>
+              <a:gd name="A6" fmla="val 0"/>
+              <a:gd name="A7" fmla="val 0"/>
+              <a:gd name="A8" fmla="val 0"/>
+            </a:avLst>
+            <a:gdLst/>
+            <a:ahLst/>
+            <a:cxnLst>
+              <a:cxn ang="0">
+                <a:pos x="6" y="2"/>
+              </a:cxn>
+              <a:cxn ang="0">
+                <a:pos x="2542" y="0"/>
+              </a:cxn>
+              <a:cxn ang="0">
+                <a:pos x="4374" y="367"/>
+              </a:cxn>
+              <a:cxn ang="0">
+                <a:pos x="5766" y="55"/>
+              </a:cxn>
+              <a:cxn ang="0">
+                <a:pos x="5772" y="213"/>
+              </a:cxn>
+              <a:cxn ang="0">
+                <a:pos x="4302" y="439"/>
+              </a:cxn>
+              <a:cxn ang="0">
+                <a:pos x="1488" y="201"/>
+              </a:cxn>
+              <a:cxn ang="0">
+                <a:pos x="0" y="656"/>
+              </a:cxn>
+              <a:cxn ang="0">
+                <a:pos x="6" y="2"/>
+              </a:cxn>
+            </a:cxnLst>
+            <a:rect l="0" t="0" r="0" b="0"/>
+            <a:pathLst>
+              <a:path w="5772" h="656">
+                <a:moveTo>
+                  <a:pt x="6" y="2"/>
+                </a:moveTo>
+                <a:lnTo>
+                  <a:pt x="2542" y="0"/>
+                </a:lnTo>
+                <a:cubicBezTo>
+                  <a:pt x="2746" y="101"/>
+                  <a:pt x="3828" y="367"/>
+                  <a:pt x="4374" y="367"/>
+                </a:cubicBezTo>
+                <a:cubicBezTo>
+                  <a:pt x="4920" y="367"/>
+                  <a:pt x="5526" y="152"/>
+                  <a:pt x="5766" y="55"/>
+                </a:cubicBezTo>
+                <a:lnTo>
+                  <a:pt x="5772" y="213"/>
+                </a:lnTo>
+                <a:cubicBezTo>
+                  <a:pt x="5670" y="257"/>
+                  <a:pt x="5016" y="441"/>
+                  <a:pt x="4302" y="439"/>
+                </a:cubicBezTo>
+                <a:cubicBezTo>
+                  <a:pt x="3588" y="437"/>
+                  <a:pt x="2205" y="165"/>
+                  <a:pt x="1488" y="201"/>
+                </a:cubicBezTo>
+                <a:cubicBezTo>
+                  <a:pt x="750" y="209"/>
+                  <a:pt x="270" y="482"/>
+                  <a:pt x="0" y="656"/>
+                </a:cubicBezTo>
+                <a:lnTo>
+                  <a:pt x="6" y="2"/>
+                </a:lnTo>
+                <a:close/>
+              </a:path>
+            </a:pathLst>
+          </a:custGeom>
+          <a:gradFill>
+            <a:gsLst>
+              <a:gs pos="0">
+                <a:schemeClr val="accent2">
+                  <a:shade val="50000"/>
+                  <a:alpha val="45000"/>
+                  <a:satMod val="120000"/>
+                </a:schemeClr>
+              </a:gs>
+              <a:gs pos="100000">
+                <a:schemeClr val="accent3">
+                  <a:shade val="80000"/>
+                  <a:alpha val="55000"/>
+                  <a:satMod val="155000"/>
+                </a:schemeClr>
+              </a:gs>
+            </a:gsLst>
+            <a:lin ang="5400000" scaled="1"/>
+          </a:gradFill>
+          <a:ln w="9525" cap="flat" cmpd="sng" algn="ctr">
+            <a:noFill/>
+            <a:prstDash val="solid"/>
+            <a:round/>
+            <a:headEnd type="none" w="med" len="med"/>
+            <a:tailEnd type="none" w="med" len="med"/>
+          </a:ln>
+          <a:effectLst/>
+        </p:spPr>
+        <p:txBody>
+          <a:bodyPr vert="horz" wrap="square" lIns="91440" tIns="45720" rIns="91440" bIns="45720" anchor="t" compatLnSpc="1"/>
+          <a:lstStyle/>
+          <a:p>
+            <a:pPr marL="0" algn="l" rtl="0" eaLnBrk="1" latinLnBrk="0" hangingPunct="1"/>
+            <a:endParaRPr kumimoji="0" lang="en-US">
+              <a:solidFill>
+                <a:schemeClr val="tx1"/>
+              </a:solidFill>
+              <a:latin typeface="+mn-lt"/>
+              <a:ea typeface="+mn-ea"/>
+              <a:cs typeface="+mn-cs"/>
+            </a:endParaRPr>
+          </a:p>
+        </p:txBody>
+      </p:sp>
+      <p:sp>
+        <p:nvSpPr>
+          <p:cNvPr id="8" name="Freeform 7"/>
+          <p:cNvSpPr>
+            <a:spLocks/>
+          </p:cNvSpPr>
+          <p:nvPr/>
+        </p:nvSpPr>
+        <p:spPr bwMode="auto">
+          <a:xfrm>
+            <a:off x="4381500" y="-7144"/>
+            <a:ext cx="4762500" cy="638175"/>
+          </a:xfrm>
+          <a:custGeom>
+            <a:avLst>
+              <a:gd name="A1" fmla="val 0"/>
+              <a:gd name="A2" fmla="val 0"/>
+              <a:gd name="A3" fmla="val 0"/>
+              <a:gd name="A4" fmla="val 0"/>
+              <a:gd name="A5" fmla="val 0"/>
+              <a:gd name="A6" fmla="val 0"/>
+              <a:gd name="A7" fmla="val 0"/>
+              <a:gd name="A8" fmla="val 0"/>
+            </a:avLst>
+            <a:gdLst/>
+            <a:ahLst/>
+            <a:cxnLst>
+              <a:cxn ang="0">
+                <a:pos x="0" y="0"/>
+              </a:cxn>
+              <a:cxn ang="0">
+                <a:pos x="1668" y="564"/>
+              </a:cxn>
+              <a:cxn ang="0">
+                <a:pos x="3000" y="186"/>
+              </a:cxn>
+              <a:cxn ang="0">
+                <a:pos x="3000" y="6"/>
+              </a:cxn>
+              <a:cxn ang="0">
+                <a:pos x="0" y="0"/>
+              </a:cxn>
+            </a:cxnLst>
+            <a:rect l="0" t="0" r="0" b="0"/>
+            <a:pathLst>
+              <a:path w="3000" h="595">
+                <a:moveTo>
+                  <a:pt x="0" y="0"/>
+                </a:moveTo>
+                <a:cubicBezTo>
+                  <a:pt x="174" y="102"/>
+                  <a:pt x="1168" y="533"/>
+                  <a:pt x="1668" y="564"/>
+                </a:cubicBezTo>
+                <a:cubicBezTo>
+                  <a:pt x="2168" y="595"/>
+                  <a:pt x="2778" y="279"/>
+                  <a:pt x="3000" y="186"/>
+                </a:cubicBezTo>
+                <a:lnTo>
+                  <a:pt x="3000" y="6"/>
+                </a:lnTo>
+                <a:lnTo>
+                  <a:pt x="0" y="0"/>
+                </a:lnTo>
+                <a:close/>
+              </a:path>
+            </a:pathLst>
+          </a:custGeom>
+          <a:gradFill>
+            <a:gsLst>
+              <a:gs pos="0">
+                <a:schemeClr val="accent3">
+                  <a:shade val="50000"/>
+                  <a:alpha val="30000"/>
+                  <a:satMod val="130000"/>
+                </a:schemeClr>
+              </a:gs>
+              <a:gs pos="80000">
+                <a:schemeClr val="accent2">
+                  <a:shade val="75000"/>
+                  <a:alpha val="45000"/>
+                  <a:satMod val="140000"/>
+                </a:schemeClr>
+              </a:gs>
+            </a:gsLst>
+            <a:lin ang="5400000" scaled="1"/>
+          </a:gradFill>
+          <a:ln w="9525" cap="flat" cmpd="sng" algn="ctr">
+            <a:noFill/>
+            <a:prstDash val="solid"/>
+            <a:round/>
+            <a:headEnd type="none" w="med" len="med"/>
+            <a:tailEnd type="none" w="med" len="med"/>
+          </a:ln>
+          <a:effectLst/>
+        </p:spPr>
+        <p:txBody>
+          <a:bodyPr vert="horz" wrap="square" lIns="91440" tIns="45720" rIns="91440" bIns="45720" anchor="t" compatLnSpc="1"/>
+          <a:lstStyle/>
+          <a:p>
+            <a:pPr marL="0" algn="l" rtl="0" eaLnBrk="1" latinLnBrk="0" hangingPunct="1"/>
+            <a:endParaRPr kumimoji="0" lang="en-US">
+              <a:solidFill>
+                <a:schemeClr val="tx1"/>
+              </a:solidFill>
+              <a:latin typeface="+mn-lt"/>
+              <a:ea typeface="+mn-ea"/>
+              <a:cs typeface="+mn-cs"/>
+            </a:endParaRPr>
+          </a:p>
+        </p:txBody>
+      </p:sp>
+      <p:sp>
+        <p:nvSpPr>
+          <p:cNvPr id="9" name="Title Placeholder 8"/>
           <p:cNvSpPr>
             <a:spLocks noGrp="1"/>
           </p:cNvSpPr>
@@ -2618,7 +3565,7 @@
         </p:nvSpPr>
         <p:spPr>
           <a:xfrm>
-            <a:off x="457200" y="274638"/>
+            <a:off x="457200" y="704088"/>
             <a:ext cx="8229600" cy="1143000"/>
           </a:xfrm>
           <a:prstGeom prst="rect">
@@ -2626,22 +3573,22 @@
           </a:prstGeom>
         </p:spPr>
         <p:txBody>
-          <a:bodyPr vert="horz" lIns="91440" tIns="45720" rIns="91440" bIns="45720" rtlCol="0" anchor="ctr">
+          <a:bodyPr vert="horz" lIns="0" rIns="0" bIns="0" anchor="b">
             <a:normAutofit/>
           </a:bodyPr>
           <a:lstStyle/>
           <a:p>
             <a:r>
-              <a:rPr lang="en-US" smtClean="0"/>
+              <a:rPr kumimoji="0" lang="en-US" smtClean="0"/>
               <a:t>Click to edit Master title style</a:t>
             </a:r>
-            <a:endParaRPr lang="en-US"/>
-          </a:p>
-        </p:txBody>
-      </p:sp>
-      <p:sp>
-        <p:nvSpPr>
-          <p:cNvPr id="3" name="Text Placeholder 2"/>
+            <a:endParaRPr kumimoji="0" lang="en-US"/>
+          </a:p>
+        </p:txBody>
+      </p:sp>
+      <p:sp>
+        <p:nvSpPr>
+          <p:cNvPr id="30" name="Text Placeholder 29"/>
           <p:cNvSpPr>
             <a:spLocks noGrp="1"/>
           </p:cNvSpPr>
@@ -2651,59 +3598,59 @@
         </p:nvSpPr>
         <p:spPr>
           <a:xfrm>
-            <a:off x="457200" y="1600200"/>
-            <a:ext cx="8229600" cy="4525963"/>
+            <a:off x="457200" y="1935480"/>
+            <a:ext cx="8229600" cy="4389120"/>
           </a:xfrm>
           <a:prstGeom prst="rect">
             <a:avLst/>
           </a:prstGeom>
         </p:spPr>
         <p:txBody>
-          <a:bodyPr vert="horz" lIns="91440" tIns="45720" rIns="91440" bIns="45720" rtlCol="0">
+          <a:bodyPr vert="horz">
             <a:normAutofit/>
           </a:bodyPr>
           <a:lstStyle/>
           <a:p>
-            <a:pPr lvl="0"/>
-            <a:r>
-              <a:rPr lang="en-US" smtClean="0"/>
+            <a:pPr lvl="0" eaLnBrk="1" latinLnBrk="0" hangingPunct="1"/>
+            <a:r>
+              <a:rPr kumimoji="0" lang="en-US" smtClean="0"/>
               <a:t>Click to edit Master text styles</a:t>
             </a:r>
           </a:p>
           <a:p>
-            <a:pPr lvl="1"/>
-            <a:r>
-              <a:rPr lang="en-US" smtClean="0"/>
+            <a:pPr lvl="1" eaLnBrk="1" latinLnBrk="0" hangingPunct="1"/>
+            <a:r>
+              <a:rPr kumimoji="0" lang="en-US" smtClean="0"/>
               <a:t>Second level</a:t>
             </a:r>
           </a:p>
           <a:p>
-            <a:pPr lvl="2"/>
-            <a:r>
-              <a:rPr lang="en-US" smtClean="0"/>
+            <a:pPr lvl="2" eaLnBrk="1" latinLnBrk="0" hangingPunct="1"/>
+            <a:r>
+              <a:rPr kumimoji="0" lang="en-US" smtClean="0"/>
               <a:t>Third level</a:t>
             </a:r>
           </a:p>
           <a:p>
-            <a:pPr lvl="3"/>
-            <a:r>
-              <a:rPr lang="en-US" smtClean="0"/>
+            <a:pPr lvl="3" eaLnBrk="1" latinLnBrk="0" hangingPunct="1"/>
+            <a:r>
+              <a:rPr kumimoji="0" lang="en-US" smtClean="0"/>
               <a:t>Fourth level</a:t>
             </a:r>
           </a:p>
           <a:p>
-            <a:pPr lvl="4"/>
-            <a:r>
-              <a:rPr lang="en-US" smtClean="0"/>
+            <a:pPr lvl="4" eaLnBrk="1" latinLnBrk="0" hangingPunct="1"/>
+            <a:r>
+              <a:rPr kumimoji="0" lang="en-US" smtClean="0"/>
               <a:t>Fifth level</a:t>
             </a:r>
-            <a:endParaRPr lang="en-US"/>
-          </a:p>
-        </p:txBody>
-      </p:sp>
-      <p:sp>
-        <p:nvSpPr>
-          <p:cNvPr id="4" name="Date Placeholder 3"/>
+            <a:endParaRPr kumimoji="0" lang="en-US"/>
+          </a:p>
+        </p:txBody>
+      </p:sp>
+      <p:sp>
+        <p:nvSpPr>
+          <p:cNvPr id="10" name="Date Placeholder 9"/>
           <p:cNvSpPr>
             <a:spLocks noGrp="1"/>
           </p:cNvSpPr>
@@ -2721,13 +3668,13 @@
           </a:prstGeom>
         </p:spPr>
         <p:txBody>
-          <a:bodyPr vert="horz" lIns="91440" tIns="45720" rIns="91440" bIns="45720" rtlCol="0" anchor="ctr"/>
+          <a:bodyPr vert="horz" lIns="0" tIns="0" rIns="0" bIns="0" anchor="b"/>
           <a:lstStyle>
-            <a:lvl1pPr algn="l">
-              <a:defRPr sz="1200">
-                <a:solidFill>
-                  <a:schemeClr val="tx1">
-                    <a:tint val="75000"/>
+            <a:lvl1pPr algn="l" eaLnBrk="1" latinLnBrk="0" hangingPunct="1">
+              <a:defRPr kumimoji="0" sz="1200">
+                <a:solidFill>
+                  <a:schemeClr val="tx2">
+                    <a:shade val="90000"/>
                   </a:schemeClr>
                 </a:solidFill>
               </a:defRPr>
@@ -2736,7 +3683,7 @@
           <a:p>
             <a:fld id="{5BCAD085-E8A6-8845-BD4E-CB4CCA059FC4}" type="datetimeFigureOut">
               <a:rPr lang="en-US" smtClean="0"/>
-              <a:t>7/21/2025</a:t>
+              <a:t>7/22/2025</a:t>
             </a:fld>
             <a:endParaRPr lang="en-US"/>
           </a:p>
@@ -2744,7 +3691,7 @@
       </p:sp>
       <p:sp>
         <p:nvSpPr>
-          <p:cNvPr id="5" name="Footer Placeholder 4"/>
+          <p:cNvPr id="22" name="Footer Placeholder 21"/>
           <p:cNvSpPr>
             <a:spLocks noGrp="1"/>
           </p:cNvSpPr>
@@ -2754,21 +3701,21 @@
         </p:nvSpPr>
         <p:spPr>
           <a:xfrm>
-            <a:off x="3124200" y="6356350"/>
-            <a:ext cx="2895600" cy="365125"/>
+            <a:off x="2667000" y="6356350"/>
+            <a:ext cx="3352800" cy="365125"/>
           </a:xfrm>
           <a:prstGeom prst="rect">
             <a:avLst/>
           </a:prstGeom>
         </p:spPr>
         <p:txBody>
-          <a:bodyPr vert="horz" lIns="91440" tIns="45720" rIns="91440" bIns="45720" rtlCol="0" anchor="ctr"/>
+          <a:bodyPr vert="horz" lIns="0" tIns="0" rIns="0" bIns="0" anchor="b"/>
           <a:lstStyle>
-            <a:lvl1pPr algn="ctr">
-              <a:defRPr sz="1200">
-                <a:solidFill>
-                  <a:schemeClr val="tx1">
-                    <a:tint val="75000"/>
+            <a:lvl1pPr algn="l" eaLnBrk="1" latinLnBrk="0" hangingPunct="1">
+              <a:defRPr kumimoji="0" sz="1200">
+                <a:solidFill>
+                  <a:schemeClr val="tx2">
+                    <a:shade val="90000"/>
                   </a:schemeClr>
                 </a:solidFill>
               </a:defRPr>
@@ -2781,7 +3728,7 @@
       </p:sp>
       <p:sp>
         <p:nvSpPr>
-          <p:cNvPr id="6" name="Slide Number Placeholder 5"/>
+          <p:cNvPr id="18" name="Slide Number Placeholder 17"/>
           <p:cNvSpPr>
             <a:spLocks noGrp="1"/>
           </p:cNvSpPr>
@@ -2791,21 +3738,21 @@
         </p:nvSpPr>
         <p:spPr>
           <a:xfrm>
-            <a:off x="6553200" y="6356350"/>
-            <a:ext cx="2133600" cy="365125"/>
+            <a:off x="7924800" y="6356350"/>
+            <a:ext cx="762000" cy="365125"/>
           </a:xfrm>
           <a:prstGeom prst="rect">
             <a:avLst/>
           </a:prstGeom>
         </p:spPr>
         <p:txBody>
-          <a:bodyPr vert="horz" lIns="91440" tIns="45720" rIns="91440" bIns="45720" rtlCol="0" anchor="ctr"/>
+          <a:bodyPr vert="horz" lIns="0" tIns="0" rIns="0" bIns="0" anchor="b"/>
           <a:lstStyle>
-            <a:lvl1pPr algn="r">
-              <a:defRPr sz="1200">
-                <a:solidFill>
-                  <a:schemeClr val="tx1">
-                    <a:tint val="75000"/>
+            <a:lvl1pPr algn="r" eaLnBrk="1" latinLnBrk="0" hangingPunct="1">
+              <a:defRPr kumimoji="0" sz="1200">
+                <a:solidFill>
+                  <a:schemeClr val="tx2">
+                    <a:shade val="90000"/>
                   </a:schemeClr>
                 </a:solidFill>
               </a:defRPr>
@@ -2820,38 +3767,251 @@
           </a:p>
         </p:txBody>
       </p:sp>
+      <p:grpSp>
+        <p:nvGrpSpPr>
+          <p:cNvPr id="2" name="Group 1"/>
+          <p:cNvGrpSpPr/>
+          <p:nvPr/>
+        </p:nvGrpSpPr>
+        <p:grpSpPr>
+          <a:xfrm>
+            <a:off x="-19017" y="202408"/>
+            <a:ext cx="9180548" cy="649224"/>
+            <a:chOff x="-19045" y="216550"/>
+            <a:chExt cx="9180548" cy="649224"/>
+          </a:xfrm>
+        </p:grpSpPr>
+        <p:sp>
+          <p:nvSpPr>
+            <p:cNvPr id="12" name="Freeform 11"/>
+            <p:cNvSpPr>
+              <a:spLocks/>
+            </p:cNvSpPr>
+            <p:nvPr/>
+          </p:nvSpPr>
+          <p:spPr bwMode="auto">
+            <a:xfrm rot="21435692">
+              <a:off x="-19045" y="216550"/>
+              <a:ext cx="9163050" cy="649224"/>
+            </a:xfrm>
+            <a:custGeom>
+              <a:avLst>
+                <a:gd name="A1" fmla="val 0"/>
+                <a:gd name="A2" fmla="val 0"/>
+                <a:gd name="A3" fmla="val 0"/>
+                <a:gd name="A4" fmla="val 0"/>
+                <a:gd name="A5" fmla="val 0"/>
+                <a:gd name="A6" fmla="val 0"/>
+                <a:gd name="A7" fmla="val 0"/>
+                <a:gd name="A8" fmla="val 0"/>
+              </a:avLst>
+              <a:gdLst/>
+              <a:ahLst/>
+              <a:cxnLst>
+                <a:cxn ang="0">
+                  <a:pos x="0" y="966"/>
+                </a:cxn>
+                <a:cxn ang="0">
+                  <a:pos x="1608" y="282"/>
+                </a:cxn>
+                <a:cxn ang="0">
+                  <a:pos x="4110" y="1008"/>
+                </a:cxn>
+                <a:cxn ang="0">
+                  <a:pos x="5772" y="0"/>
+                </a:cxn>
+              </a:cxnLst>
+              <a:rect l="0" t="0" r="0" b="0"/>
+              <a:pathLst>
+                <a:path w="5772" h="1055">
+                  <a:moveTo>
+                    <a:pt x="0" y="966"/>
+                  </a:moveTo>
+                  <a:cubicBezTo>
+                    <a:pt x="282" y="738"/>
+                    <a:pt x="923" y="275"/>
+                    <a:pt x="1608" y="282"/>
+                  </a:cubicBezTo>
+                  <a:cubicBezTo>
+                    <a:pt x="2293" y="289"/>
+                    <a:pt x="3416" y="1055"/>
+                    <a:pt x="4110" y="1008"/>
+                  </a:cubicBezTo>
+                  <a:cubicBezTo>
+                    <a:pt x="4804" y="961"/>
+                    <a:pt x="5426" y="210"/>
+                    <a:pt x="5772" y="0"/>
+                  </a:cubicBezTo>
+                </a:path>
+              </a:pathLst>
+            </a:custGeom>
+            <a:noFill/>
+            <a:ln w="10795" cap="flat" cmpd="sng" algn="ctr">
+              <a:gradFill>
+                <a:gsLst>
+                  <a:gs pos="74000">
+                    <a:schemeClr val="accent3">
+                      <a:shade val="75000"/>
+                    </a:schemeClr>
+                  </a:gs>
+                  <a:gs pos="86000">
+                    <a:schemeClr val="tx1">
+                      <a:alpha val="29000"/>
+                    </a:schemeClr>
+                  </a:gs>
+                  <a:gs pos="16000">
+                    <a:schemeClr val="accent2">
+                      <a:shade val="75000"/>
+                      <a:alpha val="56000"/>
+                    </a:schemeClr>
+                  </a:gs>
+                </a:gsLst>
+                <a:lin ang="5400000" scaled="1"/>
+              </a:gradFill>
+              <a:prstDash val="solid"/>
+              <a:round/>
+              <a:headEnd type="none" w="med" len="med"/>
+              <a:tailEnd type="none" w="med" len="med"/>
+            </a:ln>
+            <a:effectLst/>
+          </p:spPr>
+          <p:txBody>
+            <a:bodyPr vert="horz" wrap="square" lIns="91440" tIns="45720" rIns="91440" bIns="45720" anchor="t" compatLnSpc="1"/>
+            <a:lstStyle/>
+            <a:p>
+              <a:endParaRPr kumimoji="0" lang="en-US"/>
+            </a:p>
+          </p:txBody>
+        </p:sp>
+        <p:sp>
+          <p:nvSpPr>
+            <p:cNvPr id="13" name="Freeform 12"/>
+            <p:cNvSpPr>
+              <a:spLocks/>
+            </p:cNvSpPr>
+            <p:nvPr/>
+          </p:nvSpPr>
+          <p:spPr bwMode="auto">
+            <a:xfrm rot="21435692">
+              <a:off x="-14309" y="290003"/>
+              <a:ext cx="9175812" cy="530352"/>
+            </a:xfrm>
+            <a:custGeom>
+              <a:avLst>
+                <a:gd name="A1" fmla="val 0"/>
+                <a:gd name="A2" fmla="val 0"/>
+                <a:gd name="A3" fmla="val 0"/>
+                <a:gd name="A4" fmla="val 0"/>
+                <a:gd name="A5" fmla="val 0"/>
+                <a:gd name="A6" fmla="val 0"/>
+                <a:gd name="A7" fmla="val 0"/>
+                <a:gd name="A8" fmla="val 0"/>
+              </a:avLst>
+              <a:gdLst/>
+              <a:ahLst/>
+              <a:cxnLst>
+                <a:cxn ang="0">
+                  <a:pos x="0" y="732"/>
+                </a:cxn>
+                <a:cxn ang="0">
+                  <a:pos x="1638" y="228"/>
+                </a:cxn>
+                <a:cxn ang="0">
+                  <a:pos x="4122" y="816"/>
+                </a:cxn>
+                <a:cxn ang="0">
+                  <a:pos x="5766" y="0"/>
+                </a:cxn>
+              </a:cxnLst>
+              <a:rect l="0" t="0" r="0" b="0"/>
+              <a:pathLst>
+                <a:path w="5766" h="854">
+                  <a:moveTo>
+                    <a:pt x="0" y="732"/>
+                  </a:moveTo>
+                  <a:cubicBezTo>
+                    <a:pt x="273" y="647"/>
+                    <a:pt x="951" y="214"/>
+                    <a:pt x="1638" y="228"/>
+                  </a:cubicBezTo>
+                  <a:cubicBezTo>
+                    <a:pt x="2325" y="242"/>
+                    <a:pt x="3434" y="854"/>
+                    <a:pt x="4122" y="816"/>
+                  </a:cubicBezTo>
+                  <a:cubicBezTo>
+                    <a:pt x="4810" y="778"/>
+                    <a:pt x="5424" y="170"/>
+                    <a:pt x="5766" y="0"/>
+                  </a:cubicBezTo>
+                </a:path>
+              </a:pathLst>
+            </a:custGeom>
+            <a:noFill/>
+            <a:ln w="9525" cap="flat" cmpd="sng" algn="ctr">
+              <a:gradFill>
+                <a:gsLst>
+                  <a:gs pos="74000">
+                    <a:schemeClr val="accent4"/>
+                  </a:gs>
+                  <a:gs pos="44000">
+                    <a:schemeClr val="accent1"/>
+                  </a:gs>
+                  <a:gs pos="33000">
+                    <a:schemeClr val="accent2">
+                      <a:alpha val="56000"/>
+                    </a:schemeClr>
+                  </a:gs>
+                </a:gsLst>
+                <a:lin ang="5400000" scaled="1"/>
+              </a:gradFill>
+              <a:prstDash val="solid"/>
+              <a:round/>
+              <a:headEnd type="none" w="med" len="med"/>
+              <a:tailEnd type="none" w="med" len="med"/>
+            </a:ln>
+            <a:effectLst/>
+          </p:spPr>
+          <p:txBody>
+            <a:bodyPr vert="horz" wrap="square" lIns="91440" tIns="45720" rIns="91440" bIns="45720" anchor="t" compatLnSpc="1"/>
+            <a:lstStyle/>
+            <a:p>
+              <a:endParaRPr kumimoji="0" lang="en-US"/>
+            </a:p>
+          </p:txBody>
+        </p:sp>
+      </p:grpSp>
     </p:spTree>
-    <p:extLst>
-      <p:ext uri="{BB962C8B-B14F-4D97-AF65-F5344CB8AC3E}">
-        <p14:creationId xmlns:p14="http://schemas.microsoft.com/office/powerpoint/2010/main" val="2209977519"/>
-      </p:ext>
-    </p:extLst>
   </p:cSld>
   <p:clrMap bg1="lt1" tx1="dk1" bg2="lt2" tx2="dk2" accent1="accent1" accent2="accent2" accent3="accent3" accent4="accent4" accent5="accent5" accent6="accent6" hlink="hlink" folHlink="folHlink"/>
   <p:sldLayoutIdLst>
-    <p:sldLayoutId id="2147483649" r:id="rId1"/>
-    <p:sldLayoutId id="2147483650" r:id="rId2"/>
-    <p:sldLayoutId id="2147483651" r:id="rId3"/>
-    <p:sldLayoutId id="2147483652" r:id="rId4"/>
-    <p:sldLayoutId id="2147483653" r:id="rId5"/>
-    <p:sldLayoutId id="2147483654" r:id="rId6"/>
-    <p:sldLayoutId id="2147483655" r:id="rId7"/>
-    <p:sldLayoutId id="2147483656" r:id="rId8"/>
-    <p:sldLayoutId id="2147483657" r:id="rId9"/>
-    <p:sldLayoutId id="2147483658" r:id="rId10"/>
-    <p:sldLayoutId id="2147483659" r:id="rId11"/>
+    <p:sldLayoutId id="2147483745" r:id="rId1"/>
+    <p:sldLayoutId id="2147483746" r:id="rId2"/>
+    <p:sldLayoutId id="2147483747" r:id="rId3"/>
+    <p:sldLayoutId id="2147483748" r:id="rId4"/>
+    <p:sldLayoutId id="2147483749" r:id="rId5"/>
+    <p:sldLayoutId id="2147483750" r:id="rId6"/>
+    <p:sldLayoutId id="2147483751" r:id="rId7"/>
+    <p:sldLayoutId id="2147483752" r:id="rId8"/>
+    <p:sldLayoutId id="2147483753" r:id="rId9"/>
+    <p:sldLayoutId id="2147483754" r:id="rId10"/>
+    <p:sldLayoutId id="2147483755" r:id="rId11"/>
   </p:sldLayoutIdLst>
   <p:txStyles>
     <p:titleStyle>
-      <a:lvl1pPr algn="ctr" defTabSz="457200" rtl="0" eaLnBrk="1" latinLnBrk="0" hangingPunct="1">
+      <a:lvl1pPr algn="l" rtl="0" eaLnBrk="1" latinLnBrk="0" hangingPunct="1">
         <a:spcBef>
           <a:spcPct val="0"/>
         </a:spcBef>
         <a:buNone/>
-        <a:defRPr sz="4400" kern="1200">
+        <a:defRPr kumimoji="0" sz="5000" b="0" kern="1200">
+          <a:ln>
+            <a:noFill/>
+          </a:ln>
           <a:solidFill>
-            <a:schemeClr val="tx1"/>
+            <a:schemeClr val="tx2"/>
           </a:solidFill>
+          <a:effectLst/>
           <a:latin typeface="+mj-lt"/>
           <a:ea typeface="+mj-ea"/>
           <a:cs typeface="+mj-cs"/>
@@ -2859,13 +4019,17 @@
       </a:lvl1pPr>
     </p:titleStyle>
     <p:bodyStyle>
-      <a:lvl1pPr marL="342900" indent="-342900" algn="l" defTabSz="457200" rtl="0" eaLnBrk="1" latinLnBrk="0" hangingPunct="1">
+      <a:lvl1pPr marL="274320" indent="-274320" algn="l" rtl="0" eaLnBrk="1" latinLnBrk="0" hangingPunct="1">
         <a:spcBef>
           <a:spcPct val="20000"/>
         </a:spcBef>
-        <a:buFont typeface="Arial"/>
-        <a:buChar char="•"/>
-        <a:defRPr sz="3200" kern="1200">
+        <a:buClr>
+          <a:schemeClr val="accent3"/>
+        </a:buClr>
+        <a:buSzPct val="95000"/>
+        <a:buFont typeface="Wingdings 2"/>
+        <a:buChar char=""/>
+        <a:defRPr kumimoji="0" sz="2600" kern="1200">
           <a:solidFill>
             <a:schemeClr val="tx1"/>
           </a:solidFill>
@@ -2874,13 +4038,17 @@
           <a:cs typeface="+mn-cs"/>
         </a:defRPr>
       </a:lvl1pPr>
-      <a:lvl2pPr marL="742950" indent="-285750" algn="l" defTabSz="457200" rtl="0" eaLnBrk="1" latinLnBrk="0" hangingPunct="1">
+      <a:lvl2pPr marL="640080" indent="-246888" algn="l" rtl="0" eaLnBrk="1" latinLnBrk="0" hangingPunct="1">
         <a:spcBef>
           <a:spcPct val="20000"/>
         </a:spcBef>
-        <a:buFont typeface="Arial"/>
-        <a:buChar char="–"/>
-        <a:defRPr sz="2800" kern="1200">
+        <a:buClr>
+          <a:schemeClr val="accent1"/>
+        </a:buClr>
+        <a:buSzPct val="85000"/>
+        <a:buFont typeface="Wingdings 2"/>
+        <a:buChar char=""/>
+        <a:defRPr kumimoji="0" sz="2400" kern="1200">
           <a:solidFill>
             <a:schemeClr val="tx1"/>
           </a:solidFill>
@@ -2889,13 +4057,17 @@
           <a:cs typeface="+mn-cs"/>
         </a:defRPr>
       </a:lvl2pPr>
-      <a:lvl3pPr marL="1143000" indent="-228600" algn="l" defTabSz="457200" rtl="0" eaLnBrk="1" latinLnBrk="0" hangingPunct="1">
+      <a:lvl3pPr marL="914400" indent="-246888" algn="l" rtl="0" eaLnBrk="1" latinLnBrk="0" hangingPunct="1">
         <a:spcBef>
           <a:spcPct val="20000"/>
         </a:spcBef>
-        <a:buFont typeface="Arial"/>
-        <a:buChar char="•"/>
-        <a:defRPr sz="2400" kern="1200">
+        <a:buClr>
+          <a:schemeClr val="accent2"/>
+        </a:buClr>
+        <a:buSzPct val="70000"/>
+        <a:buFont typeface="Wingdings 2"/>
+        <a:buChar char=""/>
+        <a:defRPr kumimoji="0" sz="2100" kern="1200">
           <a:solidFill>
             <a:schemeClr val="tx1"/>
           </a:solidFill>
@@ -2904,13 +4076,17 @@
           <a:cs typeface="+mn-cs"/>
         </a:defRPr>
       </a:lvl3pPr>
-      <a:lvl4pPr marL="1600200" indent="-228600" algn="l" defTabSz="457200" rtl="0" eaLnBrk="1" latinLnBrk="0" hangingPunct="1">
+      <a:lvl4pPr marL="1188720" indent="-210312" algn="l" rtl="0" eaLnBrk="1" latinLnBrk="0" hangingPunct="1">
         <a:spcBef>
           <a:spcPct val="20000"/>
         </a:spcBef>
-        <a:buFont typeface="Arial"/>
-        <a:buChar char="–"/>
-        <a:defRPr sz="2000" kern="1200">
+        <a:buClr>
+          <a:schemeClr val="accent3"/>
+        </a:buClr>
+        <a:buSzPct val="65000"/>
+        <a:buFont typeface="Wingdings 2"/>
+        <a:buChar char=""/>
+        <a:defRPr kumimoji="0" sz="2000" kern="1200">
           <a:solidFill>
             <a:schemeClr val="tx1"/>
           </a:solidFill>
@@ -2919,13 +4095,17 @@
           <a:cs typeface="+mn-cs"/>
         </a:defRPr>
       </a:lvl4pPr>
-      <a:lvl5pPr marL="2057400" indent="-228600" algn="l" defTabSz="457200" rtl="0" eaLnBrk="1" latinLnBrk="0" hangingPunct="1">
+      <a:lvl5pPr marL="1463040" indent="-210312" algn="l" rtl="0" eaLnBrk="1" latinLnBrk="0" hangingPunct="1">
         <a:spcBef>
           <a:spcPct val="20000"/>
         </a:spcBef>
-        <a:buFont typeface="Arial"/>
-        <a:buChar char="»"/>
-        <a:defRPr sz="2000" kern="1200">
+        <a:buClr>
+          <a:schemeClr val="accent4"/>
+        </a:buClr>
+        <a:buSzPct val="65000"/>
+        <a:buFont typeface="Wingdings 2"/>
+        <a:buChar char=""/>
+        <a:defRPr kumimoji="0" sz="2000" kern="1200">
           <a:solidFill>
             <a:schemeClr val="tx1"/>
           </a:solidFill>
@@ -2934,13 +4114,17 @@
           <a:cs typeface="+mn-cs"/>
         </a:defRPr>
       </a:lvl5pPr>
-      <a:lvl6pPr marL="2514600" indent="-228600" algn="l" defTabSz="457200" rtl="0" eaLnBrk="1" latinLnBrk="0" hangingPunct="1">
+      <a:lvl6pPr marL="1737360" indent="-210312" algn="l" rtl="0" eaLnBrk="1" latinLnBrk="0" hangingPunct="1">
         <a:spcBef>
           <a:spcPct val="20000"/>
         </a:spcBef>
-        <a:buFont typeface="Arial"/>
-        <a:buChar char="•"/>
-        <a:defRPr sz="2000" kern="1200">
+        <a:buClr>
+          <a:schemeClr val="accent5"/>
+        </a:buClr>
+        <a:buSzPct val="80000"/>
+        <a:buFont typeface="Wingdings 2"/>
+        <a:buChar char=""/>
+        <a:defRPr kumimoji="0" sz="1800" kern="1200">
           <a:solidFill>
             <a:schemeClr val="tx1"/>
           </a:solidFill>
@@ -2949,13 +4133,17 @@
           <a:cs typeface="+mn-cs"/>
         </a:defRPr>
       </a:lvl6pPr>
-      <a:lvl7pPr marL="2971800" indent="-228600" algn="l" defTabSz="457200" rtl="0" eaLnBrk="1" latinLnBrk="0" hangingPunct="1">
+      <a:lvl7pPr marL="1920240" indent="-182880" algn="l" rtl="0" eaLnBrk="1" latinLnBrk="0" hangingPunct="1">
         <a:spcBef>
           <a:spcPct val="20000"/>
         </a:spcBef>
-        <a:buFont typeface="Arial"/>
-        <a:buChar char="•"/>
-        <a:defRPr sz="2000" kern="1200">
+        <a:buClr>
+          <a:schemeClr val="accent6"/>
+        </a:buClr>
+        <a:buSzPct val="80000"/>
+        <a:buFont typeface="Wingdings 2"/>
+        <a:buChar char=""/>
+        <a:defRPr kumimoji="0" sz="1600" kern="1200" baseline="0">
           <a:solidFill>
             <a:schemeClr val="tx1"/>
           </a:solidFill>
@@ -2964,13 +4152,15 @@
           <a:cs typeface="+mn-cs"/>
         </a:defRPr>
       </a:lvl7pPr>
-      <a:lvl8pPr marL="3429000" indent="-228600" algn="l" defTabSz="457200" rtl="0" eaLnBrk="1" latinLnBrk="0" hangingPunct="1">
+      <a:lvl8pPr marL="2194560" indent="-182880" algn="l" rtl="0" eaLnBrk="1" latinLnBrk="0" hangingPunct="1">
         <a:spcBef>
           <a:spcPct val="20000"/>
         </a:spcBef>
-        <a:buFont typeface="Arial"/>
+        <a:buClr>
+          <a:schemeClr val="tx2"/>
+        </a:buClr>
         <a:buChar char="•"/>
-        <a:defRPr sz="2000" kern="1200">
+        <a:defRPr kumimoji="0" sz="1600" kern="1200">
           <a:solidFill>
             <a:schemeClr val="tx1"/>
           </a:solidFill>
@@ -2979,13 +4169,16 @@
           <a:cs typeface="+mn-cs"/>
         </a:defRPr>
       </a:lvl8pPr>
-      <a:lvl9pPr marL="3886200" indent="-228600" algn="l" defTabSz="457200" rtl="0" eaLnBrk="1" latinLnBrk="0" hangingPunct="1">
+      <a:lvl9pPr marL="2468880" indent="-182880" algn="l" rtl="0" eaLnBrk="1" latinLnBrk="0" hangingPunct="1">
         <a:spcBef>
           <a:spcPct val="20000"/>
         </a:spcBef>
-        <a:buFont typeface="Arial"/>
+        <a:buClr>
+          <a:schemeClr val="tx2"/>
+        </a:buClr>
+        <a:buFontTx/>
         <a:buChar char="•"/>
-        <a:defRPr sz="2000" kern="1200">
+        <a:defRPr kumimoji="0" sz="1400" kern="1200" baseline="0">
           <a:solidFill>
             <a:schemeClr val="tx1"/>
           </a:solidFill>
@@ -2996,11 +4189,8 @@
       </a:lvl9pPr>
     </p:bodyStyle>
     <p:otherStyle>
-      <a:defPPr>
-        <a:defRPr lang="en-US"/>
-      </a:defPPr>
-      <a:lvl1pPr marL="0" algn="l" defTabSz="457200" rtl="0" eaLnBrk="1" latinLnBrk="0" hangingPunct="1">
-        <a:defRPr sz="1800" kern="1200">
+      <a:lvl1pPr marL="0" algn="l" rtl="0" eaLnBrk="1" latinLnBrk="0" hangingPunct="1">
+        <a:defRPr kumimoji="0" kern="1200">
           <a:solidFill>
             <a:schemeClr val="tx1"/>
           </a:solidFill>
@@ -3009,8 +4199,8 @@
           <a:cs typeface="+mn-cs"/>
         </a:defRPr>
       </a:lvl1pPr>
-      <a:lvl2pPr marL="457200" algn="l" defTabSz="457200" rtl="0" eaLnBrk="1" latinLnBrk="0" hangingPunct="1">
-        <a:defRPr sz="1800" kern="1200">
+      <a:lvl2pPr marL="457200" algn="l" rtl="0" eaLnBrk="1" latinLnBrk="0" hangingPunct="1">
+        <a:defRPr kumimoji="0" kern="1200">
           <a:solidFill>
             <a:schemeClr val="tx1"/>
           </a:solidFill>
@@ -3019,8 +4209,8 @@
           <a:cs typeface="+mn-cs"/>
         </a:defRPr>
       </a:lvl2pPr>
-      <a:lvl3pPr marL="914400" algn="l" defTabSz="457200" rtl="0" eaLnBrk="1" latinLnBrk="0" hangingPunct="1">
-        <a:defRPr sz="1800" kern="1200">
+      <a:lvl3pPr marL="914400" algn="l" rtl="0" eaLnBrk="1" latinLnBrk="0" hangingPunct="1">
+        <a:defRPr kumimoji="0" kern="1200">
           <a:solidFill>
             <a:schemeClr val="tx1"/>
           </a:solidFill>
@@ -3029,8 +4219,8 @@
           <a:cs typeface="+mn-cs"/>
         </a:defRPr>
       </a:lvl3pPr>
-      <a:lvl4pPr marL="1371600" algn="l" defTabSz="457200" rtl="0" eaLnBrk="1" latinLnBrk="0" hangingPunct="1">
-        <a:defRPr sz="1800" kern="1200">
+      <a:lvl4pPr marL="1371600" algn="l" rtl="0" eaLnBrk="1" latinLnBrk="0" hangingPunct="1">
+        <a:defRPr kumimoji="0" kern="1200">
           <a:solidFill>
             <a:schemeClr val="tx1"/>
           </a:solidFill>
@@ -3039,8 +4229,8 @@
           <a:cs typeface="+mn-cs"/>
         </a:defRPr>
       </a:lvl4pPr>
-      <a:lvl5pPr marL="1828800" algn="l" defTabSz="457200" rtl="0" eaLnBrk="1" latinLnBrk="0" hangingPunct="1">
-        <a:defRPr sz="1800" kern="1200">
+      <a:lvl5pPr marL="1828800" algn="l" rtl="0" eaLnBrk="1" latinLnBrk="0" hangingPunct="1">
+        <a:defRPr kumimoji="0" kern="1200">
           <a:solidFill>
             <a:schemeClr val="tx1"/>
           </a:solidFill>
@@ -3049,8 +4239,8 @@
           <a:cs typeface="+mn-cs"/>
         </a:defRPr>
       </a:lvl5pPr>
-      <a:lvl6pPr marL="2286000" algn="l" defTabSz="457200" rtl="0" eaLnBrk="1" latinLnBrk="0" hangingPunct="1">
-        <a:defRPr sz="1800" kern="1200">
+      <a:lvl6pPr marL="2286000" algn="l" rtl="0" eaLnBrk="1" latinLnBrk="0" hangingPunct="1">
+        <a:defRPr kumimoji="0" kern="1200">
           <a:solidFill>
             <a:schemeClr val="tx1"/>
           </a:solidFill>
@@ -3059,8 +4249,8 @@
           <a:cs typeface="+mn-cs"/>
         </a:defRPr>
       </a:lvl6pPr>
-      <a:lvl7pPr marL="2743200" algn="l" defTabSz="457200" rtl="0" eaLnBrk="1" latinLnBrk="0" hangingPunct="1">
-        <a:defRPr sz="1800" kern="1200">
+      <a:lvl7pPr marL="2743200" algn="l" rtl="0" eaLnBrk="1" latinLnBrk="0" hangingPunct="1">
+        <a:defRPr kumimoji="0" kern="1200">
           <a:solidFill>
             <a:schemeClr val="tx1"/>
           </a:solidFill>
@@ -3069,8 +4259,8 @@
           <a:cs typeface="+mn-cs"/>
         </a:defRPr>
       </a:lvl7pPr>
-      <a:lvl8pPr marL="3200400" algn="l" defTabSz="457200" rtl="0" eaLnBrk="1" latinLnBrk="0" hangingPunct="1">
-        <a:defRPr sz="1800" kern="1200">
+      <a:lvl8pPr marL="3200400" algn="l" rtl="0" eaLnBrk="1" latinLnBrk="0" hangingPunct="1">
+        <a:defRPr kumimoji="0" kern="1200">
           <a:solidFill>
             <a:schemeClr val="tx1"/>
           </a:solidFill>
@@ -3079,8 +4269,8 @@
           <a:cs typeface="+mn-cs"/>
         </a:defRPr>
       </a:lvl8pPr>
-      <a:lvl9pPr marL="3657600" algn="l" defTabSz="457200" rtl="0" eaLnBrk="1" latinLnBrk="0" hangingPunct="1">
-        <a:defRPr sz="1800" kern="1200">
+      <a:lvl9pPr marL="3657600" algn="l" rtl="0" eaLnBrk="1" latinLnBrk="0" hangingPunct="1">
+        <a:defRPr kumimoji="0" kern="1200">
           <a:solidFill>
             <a:schemeClr val="tx1"/>
           </a:solidFill>
@@ -3121,107 +4311,831 @@
             <p:ph type="title"/>
           </p:nvPr>
         </p:nvSpPr>
-        <p:spPr/>
+        <p:spPr>
+          <a:xfrm>
+            <a:off x="457200" y="274638"/>
+            <a:ext cx="8229600" cy="975042"/>
+          </a:xfrm>
+        </p:spPr>
         <p:txBody>
           <a:bodyPr>
-            <a:normAutofit fontScale="90000"/>
+            <a:noAutofit/>
           </a:bodyPr>
           <a:lstStyle/>
           <a:p>
             <a:r>
-              <a:t>Why ADK Stands Out for SDLC Automation</a:t>
-            </a:r>
-          </a:p>
-        </p:txBody>
-      </p:sp>
-      <p:sp>
-        <p:nvSpPr>
-          <p:cNvPr id="3" name="TextBox 2"/>
-          <p:cNvSpPr txBox="1"/>
+              <a:rPr lang="en-US" sz="2000" b="1" u="sng" dirty="0"/>
+              <a:t>A Resilient, AI-Powered SDLC Automation System</a:t>
+            </a:r>
+          </a:p>
+        </p:txBody>
+      </p:sp>
+      <p:sp>
+        <p:nvSpPr>
+          <p:cNvPr id="3" name="Subtitle 2"/>
+          <p:cNvSpPr txBox="1">
+            <a:spLocks/>
+          </p:cNvSpPr>
           <p:nvPr/>
         </p:nvSpPr>
         <p:spPr>
           <a:xfrm>
-            <a:off x="457200" y="1371600"/>
-            <a:ext cx="8229600" cy="3657600"/>
+            <a:off x="358141" y="1219200"/>
+            <a:ext cx="8298180" cy="708660"/>
           </a:xfrm>
           <a:prstGeom prst="rect">
             <a:avLst/>
           </a:prstGeom>
-          <a:noFill/>
         </p:spPr>
         <p:txBody>
-          <a:bodyPr wrap="square">
-            <a:spAutoFit/>
+          <a:bodyPr/>
+          <a:lstStyle>
+            <a:lvl1pPr marL="342900" indent="-342900" algn="l" defTabSz="457200" rtl="0" eaLnBrk="1" latinLnBrk="0" hangingPunct="1">
+              <a:spcBef>
+                <a:spcPct val="20000"/>
+              </a:spcBef>
+              <a:buFont typeface="Arial"/>
+              <a:buChar char="•"/>
+              <a:defRPr sz="3200" kern="1200">
+                <a:solidFill>
+                  <a:schemeClr val="tx1"/>
+                </a:solidFill>
+                <a:latin typeface="+mn-lt"/>
+                <a:ea typeface="+mn-ea"/>
+                <a:cs typeface="+mn-cs"/>
+              </a:defRPr>
+            </a:lvl1pPr>
+            <a:lvl2pPr marL="742950" indent="-285750" algn="l" defTabSz="457200" rtl="0" eaLnBrk="1" latinLnBrk="0" hangingPunct="1">
+              <a:spcBef>
+                <a:spcPct val="20000"/>
+              </a:spcBef>
+              <a:buFont typeface="Arial"/>
+              <a:buChar char="–"/>
+              <a:defRPr sz="2800" kern="1200">
+                <a:solidFill>
+                  <a:schemeClr val="tx1"/>
+                </a:solidFill>
+                <a:latin typeface="+mn-lt"/>
+                <a:ea typeface="+mn-ea"/>
+                <a:cs typeface="+mn-cs"/>
+              </a:defRPr>
+            </a:lvl2pPr>
+            <a:lvl3pPr marL="1143000" indent="-228600" algn="l" defTabSz="457200" rtl="0" eaLnBrk="1" latinLnBrk="0" hangingPunct="1">
+              <a:spcBef>
+                <a:spcPct val="20000"/>
+              </a:spcBef>
+              <a:buFont typeface="Arial"/>
+              <a:buChar char="•"/>
+              <a:defRPr sz="2400" kern="1200">
+                <a:solidFill>
+                  <a:schemeClr val="tx1"/>
+                </a:solidFill>
+                <a:latin typeface="+mn-lt"/>
+                <a:ea typeface="+mn-ea"/>
+                <a:cs typeface="+mn-cs"/>
+              </a:defRPr>
+            </a:lvl3pPr>
+            <a:lvl4pPr marL="1600200" indent="-228600" algn="l" defTabSz="457200" rtl="0" eaLnBrk="1" latinLnBrk="0" hangingPunct="1">
+              <a:spcBef>
+                <a:spcPct val="20000"/>
+              </a:spcBef>
+              <a:buFont typeface="Arial"/>
+              <a:buChar char="–"/>
+              <a:defRPr sz="2000" kern="1200">
+                <a:solidFill>
+                  <a:schemeClr val="tx1"/>
+                </a:solidFill>
+                <a:latin typeface="+mn-lt"/>
+                <a:ea typeface="+mn-ea"/>
+                <a:cs typeface="+mn-cs"/>
+              </a:defRPr>
+            </a:lvl4pPr>
+            <a:lvl5pPr marL="2057400" indent="-228600" algn="l" defTabSz="457200" rtl="0" eaLnBrk="1" latinLnBrk="0" hangingPunct="1">
+              <a:spcBef>
+                <a:spcPct val="20000"/>
+              </a:spcBef>
+              <a:buFont typeface="Arial"/>
+              <a:buChar char="»"/>
+              <a:defRPr sz="2000" kern="1200">
+                <a:solidFill>
+                  <a:schemeClr val="tx1"/>
+                </a:solidFill>
+                <a:latin typeface="+mn-lt"/>
+                <a:ea typeface="+mn-ea"/>
+                <a:cs typeface="+mn-cs"/>
+              </a:defRPr>
+            </a:lvl5pPr>
+            <a:lvl6pPr marL="2514600" indent="-228600" algn="l" defTabSz="457200" rtl="0" eaLnBrk="1" latinLnBrk="0" hangingPunct="1">
+              <a:spcBef>
+                <a:spcPct val="20000"/>
+              </a:spcBef>
+              <a:buFont typeface="Arial"/>
+              <a:buChar char="•"/>
+              <a:defRPr sz="2000" kern="1200">
+                <a:solidFill>
+                  <a:schemeClr val="tx1"/>
+                </a:solidFill>
+                <a:latin typeface="+mn-lt"/>
+                <a:ea typeface="+mn-ea"/>
+                <a:cs typeface="+mn-cs"/>
+              </a:defRPr>
+            </a:lvl6pPr>
+            <a:lvl7pPr marL="2971800" indent="-228600" algn="l" defTabSz="457200" rtl="0" eaLnBrk="1" latinLnBrk="0" hangingPunct="1">
+              <a:spcBef>
+                <a:spcPct val="20000"/>
+              </a:spcBef>
+              <a:buFont typeface="Arial"/>
+              <a:buChar char="•"/>
+              <a:defRPr sz="2000" kern="1200">
+                <a:solidFill>
+                  <a:schemeClr val="tx1"/>
+                </a:solidFill>
+                <a:latin typeface="+mn-lt"/>
+                <a:ea typeface="+mn-ea"/>
+                <a:cs typeface="+mn-cs"/>
+              </a:defRPr>
+            </a:lvl7pPr>
+            <a:lvl8pPr marL="3429000" indent="-228600" algn="l" defTabSz="457200" rtl="0" eaLnBrk="1" latinLnBrk="0" hangingPunct="1">
+              <a:spcBef>
+                <a:spcPct val="20000"/>
+              </a:spcBef>
+              <a:buFont typeface="Arial"/>
+              <a:buChar char="•"/>
+              <a:defRPr sz="2000" kern="1200">
+                <a:solidFill>
+                  <a:schemeClr val="tx1"/>
+                </a:solidFill>
+                <a:latin typeface="+mn-lt"/>
+                <a:ea typeface="+mn-ea"/>
+                <a:cs typeface="+mn-cs"/>
+              </a:defRPr>
+            </a:lvl8pPr>
+            <a:lvl9pPr marL="3886200" indent="-228600" algn="l" defTabSz="457200" rtl="0" eaLnBrk="1" latinLnBrk="0" hangingPunct="1">
+              <a:spcBef>
+                <a:spcPct val="20000"/>
+              </a:spcBef>
+              <a:buFont typeface="Arial"/>
+              <a:buChar char="•"/>
+              <a:defRPr sz="2000" kern="1200">
+                <a:solidFill>
+                  <a:schemeClr val="tx1"/>
+                </a:solidFill>
+                <a:latin typeface="+mn-lt"/>
+                <a:ea typeface="+mn-ea"/>
+                <a:cs typeface="+mn-cs"/>
+              </a:defRPr>
+            </a:lvl9pPr>
+          </a:lstStyle>
+          <a:p>
+            <a:pPr marL="0" indent="0">
+              <a:buNone/>
+            </a:pPr>
+            <a:r>
+              <a:rPr lang="en-US" sz="2000" dirty="0" smtClean="0"/>
+              <a:t>From Requirements to Pull Request: An Autonomous and Intelligent Workflow</a:t>
+            </a:r>
+            <a:endParaRPr lang="en-US" sz="2000" dirty="0"/>
+          </a:p>
+        </p:txBody>
+      </p:sp>
+      <p:sp>
+        <p:nvSpPr>
+          <p:cNvPr id="4" name="Title 1"/>
+          <p:cNvSpPr txBox="1">
+            <a:spLocks/>
+          </p:cNvSpPr>
+          <p:nvPr/>
+        </p:nvSpPr>
+        <p:spPr>
+          <a:xfrm>
+            <a:off x="358141" y="3281997"/>
+            <a:ext cx="1889759" cy="436563"/>
+          </a:xfrm>
+          <a:prstGeom prst="rect">
+            <a:avLst/>
+          </a:prstGeom>
+        </p:spPr>
+        <p:txBody>
+          <a:bodyPr vert="horz" lIns="91440" tIns="45720" rIns="91440" bIns="45720" rtlCol="0" anchor="ctr">
+            <a:noAutofit/>
           </a:bodyPr>
-          <a:lstStyle/>
-          <a:p>
-            <a:endParaRPr dirty="0"/>
-          </a:p>
-          <a:p>
-            <a:pPr>
-              <a:defRPr sz="1800"/>
+          <a:lstStyle>
+            <a:lvl1pPr algn="ctr" defTabSz="457200" rtl="0" eaLnBrk="1" latinLnBrk="0" hangingPunct="1">
+              <a:spcBef>
+                <a:spcPct val="0"/>
+              </a:spcBef>
+              <a:buNone/>
+              <a:defRPr sz="4400" kern="1200">
+                <a:solidFill>
+                  <a:schemeClr val="tx1"/>
+                </a:solidFill>
+                <a:latin typeface="+mj-lt"/>
+                <a:ea typeface="+mj-ea"/>
+                <a:cs typeface="+mj-cs"/>
+              </a:defRPr>
+            </a:lvl1pPr>
+          </a:lstStyle>
+          <a:p>
+            <a:pPr algn="l"/>
+            <a:endParaRPr lang="en-US" sz="2000" dirty="0"/>
+          </a:p>
+        </p:txBody>
+      </p:sp>
+      <p:sp>
+        <p:nvSpPr>
+          <p:cNvPr id="5" name="Text Placeholder 2"/>
+          <p:cNvSpPr txBox="1">
+            <a:spLocks/>
+          </p:cNvSpPr>
+          <p:nvPr/>
+        </p:nvSpPr>
+        <p:spPr>
+          <a:xfrm>
+            <a:off x="167640" y="1927860"/>
+            <a:ext cx="7193281" cy="1572418"/>
+          </a:xfrm>
+          <a:prstGeom prst="rect">
+            <a:avLst/>
+          </a:prstGeom>
+        </p:spPr>
+        <p:txBody>
+          <a:bodyPr/>
+          <a:lstStyle>
+            <a:lvl1pPr marL="342900" indent="-342900" algn="l" defTabSz="457200" rtl="0" eaLnBrk="1" latinLnBrk="0" hangingPunct="1">
+              <a:spcBef>
+                <a:spcPct val="20000"/>
+              </a:spcBef>
+              <a:buFont typeface="Arial"/>
+              <a:buChar char="•"/>
+              <a:defRPr sz="3200" kern="1200">
+                <a:solidFill>
+                  <a:schemeClr val="tx1"/>
+                </a:solidFill>
+                <a:latin typeface="+mn-lt"/>
+                <a:ea typeface="+mn-ea"/>
+                <a:cs typeface="+mn-cs"/>
+              </a:defRPr>
+            </a:lvl1pPr>
+            <a:lvl2pPr marL="742950" indent="-285750" algn="l" defTabSz="457200" rtl="0" eaLnBrk="1" latinLnBrk="0" hangingPunct="1">
+              <a:spcBef>
+                <a:spcPct val="20000"/>
+              </a:spcBef>
+              <a:buFont typeface="Arial"/>
+              <a:buChar char="–"/>
+              <a:defRPr sz="2800" kern="1200">
+                <a:solidFill>
+                  <a:schemeClr val="tx1"/>
+                </a:solidFill>
+                <a:latin typeface="+mn-lt"/>
+                <a:ea typeface="+mn-ea"/>
+                <a:cs typeface="+mn-cs"/>
+              </a:defRPr>
+            </a:lvl2pPr>
+            <a:lvl3pPr marL="1143000" indent="-228600" algn="l" defTabSz="457200" rtl="0" eaLnBrk="1" latinLnBrk="0" hangingPunct="1">
+              <a:spcBef>
+                <a:spcPct val="20000"/>
+              </a:spcBef>
+              <a:buFont typeface="Arial"/>
+              <a:buChar char="•"/>
+              <a:defRPr sz="2400" kern="1200">
+                <a:solidFill>
+                  <a:schemeClr val="tx1"/>
+                </a:solidFill>
+                <a:latin typeface="+mn-lt"/>
+                <a:ea typeface="+mn-ea"/>
+                <a:cs typeface="+mn-cs"/>
+              </a:defRPr>
+            </a:lvl3pPr>
+            <a:lvl4pPr marL="1600200" indent="-228600" algn="l" defTabSz="457200" rtl="0" eaLnBrk="1" latinLnBrk="0" hangingPunct="1">
+              <a:spcBef>
+                <a:spcPct val="20000"/>
+              </a:spcBef>
+              <a:buFont typeface="Arial"/>
+              <a:buChar char="–"/>
+              <a:defRPr sz="2000" kern="1200">
+                <a:solidFill>
+                  <a:schemeClr val="tx1"/>
+                </a:solidFill>
+                <a:latin typeface="+mn-lt"/>
+                <a:ea typeface="+mn-ea"/>
+                <a:cs typeface="+mn-cs"/>
+              </a:defRPr>
+            </a:lvl4pPr>
+            <a:lvl5pPr marL="2057400" indent="-228600" algn="l" defTabSz="457200" rtl="0" eaLnBrk="1" latinLnBrk="0" hangingPunct="1">
+              <a:spcBef>
+                <a:spcPct val="20000"/>
+              </a:spcBef>
+              <a:buFont typeface="Arial"/>
+              <a:buChar char="»"/>
+              <a:defRPr sz="2000" kern="1200">
+                <a:solidFill>
+                  <a:schemeClr val="tx1"/>
+                </a:solidFill>
+                <a:latin typeface="+mn-lt"/>
+                <a:ea typeface="+mn-ea"/>
+                <a:cs typeface="+mn-cs"/>
+              </a:defRPr>
+            </a:lvl5pPr>
+            <a:lvl6pPr marL="2514600" indent="-228600" algn="l" defTabSz="457200" rtl="0" eaLnBrk="1" latinLnBrk="0" hangingPunct="1">
+              <a:spcBef>
+                <a:spcPct val="20000"/>
+              </a:spcBef>
+              <a:buFont typeface="Arial"/>
+              <a:buChar char="•"/>
+              <a:defRPr sz="2000" kern="1200">
+                <a:solidFill>
+                  <a:schemeClr val="tx1"/>
+                </a:solidFill>
+                <a:latin typeface="+mn-lt"/>
+                <a:ea typeface="+mn-ea"/>
+                <a:cs typeface="+mn-cs"/>
+              </a:defRPr>
+            </a:lvl6pPr>
+            <a:lvl7pPr marL="2971800" indent="-228600" algn="l" defTabSz="457200" rtl="0" eaLnBrk="1" latinLnBrk="0" hangingPunct="1">
+              <a:spcBef>
+                <a:spcPct val="20000"/>
+              </a:spcBef>
+              <a:buFont typeface="Arial"/>
+              <a:buChar char="•"/>
+              <a:defRPr sz="2000" kern="1200">
+                <a:solidFill>
+                  <a:schemeClr val="tx1"/>
+                </a:solidFill>
+                <a:latin typeface="+mn-lt"/>
+                <a:ea typeface="+mn-ea"/>
+                <a:cs typeface="+mn-cs"/>
+              </a:defRPr>
+            </a:lvl7pPr>
+            <a:lvl8pPr marL="3429000" indent="-228600" algn="l" defTabSz="457200" rtl="0" eaLnBrk="1" latinLnBrk="0" hangingPunct="1">
+              <a:spcBef>
+                <a:spcPct val="20000"/>
+              </a:spcBef>
+              <a:buFont typeface="Arial"/>
+              <a:buChar char="•"/>
+              <a:defRPr sz="2000" kern="1200">
+                <a:solidFill>
+                  <a:schemeClr val="tx1"/>
+                </a:solidFill>
+                <a:latin typeface="+mn-lt"/>
+                <a:ea typeface="+mn-ea"/>
+                <a:cs typeface="+mn-cs"/>
+              </a:defRPr>
+            </a:lvl8pPr>
+            <a:lvl9pPr marL="3886200" indent="-228600" algn="l" defTabSz="457200" rtl="0" eaLnBrk="1" latinLnBrk="0" hangingPunct="1">
+              <a:spcBef>
+                <a:spcPct val="20000"/>
+              </a:spcBef>
+              <a:buFont typeface="Arial"/>
+              <a:buChar char="•"/>
+              <a:defRPr sz="2000" kern="1200">
+                <a:solidFill>
+                  <a:schemeClr val="tx1"/>
+                </a:solidFill>
+                <a:latin typeface="+mn-lt"/>
+                <a:ea typeface="+mn-ea"/>
+                <a:cs typeface="+mn-cs"/>
+              </a:defRPr>
+            </a:lvl9pPr>
+          </a:lstStyle>
+          <a:p>
+            <a:pPr marL="0" indent="0">
+              <a:buNone/>
             </a:pPr>
             <a:r>
-              <a:rPr dirty="0"/>
-              <a:t>✅ End-to-End SDLC automation: From planning to monitoring</a:t>
-            </a:r>
-          </a:p>
-          <a:p>
-            <a:pPr>
-              <a:defRPr sz="1800"/>
+              <a:rPr lang="en-US" sz="1800" b="1" dirty="0"/>
+              <a:t>The </a:t>
+            </a:r>
+            <a:r>
+              <a:rPr lang="en-US" sz="1800" b="1" dirty="0" smtClean="0"/>
+              <a:t>Challenge</a:t>
+            </a:r>
+            <a:r>
+              <a:rPr lang="en-US" sz="1800" dirty="0" smtClean="0"/>
+              <a:t>: </a:t>
+            </a:r>
+            <a:r>
+              <a:rPr lang="en-US" sz="1600" dirty="0" smtClean="0"/>
+              <a:t>Fragile Automation &amp; Repetitive Work</a:t>
+            </a:r>
+          </a:p>
+          <a:p>
+            <a:pPr lvl="1"/>
+            <a:r>
+              <a:rPr lang="en-US" sz="1400" b="1" dirty="0"/>
+              <a:t>Key Problems:</a:t>
+            </a:r>
+          </a:p>
+          <a:p>
+            <a:pPr marL="1085850" lvl="2">
+              <a:buFont typeface="Arial" pitchFamily="34" charset="0"/>
+              <a:buChar char="•"/>
             </a:pPr>
             <a:r>
-              <a:rPr dirty="0"/>
-              <a:t>🔗 Seamless integration with CI/CD tools (Jenkins, </a:t>
-            </a:r>
-            <a:r>
-              <a:rPr dirty="0" err="1"/>
-              <a:t>Git</a:t>
-            </a:r>
-            <a:r>
-              <a:rPr dirty="0"/>
-              <a:t>, Azure </a:t>
-            </a:r>
-            <a:r>
-              <a:rPr dirty="0" err="1"/>
-              <a:t>DevOps</a:t>
-            </a:r>
-            <a:r>
-              <a:rPr dirty="0"/>
-              <a:t>)</a:t>
-            </a:r>
-          </a:p>
-          <a:p>
-            <a:pPr>
-              <a:defRPr sz="1800"/>
+              <a:rPr lang="en-US" sz="1000" dirty="0"/>
+              <a:t>Writing boilerplate code for APIs</a:t>
+            </a:r>
+          </a:p>
+          <a:p>
+            <a:pPr marL="1085850" lvl="2">
+              <a:buFont typeface="Arial" pitchFamily="34" charset="0"/>
+              <a:buChar char="•"/>
             </a:pPr>
             <a:r>
-              <a:rPr dirty="0"/>
-              <a:t>⚙️ Modular, reusable components for faster delivery</a:t>
-            </a:r>
-          </a:p>
-          <a:p>
-            <a:pPr>
-              <a:defRPr sz="1800"/>
+              <a:rPr lang="en-US" sz="1000" dirty="0"/>
+              <a:t>Managing project dependencies and versions.</a:t>
+            </a:r>
+          </a:p>
+          <a:p>
+            <a:pPr marL="1085850" lvl="2">
+              <a:buFont typeface="Arial" pitchFamily="34" charset="0"/>
+              <a:buChar char="•"/>
             </a:pPr>
             <a:r>
-              <a:rPr dirty="0"/>
-              <a:t>📉 Reduces manual effort, increases consistency</a:t>
-            </a:r>
-          </a:p>
-          <a:p>
-            <a:pPr>
-              <a:defRPr sz="1800"/>
+              <a:rPr lang="en-US" sz="1000" dirty="0"/>
+              <a:t>Writing unit tests.</a:t>
+            </a:r>
+          </a:p>
+          <a:p>
+            <a:pPr marL="1085850" lvl="2">
+              <a:buFont typeface="Arial" pitchFamily="34" charset="0"/>
+              <a:buChar char="•"/>
             </a:pPr>
             <a:r>
-              <a:rPr dirty="0"/>
-              <a:t>📊 Proven improvements: 60% faster releases, 70% fewer errors</a:t>
-            </a:r>
+              <a:rPr lang="en-US" sz="1000" dirty="0"/>
+              <a:t>Diagnosing build failures</a:t>
+            </a:r>
+          </a:p>
+          <a:p>
+            <a:pPr marL="0" indent="0">
+              <a:buNone/>
+            </a:pPr>
+            <a:endParaRPr lang="en-US" sz="1800" dirty="0"/>
+          </a:p>
+        </p:txBody>
+      </p:sp>
+      <p:sp>
+        <p:nvSpPr>
+          <p:cNvPr id="6" name="Title 1"/>
+          <p:cNvSpPr txBox="1">
+            <a:spLocks/>
+          </p:cNvSpPr>
+          <p:nvPr/>
+        </p:nvSpPr>
+        <p:spPr>
+          <a:xfrm>
+            <a:off x="167640" y="2343308"/>
+            <a:ext cx="5905500" cy="1939132"/>
+          </a:xfrm>
+          <a:prstGeom prst="rect">
+            <a:avLst/>
+          </a:prstGeom>
+        </p:spPr>
+        <p:txBody>
+          <a:bodyPr vert="horz" lIns="91440" tIns="45720" rIns="91440" bIns="45720" rtlCol="0" anchor="ctr">
+            <a:normAutofit/>
+          </a:bodyPr>
+          <a:lstStyle>
+            <a:lvl1pPr algn="ctr" defTabSz="457200" rtl="0" eaLnBrk="1" latinLnBrk="0" hangingPunct="1">
+              <a:spcBef>
+                <a:spcPct val="0"/>
+              </a:spcBef>
+              <a:buNone/>
+              <a:defRPr sz="4400" kern="1200">
+                <a:solidFill>
+                  <a:schemeClr val="tx1"/>
+                </a:solidFill>
+                <a:latin typeface="+mj-lt"/>
+                <a:ea typeface="+mj-ea"/>
+                <a:cs typeface="+mj-cs"/>
+              </a:defRPr>
+            </a:lvl1pPr>
+          </a:lstStyle>
+          <a:p>
+            <a:pPr marL="285750" indent="-285750" algn="l">
+              <a:buFont typeface="Arial" pitchFamily="34" charset="0"/>
+              <a:buChar char="•"/>
+            </a:pPr>
+            <a:endParaRPr lang="en-US" sz="1800" b="1" dirty="0"/>
+          </a:p>
+        </p:txBody>
+      </p:sp>
+      <p:sp>
+        <p:nvSpPr>
+          <p:cNvPr id="9" name="Text Placeholder 2"/>
+          <p:cNvSpPr txBox="1">
+            <a:spLocks/>
+          </p:cNvSpPr>
+          <p:nvPr/>
+        </p:nvSpPr>
+        <p:spPr>
+          <a:xfrm>
+            <a:off x="312421" y="3718560"/>
+            <a:ext cx="7193281" cy="1572418"/>
+          </a:xfrm>
+          <a:prstGeom prst="rect">
+            <a:avLst/>
+          </a:prstGeom>
+        </p:spPr>
+        <p:txBody>
+          <a:bodyPr/>
+          <a:lstStyle>
+            <a:lvl1pPr marL="342900" indent="-342900" algn="l" defTabSz="457200" rtl="0" eaLnBrk="1" latinLnBrk="0" hangingPunct="1">
+              <a:spcBef>
+                <a:spcPct val="20000"/>
+              </a:spcBef>
+              <a:buFont typeface="Arial"/>
+              <a:buChar char="•"/>
+              <a:defRPr sz="3200" kern="1200">
+                <a:solidFill>
+                  <a:schemeClr val="tx1"/>
+                </a:solidFill>
+                <a:latin typeface="+mn-lt"/>
+                <a:ea typeface="+mn-ea"/>
+                <a:cs typeface="+mn-cs"/>
+              </a:defRPr>
+            </a:lvl1pPr>
+            <a:lvl2pPr marL="742950" indent="-285750" algn="l" defTabSz="457200" rtl="0" eaLnBrk="1" latinLnBrk="0" hangingPunct="1">
+              <a:spcBef>
+                <a:spcPct val="20000"/>
+              </a:spcBef>
+              <a:buFont typeface="Arial"/>
+              <a:buChar char="–"/>
+              <a:defRPr sz="2800" kern="1200">
+                <a:solidFill>
+                  <a:schemeClr val="tx1"/>
+                </a:solidFill>
+                <a:latin typeface="+mn-lt"/>
+                <a:ea typeface="+mn-ea"/>
+                <a:cs typeface="+mn-cs"/>
+              </a:defRPr>
+            </a:lvl2pPr>
+            <a:lvl3pPr marL="1143000" indent="-228600" algn="l" defTabSz="457200" rtl="0" eaLnBrk="1" latinLnBrk="0" hangingPunct="1">
+              <a:spcBef>
+                <a:spcPct val="20000"/>
+              </a:spcBef>
+              <a:buFont typeface="Arial"/>
+              <a:buChar char="•"/>
+              <a:defRPr sz="2400" kern="1200">
+                <a:solidFill>
+                  <a:schemeClr val="tx1"/>
+                </a:solidFill>
+                <a:latin typeface="+mn-lt"/>
+                <a:ea typeface="+mn-ea"/>
+                <a:cs typeface="+mn-cs"/>
+              </a:defRPr>
+            </a:lvl3pPr>
+            <a:lvl4pPr marL="1600200" indent="-228600" algn="l" defTabSz="457200" rtl="0" eaLnBrk="1" latinLnBrk="0" hangingPunct="1">
+              <a:spcBef>
+                <a:spcPct val="20000"/>
+              </a:spcBef>
+              <a:buFont typeface="Arial"/>
+              <a:buChar char="–"/>
+              <a:defRPr sz="2000" kern="1200">
+                <a:solidFill>
+                  <a:schemeClr val="tx1"/>
+                </a:solidFill>
+                <a:latin typeface="+mn-lt"/>
+                <a:ea typeface="+mn-ea"/>
+                <a:cs typeface="+mn-cs"/>
+              </a:defRPr>
+            </a:lvl4pPr>
+            <a:lvl5pPr marL="2057400" indent="-228600" algn="l" defTabSz="457200" rtl="0" eaLnBrk="1" latinLnBrk="0" hangingPunct="1">
+              <a:spcBef>
+                <a:spcPct val="20000"/>
+              </a:spcBef>
+              <a:buFont typeface="Arial"/>
+              <a:buChar char="»"/>
+              <a:defRPr sz="2000" kern="1200">
+                <a:solidFill>
+                  <a:schemeClr val="tx1"/>
+                </a:solidFill>
+                <a:latin typeface="+mn-lt"/>
+                <a:ea typeface="+mn-ea"/>
+                <a:cs typeface="+mn-cs"/>
+              </a:defRPr>
+            </a:lvl5pPr>
+            <a:lvl6pPr marL="2514600" indent="-228600" algn="l" defTabSz="457200" rtl="0" eaLnBrk="1" latinLnBrk="0" hangingPunct="1">
+              <a:spcBef>
+                <a:spcPct val="20000"/>
+              </a:spcBef>
+              <a:buFont typeface="Arial"/>
+              <a:buChar char="•"/>
+              <a:defRPr sz="2000" kern="1200">
+                <a:solidFill>
+                  <a:schemeClr val="tx1"/>
+                </a:solidFill>
+                <a:latin typeface="+mn-lt"/>
+                <a:ea typeface="+mn-ea"/>
+                <a:cs typeface="+mn-cs"/>
+              </a:defRPr>
+            </a:lvl6pPr>
+            <a:lvl7pPr marL="2971800" indent="-228600" algn="l" defTabSz="457200" rtl="0" eaLnBrk="1" latinLnBrk="0" hangingPunct="1">
+              <a:spcBef>
+                <a:spcPct val="20000"/>
+              </a:spcBef>
+              <a:buFont typeface="Arial"/>
+              <a:buChar char="•"/>
+              <a:defRPr sz="2000" kern="1200">
+                <a:solidFill>
+                  <a:schemeClr val="tx1"/>
+                </a:solidFill>
+                <a:latin typeface="+mn-lt"/>
+                <a:ea typeface="+mn-ea"/>
+                <a:cs typeface="+mn-cs"/>
+              </a:defRPr>
+            </a:lvl7pPr>
+            <a:lvl8pPr marL="3429000" indent="-228600" algn="l" defTabSz="457200" rtl="0" eaLnBrk="1" latinLnBrk="0" hangingPunct="1">
+              <a:spcBef>
+                <a:spcPct val="20000"/>
+              </a:spcBef>
+              <a:buFont typeface="Arial"/>
+              <a:buChar char="•"/>
+              <a:defRPr sz="2000" kern="1200">
+                <a:solidFill>
+                  <a:schemeClr val="tx1"/>
+                </a:solidFill>
+                <a:latin typeface="+mn-lt"/>
+                <a:ea typeface="+mn-ea"/>
+                <a:cs typeface="+mn-cs"/>
+              </a:defRPr>
+            </a:lvl8pPr>
+            <a:lvl9pPr marL="3886200" indent="-228600" algn="l" defTabSz="457200" rtl="0" eaLnBrk="1" latinLnBrk="0" hangingPunct="1">
+              <a:spcBef>
+                <a:spcPct val="20000"/>
+              </a:spcBef>
+              <a:buFont typeface="Arial"/>
+              <a:buChar char="•"/>
+              <a:defRPr sz="2000" kern="1200">
+                <a:solidFill>
+                  <a:schemeClr val="tx1"/>
+                </a:solidFill>
+                <a:latin typeface="+mn-lt"/>
+                <a:ea typeface="+mn-ea"/>
+                <a:cs typeface="+mn-cs"/>
+              </a:defRPr>
+            </a:lvl9pPr>
+          </a:lstStyle>
+          <a:p>
+            <a:pPr marL="0" indent="0">
+              <a:buNone/>
+            </a:pPr>
+            <a:r>
+              <a:rPr lang="en-US" sz="1800" b="1" dirty="0"/>
+              <a:t>The </a:t>
+            </a:r>
+            <a:r>
+              <a:rPr lang="en-US" sz="1800" b="1" dirty="0" smtClean="0"/>
+              <a:t>Solution</a:t>
+            </a:r>
+            <a:r>
+              <a:rPr lang="en-US" sz="1800" dirty="0" smtClean="0"/>
+              <a:t>: </a:t>
+            </a:r>
+            <a:r>
+              <a:rPr lang="en-US" sz="1600" dirty="0"/>
+              <a:t>A Multi-Agent System with a Quality </a:t>
+            </a:r>
+            <a:r>
+              <a:rPr lang="en-US" sz="1600" dirty="0" smtClean="0"/>
+              <a:t>Gate</a:t>
+            </a:r>
+          </a:p>
+          <a:p>
+            <a:pPr lvl="1"/>
+            <a:r>
+              <a:rPr lang="en-US" sz="1400" dirty="0" err="1"/>
+              <a:t>AdkSdlcWorkflow</a:t>
+            </a:r>
+            <a:r>
+              <a:rPr lang="en-US" sz="1400" b="1" dirty="0" smtClean="0"/>
+              <a:t>:</a:t>
+            </a:r>
+            <a:endParaRPr lang="en-US" sz="1400" b="1" dirty="0"/>
+          </a:p>
+          <a:p>
+            <a:pPr marL="1085850" lvl="2">
+              <a:buFont typeface="Arial" pitchFamily="34" charset="0"/>
+              <a:buChar char="•"/>
+            </a:pPr>
+            <a:r>
+              <a:rPr lang="en-US" sz="1000" dirty="0"/>
+              <a:t>An advanced multi-agent AI system that automates the software development lifecycle </a:t>
+            </a:r>
+            <a:endParaRPr lang="en-US" sz="1000" dirty="0" smtClean="0"/>
+          </a:p>
+          <a:p>
+            <a:pPr marL="1085850" lvl="2">
+              <a:buFont typeface="Arial" pitchFamily="34" charset="0"/>
+              <a:buChar char="•"/>
+            </a:pPr>
+            <a:r>
+              <a:rPr lang="en-US" sz="1000" dirty="0"/>
+              <a:t>Takes SRS input and produces a production-ready Spring Boot </a:t>
+            </a:r>
+            <a:r>
+              <a:rPr lang="en-US" sz="1000" dirty="0" smtClean="0"/>
+              <a:t>micro-service </a:t>
+            </a:r>
+          </a:p>
+          <a:p>
+            <a:pPr marL="1085850" lvl="2">
+              <a:buFont typeface="Arial" pitchFamily="34" charset="0"/>
+              <a:buChar char="•"/>
+            </a:pPr>
+            <a:r>
+              <a:rPr lang="en-US" sz="1000" dirty="0"/>
+              <a:t>Handles build failures intelligently</a:t>
+            </a:r>
+            <a:r>
+              <a:rPr lang="en-US" sz="1000" dirty="0" smtClean="0"/>
+              <a:t>.</a:t>
+            </a:r>
+            <a:endParaRPr lang="en-US" sz="1000" dirty="0"/>
+          </a:p>
+          <a:p>
+            <a:pPr marL="1085850" lvl="2">
+              <a:buFont typeface="Arial" pitchFamily="34" charset="0"/>
+              <a:buChar char="•"/>
+            </a:pPr>
+            <a:r>
+              <a:rPr lang="en-US" sz="1000" dirty="0"/>
+              <a:t>Diagnosing build failures</a:t>
+            </a:r>
+          </a:p>
+          <a:p>
+            <a:pPr marL="0" indent="0">
+              <a:buNone/>
+            </a:pPr>
+            <a:endParaRPr lang="en-US" sz="1800" dirty="0"/>
           </a:p>
         </p:txBody>
       </p:sp>
     </p:spTree>
+    <p:extLst>
+      <p:ext uri="{BB962C8B-B14F-4D97-AF65-F5344CB8AC3E}">
+        <p14:creationId xmlns:p14="http://schemas.microsoft.com/office/powerpoint/2010/main" val="618568847"/>
+      </p:ext>
+    </p:extLst>
+  </p:cSld>
+  <p:clrMapOvr>
+    <a:masterClrMapping/>
+  </p:clrMapOvr>
+</p:sld>
+</file>
+
+<file path=ppt/slides/slide10.xml><?xml version="1.0" encoding="utf-8"?>
+<p:sld xmlns:a="http://schemas.openxmlformats.org/drawingml/2006/main" xmlns:r="http://schemas.openxmlformats.org/officeDocument/2006/relationships" xmlns:p="http://schemas.openxmlformats.org/presentationml/2006/main">
+  <p:cSld>
+    <p:spTree>
+      <p:nvGrpSpPr>
+        <p:cNvPr id="1" name=""/>
+        <p:cNvGrpSpPr/>
+        <p:nvPr/>
+      </p:nvGrpSpPr>
+      <p:grpSpPr>
+        <a:xfrm>
+          <a:off x="0" y="0"/>
+          <a:ext cx="0" cy="0"/>
+          <a:chOff x="0" y="0"/>
+          <a:chExt cx="0" cy="0"/>
+        </a:xfrm>
+      </p:grpSpPr>
+      <p:pic>
+        <p:nvPicPr>
+          <p:cNvPr id="3" name="Picture 2"/>
+          <p:cNvPicPr>
+            <a:picLocks noChangeAspect="1"/>
+          </p:cNvPicPr>
+          <p:nvPr/>
+        </p:nvPicPr>
+        <p:blipFill>
+          <a:blip r:embed="rId2">
+            <a:extLst>
+              <a:ext uri="{28A0092B-C50C-407E-A947-70E740481C1C}">
+                <a14:useLocalDpi xmlns:a14="http://schemas.microsoft.com/office/drawing/2010/main" val="0"/>
+              </a:ext>
+            </a:extLst>
+          </a:blip>
+          <a:stretch>
+            <a:fillRect/>
+          </a:stretch>
+        </p:blipFill>
+        <p:spPr>
+          <a:xfrm>
+            <a:off x="142257" y="1171260"/>
+            <a:ext cx="8859486" cy="4515480"/>
+          </a:xfrm>
+          <a:prstGeom prst="rect">
+            <a:avLst/>
+          </a:prstGeom>
+        </p:spPr>
+      </p:pic>
+    </p:spTree>
+    <p:extLst>
+      <p:ext uri="{BB962C8B-B14F-4D97-AF65-F5344CB8AC3E}">
+        <p14:creationId xmlns:p14="http://schemas.microsoft.com/office/powerpoint/2010/main" val="4226148915"/>
+      </p:ext>
+    </p:extLst>
   </p:cSld>
   <p:clrMapOvr>
     <a:masterClrMapping/>
@@ -3236,7 +5150,7 @@
 </p:sld>
 </file>
 
-<file path=ppt/slides/slide10.xml><?xml version="1.0" encoding="utf-8"?>
+<file path=ppt/slides/slide11.xml><?xml version="1.0" encoding="utf-8"?>
 <p:sld xmlns:a="http://schemas.openxmlformats.org/drawingml/2006/main" xmlns:r="http://schemas.openxmlformats.org/officeDocument/2006/relationships" xmlns:p="http://schemas.openxmlformats.org/presentationml/2006/main">
   <p:cSld>
     <p:spTree>
@@ -3303,7 +5217,7 @@
 </p:sld>
 </file>
 
-<file path=ppt/slides/slide11.xml><?xml version="1.0" encoding="utf-8"?>
+<file path=ppt/slides/slide12.xml><?xml version="1.0" encoding="utf-8"?>
 <p:sld xmlns:a="http://schemas.openxmlformats.org/drawingml/2006/main" xmlns:r="http://schemas.openxmlformats.org/officeDocument/2006/relationships" xmlns:p="http://schemas.openxmlformats.org/presentationml/2006/main">
   <p:cSld>
     <p:spTree>
@@ -3370,7 +5284,7 @@
 </p:sld>
 </file>
 
-<file path=ppt/slides/slide12.xml><?xml version="1.0" encoding="utf-8"?>
+<file path=ppt/slides/slide13.xml><?xml version="1.0" encoding="utf-8"?>
 <p:sld xmlns:a="http://schemas.openxmlformats.org/drawingml/2006/main" xmlns:r="http://schemas.openxmlformats.org/officeDocument/2006/relationships" xmlns:p="http://schemas.openxmlformats.org/presentationml/2006/main">
   <p:cSld>
     <p:spTree>
@@ -3437,7 +5351,7 @@
 </p:sld>
 </file>
 
-<file path=ppt/slides/slide13.xml><?xml version="1.0" encoding="utf-8"?>
+<file path=ppt/slides/slide14.xml><?xml version="1.0" encoding="utf-8"?>
 <p:sld xmlns:a="http://schemas.openxmlformats.org/drawingml/2006/main" xmlns:r="http://schemas.openxmlformats.org/officeDocument/2006/relationships" xmlns:p="http://schemas.openxmlformats.org/presentationml/2006/main">
   <p:cSld>
     <p:spTree>
@@ -3504,7 +5418,7 @@
 </p:sld>
 </file>
 
-<file path=ppt/slides/slide14.xml><?xml version="1.0" encoding="utf-8"?>
+<file path=ppt/slides/slide15.xml><?xml version="1.0" encoding="utf-8"?>
 <p:sld xmlns:a="http://schemas.openxmlformats.org/drawingml/2006/main" xmlns:r="http://schemas.openxmlformats.org/officeDocument/2006/relationships" xmlns:p="http://schemas.openxmlformats.org/presentationml/2006/main">
   <p:cSld>
     <p:spTree>
@@ -3571,7 +5485,7 @@
 </p:sld>
 </file>
 
-<file path=ppt/slides/slide15.xml><?xml version="1.0" encoding="utf-8"?>
+<file path=ppt/slides/slide16.xml><?xml version="1.0" encoding="utf-8"?>
 <p:sld xmlns:a="http://schemas.openxmlformats.org/drawingml/2006/main" xmlns:r="http://schemas.openxmlformats.org/officeDocument/2006/relationships" xmlns:p="http://schemas.openxmlformats.org/presentationml/2006/main">
   <p:cSld>
     <p:spTree>
@@ -3638,7 +5552,7 @@
 </p:sld>
 </file>
 
-<file path=ppt/slides/slide16.xml><?xml version="1.0" encoding="utf-8"?>
+<file path=ppt/slides/slide17.xml><?xml version="1.0" encoding="utf-8"?>
 <p:sld xmlns:a="http://schemas.openxmlformats.org/drawingml/2006/main" xmlns:r="http://schemas.openxmlformats.org/officeDocument/2006/relationships" xmlns:p="http://schemas.openxmlformats.org/presentationml/2006/main">
   <p:cSld>
     <p:spTree>
@@ -3705,7 +5619,7 @@
 </p:sld>
 </file>
 
-<file path=ppt/slides/slide17.xml><?xml version="1.0" encoding="utf-8"?>
+<file path=ppt/slides/slide18.xml><?xml version="1.0" encoding="utf-8"?>
 <p:sld xmlns:a="http://schemas.openxmlformats.org/drawingml/2006/main" xmlns:r="http://schemas.openxmlformats.org/officeDocument/2006/relationships" xmlns:p="http://schemas.openxmlformats.org/presentationml/2006/main">
   <p:cSld>
     <p:spTree>
@@ -3799,91 +5713,557 @@
             <p:ph type="title"/>
           </p:nvPr>
         </p:nvSpPr>
-        <p:spPr/>
-        <p:txBody>
-          <a:bodyPr/>
-          <a:lstStyle/>
-          <a:p>
-            <a:r>
-              <a:t>Key Benefits of ADK</a:t>
-            </a:r>
-          </a:p>
-        </p:txBody>
-      </p:sp>
-      <p:sp>
-        <p:nvSpPr>
-          <p:cNvPr id="3" name="TextBox 2"/>
-          <p:cNvSpPr txBox="1"/>
-          <p:nvPr/>
-        </p:nvSpPr>
         <p:spPr>
           <a:xfrm>
-            <a:off x="457200" y="1371600"/>
-            <a:ext cx="8229600" cy="3657600"/>
+            <a:off x="457200" y="274638"/>
+            <a:ext cx="8229600" cy="975042"/>
+          </a:xfrm>
+        </p:spPr>
+        <p:txBody>
+          <a:bodyPr>
+            <a:noAutofit/>
+          </a:bodyPr>
+          <a:lstStyle/>
+          <a:p>
+            <a:r>
+              <a:rPr lang="en-US" sz="2000" b="1" u="sng" dirty="0"/>
+              <a:t>Use Case</a:t>
+            </a:r>
+          </a:p>
+        </p:txBody>
+      </p:sp>
+      <p:sp>
+        <p:nvSpPr>
+          <p:cNvPr id="3" name="Subtitle 2"/>
+          <p:cNvSpPr txBox="1">
+            <a:spLocks/>
+          </p:cNvSpPr>
+          <p:nvPr/>
+        </p:nvSpPr>
+        <p:spPr>
+          <a:xfrm>
+            <a:off x="358141" y="1219200"/>
+            <a:ext cx="8298180" cy="708660"/>
           </a:xfrm>
           <a:prstGeom prst="rect">
             <a:avLst/>
           </a:prstGeom>
-          <a:noFill/>
         </p:spPr>
         <p:txBody>
-          <a:bodyPr wrap="square">
-            <a:spAutoFit/>
+          <a:bodyPr/>
+          <a:lstStyle>
+            <a:lvl1pPr marL="342900" indent="-342900" algn="l" defTabSz="457200" rtl="0" eaLnBrk="1" latinLnBrk="0" hangingPunct="1">
+              <a:spcBef>
+                <a:spcPct val="20000"/>
+              </a:spcBef>
+              <a:buFont typeface="Arial"/>
+              <a:buChar char="•"/>
+              <a:defRPr sz="3200" kern="1200">
+                <a:solidFill>
+                  <a:schemeClr val="tx1"/>
+                </a:solidFill>
+                <a:latin typeface="+mn-lt"/>
+                <a:ea typeface="+mn-ea"/>
+                <a:cs typeface="+mn-cs"/>
+              </a:defRPr>
+            </a:lvl1pPr>
+            <a:lvl2pPr marL="742950" indent="-285750" algn="l" defTabSz="457200" rtl="0" eaLnBrk="1" latinLnBrk="0" hangingPunct="1">
+              <a:spcBef>
+                <a:spcPct val="20000"/>
+              </a:spcBef>
+              <a:buFont typeface="Arial"/>
+              <a:buChar char="–"/>
+              <a:defRPr sz="2800" kern="1200">
+                <a:solidFill>
+                  <a:schemeClr val="tx1"/>
+                </a:solidFill>
+                <a:latin typeface="+mn-lt"/>
+                <a:ea typeface="+mn-ea"/>
+                <a:cs typeface="+mn-cs"/>
+              </a:defRPr>
+            </a:lvl2pPr>
+            <a:lvl3pPr marL="1143000" indent="-228600" algn="l" defTabSz="457200" rtl="0" eaLnBrk="1" latinLnBrk="0" hangingPunct="1">
+              <a:spcBef>
+                <a:spcPct val="20000"/>
+              </a:spcBef>
+              <a:buFont typeface="Arial"/>
+              <a:buChar char="•"/>
+              <a:defRPr sz="2400" kern="1200">
+                <a:solidFill>
+                  <a:schemeClr val="tx1"/>
+                </a:solidFill>
+                <a:latin typeface="+mn-lt"/>
+                <a:ea typeface="+mn-ea"/>
+                <a:cs typeface="+mn-cs"/>
+              </a:defRPr>
+            </a:lvl3pPr>
+            <a:lvl4pPr marL="1600200" indent="-228600" algn="l" defTabSz="457200" rtl="0" eaLnBrk="1" latinLnBrk="0" hangingPunct="1">
+              <a:spcBef>
+                <a:spcPct val="20000"/>
+              </a:spcBef>
+              <a:buFont typeface="Arial"/>
+              <a:buChar char="–"/>
+              <a:defRPr sz="2000" kern="1200">
+                <a:solidFill>
+                  <a:schemeClr val="tx1"/>
+                </a:solidFill>
+                <a:latin typeface="+mn-lt"/>
+                <a:ea typeface="+mn-ea"/>
+                <a:cs typeface="+mn-cs"/>
+              </a:defRPr>
+            </a:lvl4pPr>
+            <a:lvl5pPr marL="2057400" indent="-228600" algn="l" defTabSz="457200" rtl="0" eaLnBrk="1" latinLnBrk="0" hangingPunct="1">
+              <a:spcBef>
+                <a:spcPct val="20000"/>
+              </a:spcBef>
+              <a:buFont typeface="Arial"/>
+              <a:buChar char="»"/>
+              <a:defRPr sz="2000" kern="1200">
+                <a:solidFill>
+                  <a:schemeClr val="tx1"/>
+                </a:solidFill>
+                <a:latin typeface="+mn-lt"/>
+                <a:ea typeface="+mn-ea"/>
+                <a:cs typeface="+mn-cs"/>
+              </a:defRPr>
+            </a:lvl5pPr>
+            <a:lvl6pPr marL="2514600" indent="-228600" algn="l" defTabSz="457200" rtl="0" eaLnBrk="1" latinLnBrk="0" hangingPunct="1">
+              <a:spcBef>
+                <a:spcPct val="20000"/>
+              </a:spcBef>
+              <a:buFont typeface="Arial"/>
+              <a:buChar char="•"/>
+              <a:defRPr sz="2000" kern="1200">
+                <a:solidFill>
+                  <a:schemeClr val="tx1"/>
+                </a:solidFill>
+                <a:latin typeface="+mn-lt"/>
+                <a:ea typeface="+mn-ea"/>
+                <a:cs typeface="+mn-cs"/>
+              </a:defRPr>
+            </a:lvl6pPr>
+            <a:lvl7pPr marL="2971800" indent="-228600" algn="l" defTabSz="457200" rtl="0" eaLnBrk="1" latinLnBrk="0" hangingPunct="1">
+              <a:spcBef>
+                <a:spcPct val="20000"/>
+              </a:spcBef>
+              <a:buFont typeface="Arial"/>
+              <a:buChar char="•"/>
+              <a:defRPr sz="2000" kern="1200">
+                <a:solidFill>
+                  <a:schemeClr val="tx1"/>
+                </a:solidFill>
+                <a:latin typeface="+mn-lt"/>
+                <a:ea typeface="+mn-ea"/>
+                <a:cs typeface="+mn-cs"/>
+              </a:defRPr>
+            </a:lvl7pPr>
+            <a:lvl8pPr marL="3429000" indent="-228600" algn="l" defTabSz="457200" rtl="0" eaLnBrk="1" latinLnBrk="0" hangingPunct="1">
+              <a:spcBef>
+                <a:spcPct val="20000"/>
+              </a:spcBef>
+              <a:buFont typeface="Arial"/>
+              <a:buChar char="•"/>
+              <a:defRPr sz="2000" kern="1200">
+                <a:solidFill>
+                  <a:schemeClr val="tx1"/>
+                </a:solidFill>
+                <a:latin typeface="+mn-lt"/>
+                <a:ea typeface="+mn-ea"/>
+                <a:cs typeface="+mn-cs"/>
+              </a:defRPr>
+            </a:lvl8pPr>
+            <a:lvl9pPr marL="3886200" indent="-228600" algn="l" defTabSz="457200" rtl="0" eaLnBrk="1" latinLnBrk="0" hangingPunct="1">
+              <a:spcBef>
+                <a:spcPct val="20000"/>
+              </a:spcBef>
+              <a:buFont typeface="Arial"/>
+              <a:buChar char="•"/>
+              <a:defRPr sz="2000" kern="1200">
+                <a:solidFill>
+                  <a:schemeClr val="tx1"/>
+                </a:solidFill>
+                <a:latin typeface="+mn-lt"/>
+                <a:ea typeface="+mn-ea"/>
+                <a:cs typeface="+mn-cs"/>
+              </a:defRPr>
+            </a:lvl9pPr>
+          </a:lstStyle>
+          <a:p>
+            <a:pPr marL="0" indent="0">
+              <a:buNone/>
+            </a:pPr>
+            <a:r>
+              <a:rPr lang="en-US" sz="2000" dirty="0" smtClean="0"/>
+              <a:t>	Rapid </a:t>
+            </a:r>
+            <a:r>
+              <a:rPr lang="en-US" sz="2000" dirty="0" err="1"/>
+              <a:t>Microservice</a:t>
+            </a:r>
+            <a:r>
+              <a:rPr lang="en-US" sz="2000" dirty="0"/>
+              <a:t> Prototyping</a:t>
+            </a:r>
+            <a:endParaRPr lang="en-US" sz="2000" dirty="0"/>
+          </a:p>
+        </p:txBody>
+      </p:sp>
+      <p:sp>
+        <p:nvSpPr>
+          <p:cNvPr id="4" name="Title 1"/>
+          <p:cNvSpPr txBox="1">
+            <a:spLocks/>
+          </p:cNvSpPr>
+          <p:nvPr/>
+        </p:nvSpPr>
+        <p:spPr>
+          <a:xfrm>
+            <a:off x="358141" y="3281997"/>
+            <a:ext cx="1889759" cy="436563"/>
+          </a:xfrm>
+          <a:prstGeom prst="rect">
+            <a:avLst/>
+          </a:prstGeom>
+        </p:spPr>
+        <p:txBody>
+          <a:bodyPr vert="horz" lIns="91440" tIns="45720" rIns="91440" bIns="45720" rtlCol="0" anchor="ctr">
+            <a:noAutofit/>
           </a:bodyPr>
-          <a:lstStyle/>
-          <a:p>
-            <a:endParaRPr dirty="0"/>
-          </a:p>
-          <a:p>
-            <a:pPr>
-              <a:defRPr sz="1800"/>
+          <a:lstStyle>
+            <a:lvl1pPr algn="ctr" defTabSz="457200" rtl="0" eaLnBrk="1" latinLnBrk="0" hangingPunct="1">
+              <a:spcBef>
+                <a:spcPct val="0"/>
+              </a:spcBef>
+              <a:buNone/>
+              <a:defRPr sz="4400" kern="1200">
+                <a:solidFill>
+                  <a:schemeClr val="tx1"/>
+                </a:solidFill>
+                <a:latin typeface="+mj-lt"/>
+                <a:ea typeface="+mj-ea"/>
+                <a:cs typeface="+mj-cs"/>
+              </a:defRPr>
+            </a:lvl1pPr>
+          </a:lstStyle>
+          <a:p>
+            <a:pPr algn="l"/>
+            <a:endParaRPr lang="en-US" sz="2000" dirty="0"/>
+          </a:p>
+        </p:txBody>
+      </p:sp>
+      <p:sp>
+        <p:nvSpPr>
+          <p:cNvPr id="5" name="Text Placeholder 2"/>
+          <p:cNvSpPr txBox="1">
+            <a:spLocks/>
+          </p:cNvSpPr>
+          <p:nvPr/>
+        </p:nvSpPr>
+        <p:spPr>
+          <a:xfrm>
+            <a:off x="167640" y="1927860"/>
+            <a:ext cx="7924800" cy="2065020"/>
+          </a:xfrm>
+          <a:prstGeom prst="rect">
+            <a:avLst/>
+          </a:prstGeom>
+        </p:spPr>
+        <p:txBody>
+          <a:bodyPr/>
+          <a:lstStyle>
+            <a:lvl1pPr marL="342900" indent="-342900" algn="l" defTabSz="457200" rtl="0" eaLnBrk="1" latinLnBrk="0" hangingPunct="1">
+              <a:spcBef>
+                <a:spcPct val="20000"/>
+              </a:spcBef>
+              <a:buFont typeface="Arial"/>
+              <a:buChar char="•"/>
+              <a:defRPr sz="3200" kern="1200">
+                <a:solidFill>
+                  <a:schemeClr val="tx1"/>
+                </a:solidFill>
+                <a:latin typeface="+mn-lt"/>
+                <a:ea typeface="+mn-ea"/>
+                <a:cs typeface="+mn-cs"/>
+              </a:defRPr>
+            </a:lvl1pPr>
+            <a:lvl2pPr marL="742950" indent="-285750" algn="l" defTabSz="457200" rtl="0" eaLnBrk="1" latinLnBrk="0" hangingPunct="1">
+              <a:spcBef>
+                <a:spcPct val="20000"/>
+              </a:spcBef>
+              <a:buFont typeface="Arial"/>
+              <a:buChar char="–"/>
+              <a:defRPr sz="2800" kern="1200">
+                <a:solidFill>
+                  <a:schemeClr val="tx1"/>
+                </a:solidFill>
+                <a:latin typeface="+mn-lt"/>
+                <a:ea typeface="+mn-ea"/>
+                <a:cs typeface="+mn-cs"/>
+              </a:defRPr>
+            </a:lvl2pPr>
+            <a:lvl3pPr marL="1143000" indent="-228600" algn="l" defTabSz="457200" rtl="0" eaLnBrk="1" latinLnBrk="0" hangingPunct="1">
+              <a:spcBef>
+                <a:spcPct val="20000"/>
+              </a:spcBef>
+              <a:buFont typeface="Arial"/>
+              <a:buChar char="•"/>
+              <a:defRPr sz="2400" kern="1200">
+                <a:solidFill>
+                  <a:schemeClr val="tx1"/>
+                </a:solidFill>
+                <a:latin typeface="+mn-lt"/>
+                <a:ea typeface="+mn-ea"/>
+                <a:cs typeface="+mn-cs"/>
+              </a:defRPr>
+            </a:lvl3pPr>
+            <a:lvl4pPr marL="1600200" indent="-228600" algn="l" defTabSz="457200" rtl="0" eaLnBrk="1" latinLnBrk="0" hangingPunct="1">
+              <a:spcBef>
+                <a:spcPct val="20000"/>
+              </a:spcBef>
+              <a:buFont typeface="Arial"/>
+              <a:buChar char="–"/>
+              <a:defRPr sz="2000" kern="1200">
+                <a:solidFill>
+                  <a:schemeClr val="tx1"/>
+                </a:solidFill>
+                <a:latin typeface="+mn-lt"/>
+                <a:ea typeface="+mn-ea"/>
+                <a:cs typeface="+mn-cs"/>
+              </a:defRPr>
+            </a:lvl4pPr>
+            <a:lvl5pPr marL="2057400" indent="-228600" algn="l" defTabSz="457200" rtl="0" eaLnBrk="1" latinLnBrk="0" hangingPunct="1">
+              <a:spcBef>
+                <a:spcPct val="20000"/>
+              </a:spcBef>
+              <a:buFont typeface="Arial"/>
+              <a:buChar char="»"/>
+              <a:defRPr sz="2000" kern="1200">
+                <a:solidFill>
+                  <a:schemeClr val="tx1"/>
+                </a:solidFill>
+                <a:latin typeface="+mn-lt"/>
+                <a:ea typeface="+mn-ea"/>
+                <a:cs typeface="+mn-cs"/>
+              </a:defRPr>
+            </a:lvl5pPr>
+            <a:lvl6pPr marL="2514600" indent="-228600" algn="l" defTabSz="457200" rtl="0" eaLnBrk="1" latinLnBrk="0" hangingPunct="1">
+              <a:spcBef>
+                <a:spcPct val="20000"/>
+              </a:spcBef>
+              <a:buFont typeface="Arial"/>
+              <a:buChar char="•"/>
+              <a:defRPr sz="2000" kern="1200">
+                <a:solidFill>
+                  <a:schemeClr val="tx1"/>
+                </a:solidFill>
+                <a:latin typeface="+mn-lt"/>
+                <a:ea typeface="+mn-ea"/>
+                <a:cs typeface="+mn-cs"/>
+              </a:defRPr>
+            </a:lvl6pPr>
+            <a:lvl7pPr marL="2971800" indent="-228600" algn="l" defTabSz="457200" rtl="0" eaLnBrk="1" latinLnBrk="0" hangingPunct="1">
+              <a:spcBef>
+                <a:spcPct val="20000"/>
+              </a:spcBef>
+              <a:buFont typeface="Arial"/>
+              <a:buChar char="•"/>
+              <a:defRPr sz="2000" kern="1200">
+                <a:solidFill>
+                  <a:schemeClr val="tx1"/>
+                </a:solidFill>
+                <a:latin typeface="+mn-lt"/>
+                <a:ea typeface="+mn-ea"/>
+                <a:cs typeface="+mn-cs"/>
+              </a:defRPr>
+            </a:lvl7pPr>
+            <a:lvl8pPr marL="3429000" indent="-228600" algn="l" defTabSz="457200" rtl="0" eaLnBrk="1" latinLnBrk="0" hangingPunct="1">
+              <a:spcBef>
+                <a:spcPct val="20000"/>
+              </a:spcBef>
+              <a:buFont typeface="Arial"/>
+              <a:buChar char="•"/>
+              <a:defRPr sz="2000" kern="1200">
+                <a:solidFill>
+                  <a:schemeClr val="tx1"/>
+                </a:solidFill>
+                <a:latin typeface="+mn-lt"/>
+                <a:ea typeface="+mn-ea"/>
+                <a:cs typeface="+mn-cs"/>
+              </a:defRPr>
+            </a:lvl8pPr>
+            <a:lvl9pPr marL="3886200" indent="-228600" algn="l" defTabSz="457200" rtl="0" eaLnBrk="1" latinLnBrk="0" hangingPunct="1">
+              <a:spcBef>
+                <a:spcPct val="20000"/>
+              </a:spcBef>
+              <a:buFont typeface="Arial"/>
+              <a:buChar char="•"/>
+              <a:defRPr sz="2000" kern="1200">
+                <a:solidFill>
+                  <a:schemeClr val="tx1"/>
+                </a:solidFill>
+                <a:latin typeface="+mn-lt"/>
+                <a:ea typeface="+mn-ea"/>
+                <a:cs typeface="+mn-cs"/>
+              </a:defRPr>
+            </a:lvl9pPr>
+          </a:lstStyle>
+          <a:p>
+            <a:pPr marL="0" indent="0">
+              <a:buNone/>
             </a:pPr>
             <a:r>
-              <a:rPr dirty="0"/>
-              <a:t>✅ Faster Time-to-Market: Automates repetitive tasks, reducing release cycles.</a:t>
-            </a:r>
-          </a:p>
-          <a:p>
-            <a:pPr>
-              <a:defRPr sz="1800"/>
+              <a:rPr lang="en-US" sz="1800" b="1" dirty="0" smtClean="0"/>
+              <a:t>Scenario:</a:t>
+            </a:r>
+          </a:p>
+          <a:p>
+            <a:r>
+              <a:rPr lang="en-US" sz="1400" dirty="0" smtClean="0"/>
+              <a:t>Developer </a:t>
+            </a:r>
+            <a:r>
+              <a:rPr lang="en-US" sz="1400" dirty="0"/>
+              <a:t>provides an SRS </a:t>
+            </a:r>
+            <a:r>
+              <a:rPr lang="en-US" sz="1400" dirty="0" smtClean="0"/>
+              <a:t>file. (Future development: later it will take user stories from </a:t>
+            </a:r>
+            <a:r>
+              <a:rPr lang="en-US" sz="1400" dirty="0" err="1" smtClean="0"/>
+              <a:t>jira</a:t>
+            </a:r>
+            <a:r>
+              <a:rPr lang="en-US" sz="1400" b="1" dirty="0" smtClean="0"/>
+              <a:t> )</a:t>
+            </a:r>
+          </a:p>
+          <a:p>
+            <a:r>
+              <a:rPr lang="en-US" sz="1400" dirty="0" err="1"/>
+              <a:t>AdkSdlcWorkflow</a:t>
+            </a:r>
+            <a:r>
+              <a:rPr lang="en-US" sz="1400" dirty="0"/>
+              <a:t> autonomously produces a </a:t>
+            </a:r>
+            <a:r>
+              <a:rPr lang="en-US" sz="1400" dirty="0" err="1" smtClean="0"/>
+              <a:t>microservice</a:t>
+            </a:r>
+            <a:r>
+              <a:rPr lang="en-US" sz="1400" dirty="0" smtClean="0"/>
+              <a:t> (</a:t>
+            </a:r>
+            <a:r>
+              <a:rPr lang="en-US" sz="1400" dirty="0" err="1" smtClean="0"/>
+              <a:t>src</a:t>
+            </a:r>
+            <a:r>
+              <a:rPr lang="en-US" sz="1400" dirty="0" err="1"/>
+              <a:t>,</a:t>
+            </a:r>
+            <a:r>
+              <a:rPr lang="en-US" sz="1400" dirty="0" err="1" smtClean="0"/>
+              <a:t>test</a:t>
+            </a:r>
+            <a:r>
+              <a:rPr lang="en-US" sz="1400" dirty="0" smtClean="0"/>
+              <a:t> code , pom.xml, </a:t>
+            </a:r>
+            <a:r>
+              <a:rPr lang="en-US" sz="1400" dirty="0" err="1" smtClean="0"/>
+              <a:t>appliation.yml</a:t>
+            </a:r>
+            <a:r>
+              <a:rPr lang="en-US" sz="1400" dirty="0" smtClean="0"/>
+              <a:t> and </a:t>
+            </a:r>
+            <a:r>
+              <a:rPr lang="en-US" sz="1400" dirty="0" err="1" smtClean="0"/>
+              <a:t>ci.yml</a:t>
+            </a:r>
+            <a:r>
+              <a:rPr lang="en-US" sz="1400" dirty="0" smtClean="0"/>
+              <a:t> ) </a:t>
+            </a:r>
+            <a:r>
+              <a:rPr lang="en-US" sz="1400" dirty="0"/>
+              <a:t>and creates a pull request on </a:t>
+            </a:r>
+            <a:r>
+              <a:rPr lang="en-US" sz="1400" dirty="0" err="1"/>
+              <a:t>GitHub</a:t>
+            </a:r>
+            <a:endParaRPr lang="en-US" sz="1400" b="1" dirty="0" smtClean="0"/>
+          </a:p>
+          <a:p>
+            <a:endParaRPr lang="en-US" sz="1400" b="1" dirty="0" smtClean="0"/>
+          </a:p>
+          <a:p>
+            <a:pPr marL="0" indent="0">
+              <a:buNone/>
             </a:pPr>
-            <a:r>
-              <a:rPr dirty="0"/>
-              <a:t>🧩 Modular Architecture: Easy to plug in or replace components per project needs.</a:t>
-            </a:r>
-          </a:p>
-          <a:p>
-            <a:pPr>
-              <a:defRPr sz="1800"/>
+            <a:endParaRPr lang="en-US" sz="1800" dirty="0"/>
+          </a:p>
+        </p:txBody>
+      </p:sp>
+      <p:sp>
+        <p:nvSpPr>
+          <p:cNvPr id="6" name="Title 1"/>
+          <p:cNvSpPr txBox="1">
+            <a:spLocks/>
+          </p:cNvSpPr>
+          <p:nvPr/>
+        </p:nvSpPr>
+        <p:spPr>
+          <a:xfrm>
+            <a:off x="167640" y="2343308"/>
+            <a:ext cx="5905500" cy="1939132"/>
+          </a:xfrm>
+          <a:prstGeom prst="rect">
+            <a:avLst/>
+          </a:prstGeom>
+        </p:spPr>
+        <p:txBody>
+          <a:bodyPr vert="horz" lIns="91440" tIns="45720" rIns="91440" bIns="45720" rtlCol="0" anchor="ctr">
+            <a:normAutofit/>
+          </a:bodyPr>
+          <a:lstStyle>
+            <a:lvl1pPr algn="ctr" defTabSz="457200" rtl="0" eaLnBrk="1" latinLnBrk="0" hangingPunct="1">
+              <a:spcBef>
+                <a:spcPct val="0"/>
+              </a:spcBef>
+              <a:buNone/>
+              <a:defRPr sz="4400" kern="1200">
+                <a:solidFill>
+                  <a:schemeClr val="tx1"/>
+                </a:solidFill>
+                <a:latin typeface="+mj-lt"/>
+                <a:ea typeface="+mj-ea"/>
+                <a:cs typeface="+mj-cs"/>
+              </a:defRPr>
+            </a:lvl1pPr>
+          </a:lstStyle>
+          <a:p>
+            <a:pPr marL="285750" indent="-285750" algn="l">
+              <a:buFont typeface="Arial" pitchFamily="34" charset="0"/>
+              <a:buChar char="•"/>
             </a:pPr>
-            <a:r>
-              <a:rPr dirty="0"/>
-              <a:t>🔒 Governance &amp; Compliance: Built-in controls for audit, traceability, and policy adherence.</a:t>
-            </a:r>
-          </a:p>
-          <a:p>
-            <a:pPr>
-              <a:defRPr sz="1800"/>
-            </a:pPr>
-            <a:r>
-              <a:rPr dirty="0"/>
-              <a:t>🔁 Continuous Feedback Loop: Supports shift-left and shift-right strategies for quality assurance.</a:t>
-            </a:r>
+            <a:endParaRPr lang="en-US" sz="1800" b="1" dirty="0"/>
           </a:p>
         </p:txBody>
       </p:sp>
     </p:spTree>
+    <p:extLst>
+      <p:ext uri="{BB962C8B-B14F-4D97-AF65-F5344CB8AC3E}">
+        <p14:creationId xmlns:p14="http://schemas.microsoft.com/office/powerpoint/2010/main" val="1272849225"/>
+      </p:ext>
+    </p:extLst>
   </p:cSld>
   <p:clrMapOvr>
     <a:masterClrMapping/>
   </p:clrMapOvr>
-  <p:timing>
-    <p:tnLst>
-      <p:par>
-        <p:cTn id="1" dur="indefinite" restart="never" nodeType="tmRoot"/>
-      </p:par>
-    </p:tnLst>
-  </p:timing>
 </p:sld>
 </file>
 
@@ -3914,276 +6294,299 @@
             <p:ph type="title"/>
           </p:nvPr>
         </p:nvSpPr>
-        <p:spPr/>
-        <p:txBody>
-          <a:bodyPr/>
+        <p:spPr>
+          <a:xfrm>
+            <a:off x="457200" y="704088"/>
+            <a:ext cx="8305800" cy="461772"/>
+          </a:xfrm>
+        </p:spPr>
+        <p:txBody>
+          <a:bodyPr>
+            <a:normAutofit/>
+          </a:bodyPr>
           <a:lstStyle/>
           <a:p>
             <a:r>
-              <a:t>ADK vs Other Frameworks</a:t>
-            </a:r>
-          </a:p>
-        </p:txBody>
-      </p:sp>
-      <p:graphicFrame>
-        <p:nvGraphicFramePr>
-          <p:cNvPr id="3" name="Table 2"/>
-          <p:cNvGraphicFramePr>
-            <a:graphicFrameLocks noGrp="1"/>
-          </p:cNvGraphicFramePr>
+              <a:rPr sz="2000" dirty="0"/>
+              <a:t>Why ADK Stands Out for SDLC Automation</a:t>
+            </a:r>
+          </a:p>
+        </p:txBody>
+      </p:sp>
+      <p:sp>
+        <p:nvSpPr>
+          <p:cNvPr id="3" name="TextBox 2"/>
+          <p:cNvSpPr txBox="1"/>
           <p:nvPr/>
-        </p:nvGraphicFramePr>
-        <p:xfrm>
-          <a:off x="457200" y="1371600"/>
-          <a:ext cx="8229600" cy="3627120"/>
-        </p:xfrm>
-        <a:graphic>
-          <a:graphicData uri="http://schemas.openxmlformats.org/drawingml/2006/table">
-            <a:tbl>
-              <a:tblPr firstRow="1" bandRow="1">
-                <a:tableStyleId>{5C22544A-7EE6-4342-B048-85BDC9FD1C3A}</a:tableStyleId>
-              </a:tblPr>
-              <a:tblGrid>
-                <a:gridCol w="2743200"/>
-                <a:gridCol w="2743200"/>
-                <a:gridCol w="2743200"/>
-              </a:tblGrid>
-              <a:tr h="533400">
-                <a:tc>
-                  <a:txBody>
-                    <a:bodyPr/>
-                    <a:lstStyle/>
-                    <a:p>
-                      <a:r>
-                        <a:rPr dirty="0"/>
-                        <a:t>Feature / Aspect</a:t>
-                      </a:r>
-                    </a:p>
-                  </a:txBody>
-                  <a:tcPr/>
-                </a:tc>
-                <a:tc>
-                  <a:txBody>
-                    <a:bodyPr/>
-                    <a:lstStyle/>
-                    <a:p>
-                      <a:r>
-                        <a:t>✅ ADK</a:t>
-                      </a:r>
-                    </a:p>
-                  </a:txBody>
-                  <a:tcPr/>
-                </a:tc>
-                <a:tc>
-                  <a:txBody>
-                    <a:bodyPr/>
-                    <a:lstStyle/>
-                    <a:p>
-                      <a:r>
-                        <a:t>⚠️ Other Frameworks</a:t>
-                      </a:r>
-                    </a:p>
-                  </a:txBody>
-                  <a:tcPr/>
-                </a:tc>
-              </a:tr>
-              <a:tr h="533400">
-                <a:tc>
-                  <a:txBody>
-                    <a:bodyPr/>
-                    <a:lstStyle/>
-                    <a:p>
-                      <a:r>
-                        <a:t>Scope of Automation</a:t>
-                      </a:r>
-                    </a:p>
-                  </a:txBody>
-                  <a:tcPr/>
-                </a:tc>
-                <a:tc>
-                  <a:txBody>
-                    <a:bodyPr/>
-                    <a:lstStyle/>
-                    <a:p>
-                      <a:r>
-                        <a:t>Full SDLC (Dev, Test, Deploy, Monitor)</a:t>
-                      </a:r>
-                    </a:p>
-                  </a:txBody>
-                  <a:tcPr/>
-                </a:tc>
-                <a:tc>
-                  <a:txBody>
-                    <a:bodyPr/>
-                    <a:lstStyle/>
-                    <a:p>
-                      <a:r>
-                        <a:t>Focused (e.g., only Test or Deploy)</a:t>
-                      </a:r>
-                    </a:p>
-                  </a:txBody>
-                  <a:tcPr/>
-                </a:tc>
-              </a:tr>
-              <a:tr h="533400">
-                <a:tc>
-                  <a:txBody>
-                    <a:bodyPr/>
-                    <a:lstStyle/>
-                    <a:p>
-                      <a:r>
-                        <a:rPr dirty="0"/>
-                        <a:t>Ease of Use</a:t>
-                      </a:r>
-                    </a:p>
-                  </a:txBody>
-                  <a:tcPr/>
-                </a:tc>
-                <a:tc>
-                  <a:txBody>
-                    <a:bodyPr/>
-                    <a:lstStyle/>
-                    <a:p>
-                      <a:r>
-                        <a:rPr dirty="0"/>
-                        <a:t>Low-code, simplified scripting</a:t>
-                      </a:r>
-                    </a:p>
-                  </a:txBody>
-                  <a:tcPr/>
-                </a:tc>
-                <a:tc>
-                  <a:txBody>
-                    <a:bodyPr/>
-                    <a:lstStyle/>
-                    <a:p>
-                      <a:r>
-                        <a:t>Requires skilled scripting</a:t>
-                      </a:r>
-                    </a:p>
-                  </a:txBody>
-                  <a:tcPr/>
-                </a:tc>
-              </a:tr>
-              <a:tr h="533400">
-                <a:tc>
-                  <a:txBody>
-                    <a:bodyPr/>
-                    <a:lstStyle/>
-                    <a:p>
-                      <a:r>
-                        <a:rPr dirty="0"/>
-                        <a:t>Reusability</a:t>
-                      </a:r>
-                    </a:p>
-                  </a:txBody>
-                  <a:tcPr/>
-                </a:tc>
-                <a:tc>
-                  <a:txBody>
-                    <a:bodyPr/>
-                    <a:lstStyle/>
-                    <a:p>
-                      <a:r>
-                        <a:t>Built-in components &amp; templates</a:t>
-                      </a:r>
-                    </a:p>
-                  </a:txBody>
-                  <a:tcPr/>
-                </a:tc>
-                <a:tc>
-                  <a:txBody>
-                    <a:bodyPr/>
-                    <a:lstStyle/>
-                    <a:p>
-                      <a:r>
-                        <a:t>Manual script reuse</a:t>
-                      </a:r>
-                    </a:p>
-                  </a:txBody>
-                  <a:tcPr/>
-                </a:tc>
-              </a:tr>
-              <a:tr h="533400">
-                <a:tc>
-                  <a:txBody>
-                    <a:bodyPr/>
-                    <a:lstStyle/>
-                    <a:p>
-                      <a:r>
-                        <a:t>Integration Readiness</a:t>
-                      </a:r>
-                    </a:p>
-                  </a:txBody>
-                  <a:tcPr/>
-                </a:tc>
-                <a:tc>
-                  <a:txBody>
-                    <a:bodyPr/>
-                    <a:lstStyle/>
-                    <a:p>
-                      <a:r>
-                        <a:t>Plug &amp; play with DevOps tools</a:t>
-                      </a:r>
-                    </a:p>
-                  </a:txBody>
-                  <a:tcPr/>
-                </a:tc>
-                <a:tc>
-                  <a:txBody>
-                    <a:bodyPr/>
-                    <a:lstStyle/>
-                    <a:p>
-                      <a:r>
-                        <a:t>Often needs setup/custom connectors</a:t>
-                      </a:r>
-                    </a:p>
-                  </a:txBody>
-                  <a:tcPr/>
-                </a:tc>
-              </a:tr>
-              <a:tr h="533400">
-                <a:tc>
-                  <a:txBody>
-                    <a:bodyPr/>
-                    <a:lstStyle/>
-                    <a:p>
-                      <a:r>
-                        <a:t>Maintenance Effort</a:t>
-                      </a:r>
-                    </a:p>
-                  </a:txBody>
-                  <a:tcPr/>
-                </a:tc>
-                <a:tc>
-                  <a:txBody>
-                    <a:bodyPr/>
-                    <a:lstStyle/>
-                    <a:p>
-                      <a:r>
-                        <a:t>Centralized management</a:t>
-                      </a:r>
-                    </a:p>
-                  </a:txBody>
-                  <a:tcPr/>
-                </a:tc>
-                <a:tc>
-                  <a:txBody>
-                    <a:bodyPr/>
-                    <a:lstStyle/>
-                    <a:p>
-                      <a:r>
-                        <a:t>Distributed &amp; tool-specific</a:t>
-                      </a:r>
-                    </a:p>
-                  </a:txBody>
-                  <a:tcPr/>
-                </a:tc>
-              </a:tr>
-            </a:tbl>
-          </a:graphicData>
-        </a:graphic>
-      </p:graphicFrame>
+        </p:nvSpPr>
+        <p:spPr>
+          <a:xfrm>
+            <a:off x="457200" y="1181100"/>
+            <a:ext cx="8229600" cy="1754326"/>
+          </a:xfrm>
+          <a:prstGeom prst="rect">
+            <a:avLst/>
+          </a:prstGeom>
+          <a:noFill/>
+        </p:spPr>
+        <p:txBody>
+          <a:bodyPr wrap="square">
+            <a:spAutoFit/>
+          </a:bodyPr>
+          <a:lstStyle/>
+          <a:p>
+            <a:pPr marL="285750" indent="-285750">
+              <a:buFont typeface="Arial" pitchFamily="34" charset="0"/>
+              <a:buChar char="•"/>
+              <a:defRPr sz="1800"/>
+            </a:pPr>
+            <a:r>
+              <a:rPr dirty="0" smtClean="0"/>
+              <a:t>End-to-End </a:t>
+            </a:r>
+            <a:r>
+              <a:rPr dirty="0"/>
+              <a:t>SDLC automation: From planning to monitoring</a:t>
+            </a:r>
+          </a:p>
+          <a:p>
+            <a:pPr marL="285750" indent="-285750">
+              <a:buFont typeface="Arial" pitchFamily="34" charset="0"/>
+              <a:buChar char="•"/>
+              <a:defRPr sz="1800"/>
+            </a:pPr>
+            <a:r>
+              <a:rPr dirty="0" smtClean="0"/>
+              <a:t>Seamless </a:t>
+            </a:r>
+            <a:r>
+              <a:rPr dirty="0"/>
+              <a:t>integration with CI/CD tools (Jenkins, </a:t>
+            </a:r>
+            <a:r>
+              <a:rPr dirty="0" err="1"/>
+              <a:t>Git</a:t>
+            </a:r>
+            <a:r>
+              <a:rPr dirty="0"/>
+              <a:t>, Azure </a:t>
+            </a:r>
+            <a:r>
+              <a:rPr dirty="0" err="1"/>
+              <a:t>DevOps</a:t>
+            </a:r>
+            <a:r>
+              <a:rPr dirty="0"/>
+              <a:t>)</a:t>
+            </a:r>
+          </a:p>
+          <a:p>
+            <a:pPr marL="285750" indent="-285750">
+              <a:buFont typeface="Arial" pitchFamily="34" charset="0"/>
+              <a:buChar char="•"/>
+              <a:defRPr sz="1800"/>
+            </a:pPr>
+            <a:r>
+              <a:rPr dirty="0" smtClean="0"/>
+              <a:t>Modular</a:t>
+            </a:r>
+            <a:r>
+              <a:rPr dirty="0"/>
+              <a:t>, reusable components for faster delivery</a:t>
+            </a:r>
+          </a:p>
+          <a:p>
+            <a:pPr marL="285750" indent="-285750">
+              <a:buFont typeface="Arial" pitchFamily="34" charset="0"/>
+              <a:buChar char="•"/>
+              <a:defRPr sz="1800"/>
+            </a:pPr>
+            <a:r>
+              <a:rPr dirty="0" smtClean="0"/>
+              <a:t>Reduces </a:t>
+            </a:r>
+            <a:r>
+              <a:rPr dirty="0"/>
+              <a:t>manual effort, increases consistency</a:t>
+            </a:r>
+          </a:p>
+          <a:p>
+            <a:pPr marL="285750" indent="-285750">
+              <a:buFont typeface="Arial" pitchFamily="34" charset="0"/>
+              <a:buChar char="•"/>
+              <a:defRPr sz="1800"/>
+            </a:pPr>
+            <a:r>
+              <a:rPr dirty="0" smtClean="0"/>
+              <a:t>Proven </a:t>
+            </a:r>
+            <a:r>
+              <a:rPr dirty="0"/>
+              <a:t>improvements: 60% faster releases, 70% fewer </a:t>
+            </a:r>
+            <a:r>
+              <a:rPr dirty="0" smtClean="0"/>
+              <a:t>errors</a:t>
+            </a:r>
+            <a:endParaRPr lang="en-US" dirty="0" smtClean="0"/>
+          </a:p>
+          <a:p>
+            <a:pPr>
+              <a:defRPr sz="1800"/>
+            </a:pPr>
+            <a:endParaRPr dirty="0"/>
+          </a:p>
+        </p:txBody>
+      </p:sp>
+      <p:sp>
+        <p:nvSpPr>
+          <p:cNvPr id="4" name="Title 1"/>
+          <p:cNvSpPr txBox="1">
+            <a:spLocks/>
+          </p:cNvSpPr>
+          <p:nvPr/>
+        </p:nvSpPr>
+        <p:spPr>
+          <a:xfrm>
+            <a:off x="381000" y="3142488"/>
+            <a:ext cx="8305800" cy="461772"/>
+          </a:xfrm>
+          <a:prstGeom prst="rect">
+            <a:avLst/>
+          </a:prstGeom>
+        </p:spPr>
+        <p:txBody>
+          <a:bodyPr vert="horz" lIns="0" tIns="45720" rIns="0" bIns="0" anchor="b">
+            <a:normAutofit/>
+            <a:scene3d>
+              <a:camera prst="orthographicFront"/>
+              <a:lightRig rig="freezing" dir="t">
+                <a:rot lat="0" lon="0" rev="5640000"/>
+              </a:lightRig>
+            </a:scene3d>
+            <a:sp3d prstMaterial="flat">
+              <a:contourClr>
+                <a:schemeClr val="tx2"/>
+              </a:contourClr>
+            </a:sp3d>
+          </a:bodyPr>
+          <a:lstStyle>
+            <a:lvl1pPr algn="l" rtl="0" eaLnBrk="1" latinLnBrk="0" hangingPunct="1">
+              <a:spcBef>
+                <a:spcPct val="0"/>
+              </a:spcBef>
+              <a:buNone/>
+              <a:defRPr kumimoji="0" sz="5000" b="0" kern="1200">
+                <a:ln>
+                  <a:noFill/>
+                </a:ln>
+                <a:solidFill>
+                  <a:schemeClr val="tx2"/>
+                </a:solidFill>
+                <a:effectLst/>
+                <a:latin typeface="+mj-lt"/>
+                <a:ea typeface="+mj-ea"/>
+                <a:cs typeface="+mj-cs"/>
+              </a:defRPr>
+            </a:lvl1pPr>
+          </a:lstStyle>
+          <a:p>
+            <a:r>
+              <a:rPr lang="en-US" sz="2000" dirty="0"/>
+              <a:t>Key Benefits of ADK</a:t>
+            </a:r>
+          </a:p>
+        </p:txBody>
+      </p:sp>
+      <p:sp>
+        <p:nvSpPr>
+          <p:cNvPr id="5" name="TextBox 4"/>
+          <p:cNvSpPr txBox="1"/>
+          <p:nvPr/>
+        </p:nvSpPr>
+        <p:spPr>
+          <a:xfrm>
+            <a:off x="381000" y="3604260"/>
+            <a:ext cx="8229600" cy="2031325"/>
+          </a:xfrm>
+          <a:prstGeom prst="rect">
+            <a:avLst/>
+          </a:prstGeom>
+          <a:noFill/>
+        </p:spPr>
+        <p:txBody>
+          <a:bodyPr wrap="square">
+            <a:spAutoFit/>
+          </a:bodyPr>
+          <a:lstStyle/>
+          <a:p>
+            <a:pPr marL="285750" indent="-285750">
+              <a:buFont typeface="Arial" pitchFamily="34" charset="0"/>
+              <a:buChar char="•"/>
+              <a:defRPr sz="1800"/>
+            </a:pPr>
+            <a:r>
+              <a:rPr lang="en-US" dirty="0" smtClean="0"/>
+              <a:t>Faster </a:t>
+            </a:r>
+            <a:r>
+              <a:rPr lang="en-US" dirty="0"/>
+              <a:t>Time-to-Market: Automates repetitive tasks, reducing release cycles.</a:t>
+            </a:r>
+          </a:p>
+          <a:p>
+            <a:pPr marL="285750" indent="-285750">
+              <a:buFont typeface="Arial" pitchFamily="34" charset="0"/>
+              <a:buChar char="•"/>
+              <a:defRPr sz="1800"/>
+            </a:pPr>
+            <a:r>
+              <a:rPr lang="en-US" dirty="0" smtClean="0"/>
+              <a:t>Modular </a:t>
+            </a:r>
+            <a:r>
+              <a:rPr lang="en-US" dirty="0"/>
+              <a:t>Architecture: Easy to plug in or replace components per project needs.</a:t>
+            </a:r>
+          </a:p>
+          <a:p>
+            <a:pPr marL="285750" indent="-285750">
+              <a:buFont typeface="Arial" pitchFamily="34" charset="0"/>
+              <a:buChar char="•"/>
+              <a:defRPr sz="1800"/>
+            </a:pPr>
+            <a:r>
+              <a:rPr lang="en-US" dirty="0" smtClean="0"/>
+              <a:t>Governance </a:t>
+            </a:r>
+            <a:r>
+              <a:rPr lang="en-US" dirty="0"/>
+              <a:t>&amp; Compliance: Built-in controls for audit, traceability, and policy adherence.</a:t>
+            </a:r>
+          </a:p>
+          <a:p>
+            <a:pPr marL="285750" indent="-285750">
+              <a:buFont typeface="Arial" pitchFamily="34" charset="0"/>
+              <a:buChar char="•"/>
+              <a:defRPr sz="1800"/>
+            </a:pPr>
+            <a:r>
+              <a:rPr lang="en-US" dirty="0" smtClean="0"/>
+              <a:t>Continuous </a:t>
+            </a:r>
+            <a:r>
+              <a:rPr lang="en-US" dirty="0"/>
+              <a:t>Feedback Loop: Supports shift-left and shift-right strategies for quality assurance.</a:t>
+            </a:r>
+          </a:p>
+          <a:p>
+            <a:pPr>
+              <a:defRPr sz="1800"/>
+            </a:pPr>
+            <a:endParaRPr dirty="0"/>
+          </a:p>
+        </p:txBody>
+      </p:sp>
     </p:spTree>
   </p:cSld>
   <p:clrMapOvr>
@@ -4226,7 +6629,12 @@
             <p:ph type="title"/>
           </p:nvPr>
         </p:nvSpPr>
-        <p:spPr/>
+        <p:spPr>
+          <a:xfrm>
+            <a:off x="457200" y="704088"/>
+            <a:ext cx="8305800" cy="438912"/>
+          </a:xfrm>
+        </p:spPr>
         <p:txBody>
           <a:bodyPr>
             <a:normAutofit/>
@@ -4234,10 +6642,10 @@
           <a:lstStyle/>
           <a:p>
             <a:r>
-              <a:rPr lang="en-US" sz="4000" dirty="0"/>
+              <a:rPr lang="en-US" sz="2000" b="1" u="sng" dirty="0"/>
               <a:t>Google ADK – Pros &amp; Cons</a:t>
             </a:r>
-            <a:endParaRPr sz="4000" dirty="0"/>
+            <a:endParaRPr sz="2000" b="1" u="sng" dirty="0"/>
           </a:p>
         </p:txBody>
       </p:sp>
@@ -4250,14 +6658,14 @@
           <p:nvPr>
             <p:extLst>
               <p:ext uri="{D42A27DB-BD31-4B8C-83A1-F6EECF244321}">
-                <p14:modId xmlns:p14="http://schemas.microsoft.com/office/powerpoint/2010/main" val="4252746207"/>
+                <p14:modId xmlns:p14="http://schemas.microsoft.com/office/powerpoint/2010/main" val="1364376292"/>
               </p:ext>
             </p:extLst>
           </p:nvPr>
         </p:nvGraphicFramePr>
         <p:xfrm>
-          <a:off x="457198" y="1371600"/>
-          <a:ext cx="8355028" cy="3750657"/>
+          <a:off x="407972" y="1493520"/>
+          <a:ext cx="8515048" cy="2979420"/>
         </p:xfrm>
         <a:graphic>
           <a:graphicData uri="http://schemas.openxmlformats.org/drawingml/2006/table">
@@ -4266,24 +6674,24 @@
                 <a:tableStyleId>{5C22544A-7EE6-4342-B048-85BDC9FD1C3A}</a:tableStyleId>
               </a:tblPr>
               <a:tblGrid>
-                <a:gridCol w="4177514"/>
-                <a:gridCol w="4177514"/>
+                <a:gridCol w="4257524"/>
+                <a:gridCol w="4257524"/>
               </a:tblGrid>
-              <a:tr h="646665">
+              <a:tr h="409320">
                 <a:tc>
                   <a:txBody>
                     <a:bodyPr/>
                     <a:lstStyle/>
                     <a:p>
                       <a:r>
-                        <a:rPr dirty="0" smtClean="0"/>
+                        <a:rPr sz="1400" b="1" dirty="0" smtClean="0"/>
                         <a:t>✅ </a:t>
                       </a:r>
                       <a:r>
-                        <a:rPr lang="en-US" dirty="0" smtClean="0"/>
+                        <a:rPr lang="en-US" sz="1400" b="1" dirty="0" smtClean="0"/>
                         <a:t>Props</a:t>
                       </a:r>
-                      <a:endParaRPr dirty="0"/>
+                      <a:endParaRPr sz="1400" b="1" dirty="0"/>
                     </a:p>
                   </a:txBody>
                   <a:tcPr/>
@@ -4294,7 +6702,7 @@
                     <a:lstStyle/>
                     <a:p>
                       <a:r>
-                        <a:rPr dirty="0" smtClean="0">
+                        <a:rPr sz="1400" b="1" dirty="0" smtClean="0">
                           <a:solidFill>
                             <a:srgbClr val="FF0000"/>
                           </a:solidFill>
@@ -4302,34 +6710,34 @@
                         <a:t>⚠</a:t>
                       </a:r>
                       <a:r>
-                        <a:rPr dirty="0" smtClean="0"/>
+                        <a:rPr sz="1400" b="1" dirty="0" smtClean="0"/>
                         <a:t> </a:t>
                       </a:r>
                       <a:r>
-                        <a:rPr lang="en-US" dirty="0" smtClean="0"/>
+                        <a:rPr lang="en-US" sz="1400" b="1" dirty="0" smtClean="0"/>
                         <a:t>Cons</a:t>
                       </a:r>
-                      <a:endParaRPr dirty="0"/>
+                      <a:endParaRPr sz="1400" b="1" dirty="0"/>
                     </a:p>
                   </a:txBody>
                   <a:tcPr/>
                 </a:tc>
               </a:tr>
-              <a:tr h="775998">
+              <a:tr h="757242">
                 <a:tc>
                   <a:txBody>
                     <a:bodyPr/>
                     <a:lstStyle/>
                     <a:p>
                       <a:r>
-                        <a:rPr lang="en-US" sz="1600" b="1" dirty="0" smtClean="0"/>
+                        <a:rPr lang="en-US" sz="1200" b="1" dirty="0" smtClean="0"/>
                         <a:t>Modular Design</a:t>
                       </a:r>
                       <a:r>
-                        <a:rPr lang="en-US" sz="1600" dirty="0" smtClean="0"/>
+                        <a:rPr lang="en-US" sz="1200" dirty="0" smtClean="0"/>
                         <a:t>: Clean architecture with clearly defined agent roles.</a:t>
                       </a:r>
-                      <a:endParaRPr sz="1600" dirty="0"/>
+                      <a:endParaRPr sz="1200" dirty="0"/>
                     </a:p>
                   </a:txBody>
                   <a:tcPr/>
@@ -4340,46 +6748,46 @@
                     <a:lstStyle/>
                     <a:p>
                       <a:r>
-                        <a:rPr lang="en-US" sz="1600" b="1" dirty="0" smtClean="0"/>
+                        <a:rPr lang="en-US" sz="1200" b="1" dirty="0" smtClean="0"/>
                         <a:t>Niche Framework</a:t>
                       </a:r>
                       <a:r>
-                        <a:rPr lang="en-US" sz="1600" dirty="0" smtClean="0"/>
+                        <a:rPr lang="en-US" sz="1200" dirty="0" smtClean="0"/>
                         <a:t>: Smaller community and fewer resources than </a:t>
                       </a:r>
                       <a:r>
-                        <a:rPr lang="en-US" sz="1600" dirty="0" err="1" smtClean="0"/>
+                        <a:rPr lang="en-US" sz="1200" dirty="0" err="1" smtClean="0"/>
                         <a:t>LangChain</a:t>
                       </a:r>
-                      <a:endParaRPr sz="1600" dirty="0"/>
+                      <a:endParaRPr sz="1200" dirty="0"/>
                     </a:p>
                   </a:txBody>
                   <a:tcPr/>
                 </a:tc>
               </a:tr>
-              <a:tr h="775998">
+              <a:tr h="613980">
                 <a:tc>
                   <a:txBody>
                     <a:bodyPr/>
                     <a:lstStyle/>
                     <a:p>
                       <a:r>
-                        <a:rPr lang="en-US" sz="1600" b="1" dirty="0" smtClean="0"/>
+                        <a:rPr lang="en-US" sz="1200" b="1" dirty="0" smtClean="0"/>
                         <a:t>Simplified Orchestration</a:t>
                       </a:r>
                       <a:r>
-                        <a:rPr lang="en-US" sz="1600" dirty="0" smtClean="0"/>
+                        <a:rPr lang="en-US" sz="1200" dirty="0" smtClean="0"/>
                         <a:t>: </a:t>
                       </a:r>
                       <a:r>
-                        <a:rPr lang="en-US" sz="1600" dirty="0" err="1" smtClean="0"/>
+                        <a:rPr lang="en-US" sz="1200" dirty="0" err="1" smtClean="0"/>
                         <a:t>SequentialAgent</a:t>
                       </a:r>
                       <a:r>
-                        <a:rPr lang="en-US" sz="1600" dirty="0" smtClean="0"/>
+                        <a:rPr lang="en-US" sz="1200" dirty="0" smtClean="0"/>
                         <a:t> automates state/context flow.</a:t>
                       </a:r>
-                      <a:endParaRPr sz="1600" dirty="0"/>
+                      <a:endParaRPr sz="1200" dirty="0"/>
                     </a:p>
                   </a:txBody>
                   <a:tcPr/>
@@ -4390,34 +6798,34 @@
                     <a:lstStyle/>
                     <a:p>
                       <a:r>
-                        <a:rPr lang="en-US" sz="1600" b="1" dirty="0" smtClean="0"/>
+                        <a:rPr lang="en-US" sz="1200" b="1" dirty="0" smtClean="0"/>
                         <a:t>Rigid Orchestration</a:t>
                       </a:r>
                       <a:r>
-                        <a:rPr lang="en-US" sz="1600" dirty="0" smtClean="0"/>
+                        <a:rPr lang="en-US" sz="1200" dirty="0" smtClean="0"/>
                         <a:t>: Conditional flows or retry loops need custom logic.</a:t>
                       </a:r>
-                      <a:endParaRPr sz="1600" dirty="0"/>
+                      <a:endParaRPr sz="1200" dirty="0"/>
                     </a:p>
                   </a:txBody>
                   <a:tcPr/>
                 </a:tc>
               </a:tr>
-              <a:tr h="775998">
+              <a:tr h="613980">
                 <a:tc>
                   <a:txBody>
                     <a:bodyPr/>
                     <a:lstStyle/>
                     <a:p>
                       <a:r>
-                        <a:rPr lang="en-US" sz="1600" b="1" dirty="0" smtClean="0"/>
+                        <a:rPr lang="en-US" sz="1200" b="1" dirty="0" smtClean="0"/>
                         <a:t>Focus on Business Logic</a:t>
                       </a:r>
                       <a:r>
-                        <a:rPr lang="en-US" sz="1600" dirty="0" smtClean="0"/>
+                        <a:rPr lang="en-US" sz="1200" dirty="0" smtClean="0"/>
                         <a:t>: Abstracts away low-level API and retry handling.</a:t>
                       </a:r>
-                      <a:endParaRPr sz="1600" dirty="0"/>
+                      <a:endParaRPr sz="1200" dirty="0"/>
                     </a:p>
                   </a:txBody>
                   <a:tcPr/>
@@ -4428,34 +6836,34 @@
                     <a:lstStyle/>
                     <a:p>
                       <a:r>
-                        <a:rPr lang="en-US" sz="1600" b="1" dirty="0" smtClean="0"/>
+                        <a:rPr lang="en-US" sz="1200" b="1" dirty="0" smtClean="0"/>
                         <a:t>Vendor Lock-in</a:t>
                       </a:r>
                       <a:r>
-                        <a:rPr lang="en-US" sz="1600" dirty="0" smtClean="0"/>
+                        <a:rPr lang="en-US" sz="1200" dirty="0" smtClean="0"/>
                         <a:t>: Deeply tied to the Google ecosystem</a:t>
                       </a:r>
-                      <a:endParaRPr sz="1600" dirty="0"/>
+                      <a:endParaRPr sz="1200" dirty="0"/>
                     </a:p>
                   </a:txBody>
                   <a:tcPr/>
                 </a:tc>
               </a:tr>
-              <a:tr h="775998">
+              <a:tr h="584898">
                 <a:tc>
                   <a:txBody>
                     <a:bodyPr/>
                     <a:lstStyle/>
                     <a:p>
                       <a:r>
-                        <a:rPr lang="en-US" sz="1600" b="1" dirty="0" smtClean="0"/>
+                        <a:rPr lang="en-US" sz="1200" b="1" dirty="0" smtClean="0"/>
                         <a:t>Separation of Concerns</a:t>
                       </a:r>
                       <a:r>
-                        <a:rPr lang="en-US" sz="1600" dirty="0" smtClean="0"/>
+                        <a:rPr lang="en-US" sz="1200" dirty="0" smtClean="0"/>
                         <a:t>: Each agent is independently testable and replaceable.</a:t>
                       </a:r>
-                      <a:endParaRPr sz="1600" dirty="0"/>
+                      <a:endParaRPr sz="1200" dirty="0"/>
                     </a:p>
                   </a:txBody>
                   <a:tcPr/>
@@ -4466,14 +6874,14 @@
                     <a:lstStyle/>
                     <a:p>
                       <a:r>
-                        <a:rPr lang="en-US" sz="1600" b="1" dirty="0" smtClean="0"/>
+                        <a:rPr lang="en-US" sz="1200" b="1" dirty="0" smtClean="0"/>
                         <a:t>Debugging Complexity</a:t>
                       </a:r>
                       <a:r>
-                        <a:rPr lang="en-US" sz="1600" dirty="0" smtClean="0"/>
+                        <a:rPr lang="en-US" sz="1200" dirty="0" smtClean="0"/>
                         <a:t>: Hard to trace issues across multiple dependent agents.</a:t>
                       </a:r>
-                      <a:endParaRPr sz="1600" dirty="0"/>
+                      <a:endParaRPr sz="1200" dirty="0"/>
                     </a:p>
                   </a:txBody>
                   <a:tcPr/>
@@ -4530,7 +6938,12 @@
             <p:ph type="title"/>
           </p:nvPr>
         </p:nvSpPr>
-        <p:spPr/>
+        <p:spPr>
+          <a:xfrm>
+            <a:off x="457200" y="704088"/>
+            <a:ext cx="8305800" cy="385572"/>
+          </a:xfrm>
+        </p:spPr>
         <p:txBody>
           <a:bodyPr>
             <a:normAutofit/>
@@ -4538,10 +6951,10 @@
           <a:lstStyle/>
           <a:p>
             <a:r>
-              <a:rPr lang="en-US" sz="3600" dirty="0"/>
+              <a:rPr lang="en-US" sz="2000" b="1" u="sng" dirty="0"/>
               <a:t>Google Gemini Model – Pros &amp; Cons</a:t>
             </a:r>
-            <a:endParaRPr sz="3600" dirty="0"/>
+            <a:endParaRPr sz="2000" b="1" u="sng" dirty="0"/>
           </a:p>
         </p:txBody>
       </p:sp>
@@ -4554,14 +6967,14 @@
           <p:nvPr>
             <p:extLst>
               <p:ext uri="{D42A27DB-BD31-4B8C-83A1-F6EECF244321}">
-                <p14:modId xmlns:p14="http://schemas.microsoft.com/office/powerpoint/2010/main" val="2951712401"/>
+                <p14:modId xmlns:p14="http://schemas.microsoft.com/office/powerpoint/2010/main" val="3091894387"/>
               </p:ext>
             </p:extLst>
           </p:nvPr>
         </p:nvGraphicFramePr>
         <p:xfrm>
-          <a:off x="457198" y="1371600"/>
-          <a:ext cx="8355028" cy="3750657"/>
+          <a:off x="407972" y="1284205"/>
+          <a:ext cx="8355028" cy="3408792"/>
         </p:xfrm>
         <a:graphic>
           <a:graphicData uri="http://schemas.openxmlformats.org/drawingml/2006/table">
@@ -4573,21 +6986,21 @@
                 <a:gridCol w="4177514"/>
                 <a:gridCol w="4177514"/>
               </a:tblGrid>
-              <a:tr h="646665">
+              <a:tr h="0">
                 <a:tc>
                   <a:txBody>
                     <a:bodyPr/>
                     <a:lstStyle/>
                     <a:p>
                       <a:r>
-                        <a:rPr dirty="0" smtClean="0"/>
+                        <a:rPr sz="1400" b="1" dirty="0" smtClean="0"/>
                         <a:t>✅ </a:t>
                       </a:r>
                       <a:r>
-                        <a:rPr lang="en-US" dirty="0" smtClean="0"/>
+                        <a:rPr lang="en-US" sz="1400" b="1" dirty="0" smtClean="0"/>
                         <a:t>Props</a:t>
                       </a:r>
-                      <a:endParaRPr dirty="0"/>
+                      <a:endParaRPr sz="1400" b="1" dirty="0"/>
                     </a:p>
                   </a:txBody>
                   <a:tcPr/>
@@ -4598,7 +7011,7 @@
                     <a:lstStyle/>
                     <a:p>
                       <a:r>
-                        <a:rPr dirty="0" smtClean="0">
+                        <a:rPr sz="1400" b="1" dirty="0" smtClean="0">
                           <a:solidFill>
                             <a:srgbClr val="FF0000"/>
                           </a:solidFill>
@@ -4606,14 +7019,14 @@
                         <a:t>⚠</a:t>
                       </a:r>
                       <a:r>
-                        <a:rPr dirty="0" smtClean="0"/>
+                        <a:rPr sz="1400" b="1" dirty="0" smtClean="0"/>
                         <a:t> </a:t>
                       </a:r>
                       <a:r>
-                        <a:rPr lang="en-US" dirty="0" smtClean="0"/>
+                        <a:rPr lang="en-US" sz="1400" b="1" dirty="0" smtClean="0"/>
                         <a:t>Cons</a:t>
                       </a:r>
-                      <a:endParaRPr dirty="0"/>
+                      <a:endParaRPr sz="1400" b="1" dirty="0"/>
                     </a:p>
                   </a:txBody>
                   <a:tcPr/>
@@ -4626,22 +7039,22 @@
                     <a:lstStyle/>
                     <a:p>
                       <a:r>
-                        <a:rPr lang="en-US" sz="1600" b="1" dirty="0" smtClean="0"/>
+                        <a:rPr lang="en-US" sz="1200" b="1" dirty="0" smtClean="0"/>
                         <a:t>High-Quality Code Generation</a:t>
                       </a:r>
                       <a:r>
-                        <a:rPr lang="en-US" sz="1600" dirty="0" smtClean="0"/>
+                        <a:rPr lang="en-US" sz="1200" dirty="0" smtClean="0"/>
                         <a:t>: Understands context and creates correct code and </a:t>
                       </a:r>
                       <a:r>
-                        <a:rPr lang="en-US" sz="1600" dirty="0" err="1" smtClean="0"/>
+                        <a:rPr lang="en-US" sz="1200" dirty="0" err="1" smtClean="0"/>
                         <a:t>configs</a:t>
                       </a:r>
                       <a:r>
-                        <a:rPr lang="en-US" sz="1600" dirty="0" smtClean="0"/>
+                        <a:rPr lang="en-US" sz="1200" dirty="0" smtClean="0"/>
                         <a:t>.</a:t>
                       </a:r>
-                      <a:endParaRPr sz="1600" dirty="0"/>
+                      <a:endParaRPr sz="1200" dirty="0"/>
                     </a:p>
                   </a:txBody>
                   <a:tcPr/>
@@ -4652,14 +7065,14 @@
                     <a:lstStyle/>
                     <a:p>
                       <a:r>
-                        <a:rPr lang="en-US" sz="1600" b="1" dirty="0" smtClean="0"/>
+                        <a:rPr lang="en-US" sz="1200" b="1" dirty="0" smtClean="0"/>
                         <a:t>Inaccuracy / Hallucinations</a:t>
                       </a:r>
                       <a:r>
-                        <a:rPr lang="en-US" sz="1600" dirty="0" smtClean="0"/>
+                        <a:rPr lang="en-US" sz="1200" dirty="0" smtClean="0"/>
                         <a:t>: May generate incorrect logic or imports.</a:t>
                       </a:r>
-                      <a:endParaRPr sz="1600" dirty="0"/>
+                      <a:endParaRPr sz="1200" dirty="0"/>
                     </a:p>
                   </a:txBody>
                   <a:tcPr/>
@@ -4672,14 +7085,14 @@
                     <a:lstStyle/>
                     <a:p>
                       <a:r>
-                        <a:rPr lang="en-US" sz="1600" b="1" dirty="0" smtClean="0"/>
+                        <a:rPr lang="en-US" sz="1200" b="1" dirty="0" smtClean="0"/>
                         <a:t>Strong Instruction Following</a:t>
                       </a:r>
                       <a:r>
-                        <a:rPr lang="en-US" sz="1600" dirty="0" smtClean="0"/>
+                        <a:rPr lang="en-US" sz="1200" dirty="0" smtClean="0"/>
                         <a:t>: Accurately executes complex, multi-step prompts.</a:t>
                       </a:r>
-                      <a:endParaRPr sz="1600" dirty="0"/>
+                      <a:endParaRPr sz="1200" dirty="0"/>
                     </a:p>
                   </a:txBody>
                   <a:tcPr/>
@@ -4690,14 +7103,14 @@
                     <a:lstStyle/>
                     <a:p>
                       <a:r>
-                        <a:rPr lang="en-US" sz="1600" b="1" dirty="0" smtClean="0"/>
+                        <a:rPr lang="en-US" sz="1200" b="1" dirty="0" smtClean="0"/>
                         <a:t>Black Box Debugging</a:t>
                       </a:r>
                       <a:r>
-                        <a:rPr lang="en-US" sz="1600" dirty="0" smtClean="0"/>
+                        <a:rPr lang="en-US" sz="1200" dirty="0" smtClean="0"/>
                         <a:t>: Root cause analysis often relies on trial-and-error.</a:t>
                       </a:r>
-                      <a:endParaRPr sz="1600" dirty="0"/>
+                      <a:endParaRPr sz="1200" dirty="0"/>
                     </a:p>
                   </a:txBody>
                   <a:tcPr/>
@@ -4710,14 +7123,14 @@
                     <a:lstStyle/>
                     <a:p>
                       <a:r>
-                        <a:rPr lang="en-US" sz="1600" b="1" dirty="0" smtClean="0"/>
+                        <a:rPr lang="en-US" sz="1200" b="1" dirty="0" smtClean="0"/>
                         <a:t>Large Context Window</a:t>
                       </a:r>
                       <a:r>
-                        <a:rPr lang="en-US" sz="1600" dirty="0" smtClean="0"/>
+                        <a:rPr lang="en-US" sz="1200" dirty="0" smtClean="0"/>
                         <a:t>: Handles entire codebases or large documents effectively.</a:t>
                       </a:r>
-                      <a:endParaRPr sz="1600" dirty="0"/>
+                      <a:endParaRPr sz="1200" dirty="0"/>
                     </a:p>
                   </a:txBody>
                   <a:tcPr/>
@@ -4728,14 +7141,14 @@
                     <a:lstStyle/>
                     <a:p>
                       <a:r>
-                        <a:rPr lang="en-US" sz="1600" b="1" dirty="0" smtClean="0"/>
+                        <a:rPr lang="en-US" sz="1200" b="1" dirty="0" smtClean="0"/>
                         <a:t>Cost &amp; Reliability</a:t>
                       </a:r>
                       <a:r>
-                        <a:rPr lang="en-US" sz="1600" dirty="0" smtClean="0"/>
+                        <a:rPr lang="en-US" sz="1200" dirty="0" smtClean="0"/>
                         <a:t>: Frequent, large calls can be expensive and API failures happen.</a:t>
                       </a:r>
-                      <a:endParaRPr sz="1600" dirty="0"/>
+                      <a:endParaRPr sz="1200" dirty="0"/>
                     </a:p>
                   </a:txBody>
                   <a:tcPr/>
@@ -4748,14 +7161,14 @@
                     <a:lstStyle/>
                     <a:p>
                       <a:r>
-                        <a:rPr lang="en-US" sz="1600" b="1" dirty="0" smtClean="0"/>
+                        <a:rPr lang="en-US" sz="1200" b="1" dirty="0" smtClean="0"/>
                         <a:t>Fast &amp; Flexible</a:t>
                       </a:r>
                       <a:r>
-                        <a:rPr lang="en-US" sz="1600" dirty="0" smtClean="0"/>
+                        <a:rPr lang="en-US" sz="1200" dirty="0" smtClean="0"/>
                         <a:t>: Gemini Flash offers speed without sacrificing too much quality.</a:t>
                       </a:r>
-                      <a:endParaRPr sz="1600" dirty="0"/>
+                      <a:endParaRPr sz="1200" dirty="0"/>
                     </a:p>
                   </a:txBody>
                   <a:tcPr/>
@@ -4766,14 +7179,14 @@
                     <a:lstStyle/>
                     <a:p>
                       <a:r>
-                        <a:rPr lang="en-US" sz="1600" b="1" dirty="0" smtClean="0"/>
+                        <a:rPr lang="en-US" sz="1200" b="1" dirty="0" smtClean="0"/>
                         <a:t>Prompt Sensitivity</a:t>
                       </a:r>
                       <a:r>
-                        <a:rPr lang="en-US" sz="1600" dirty="0" smtClean="0"/>
+                        <a:rPr lang="en-US" sz="1200" dirty="0" smtClean="0"/>
                         <a:t>: Small changes in wording can affect output drastically.</a:t>
                       </a:r>
-                      <a:endParaRPr sz="1600" dirty="0"/>
+                      <a:endParaRPr sz="1200" dirty="0"/>
                     </a:p>
                   </a:txBody>
                   <a:tcPr/>
@@ -4804,6 +7217,951 @@
 </file>
 
 <file path=ppt/slides/slide6.xml><?xml version="1.0" encoding="utf-8"?>
+<p:sld xmlns:a="http://schemas.openxmlformats.org/drawingml/2006/main" xmlns:r="http://schemas.openxmlformats.org/officeDocument/2006/relationships" xmlns:p="http://schemas.openxmlformats.org/presentationml/2006/main">
+  <p:cSld>
+    <p:spTree>
+      <p:nvGrpSpPr>
+        <p:cNvPr id="1" name=""/>
+        <p:cNvGrpSpPr/>
+        <p:nvPr/>
+      </p:nvGrpSpPr>
+      <p:grpSpPr>
+        <a:xfrm>
+          <a:off x="0" y="0"/>
+          <a:ext cx="0" cy="0"/>
+          <a:chOff x="0" y="0"/>
+          <a:chExt cx="0" cy="0"/>
+        </a:xfrm>
+      </p:grpSpPr>
+      <p:sp>
+        <p:nvSpPr>
+          <p:cNvPr id="2" name="Title 1"/>
+          <p:cNvSpPr>
+            <a:spLocks noGrp="1"/>
+          </p:cNvSpPr>
+          <p:nvPr>
+            <p:ph type="title"/>
+          </p:nvPr>
+        </p:nvSpPr>
+        <p:spPr>
+          <a:xfrm>
+            <a:off x="457200" y="274638"/>
+            <a:ext cx="8229600" cy="662622"/>
+          </a:xfrm>
+        </p:spPr>
+        <p:txBody>
+          <a:bodyPr>
+            <a:noAutofit/>
+          </a:bodyPr>
+          <a:lstStyle/>
+          <a:p>
+            <a:pPr algn="ctr"/>
+            <a:r>
+              <a:rPr lang="en-US" sz="2400" b="1" u="sng" dirty="0" smtClean="0"/>
+              <a:t>ACCEPTANCE CRITERIA</a:t>
+            </a:r>
+            <a:endParaRPr lang="en-US" sz="2400" b="1" u="sng" dirty="0"/>
+          </a:p>
+        </p:txBody>
+      </p:sp>
+      <p:sp>
+        <p:nvSpPr>
+          <p:cNvPr id="4" name="Title 1"/>
+          <p:cNvSpPr txBox="1">
+            <a:spLocks/>
+          </p:cNvSpPr>
+          <p:nvPr/>
+        </p:nvSpPr>
+        <p:spPr>
+          <a:xfrm>
+            <a:off x="358141" y="3281997"/>
+            <a:ext cx="1889759" cy="436563"/>
+          </a:xfrm>
+          <a:prstGeom prst="rect">
+            <a:avLst/>
+          </a:prstGeom>
+        </p:spPr>
+        <p:txBody>
+          <a:bodyPr vert="horz" lIns="91440" tIns="45720" rIns="91440" bIns="45720" rtlCol="0" anchor="ctr">
+            <a:noAutofit/>
+          </a:bodyPr>
+          <a:lstStyle>
+            <a:lvl1pPr algn="ctr" defTabSz="457200" rtl="0" eaLnBrk="1" latinLnBrk="0" hangingPunct="1">
+              <a:spcBef>
+                <a:spcPct val="0"/>
+              </a:spcBef>
+              <a:buNone/>
+              <a:defRPr sz="4400" kern="1200">
+                <a:solidFill>
+                  <a:schemeClr val="tx1"/>
+                </a:solidFill>
+                <a:latin typeface="+mj-lt"/>
+                <a:ea typeface="+mj-ea"/>
+                <a:cs typeface="+mj-cs"/>
+              </a:defRPr>
+            </a:lvl1pPr>
+          </a:lstStyle>
+          <a:p>
+            <a:pPr algn="l"/>
+            <a:endParaRPr lang="en-US" sz="2000" dirty="0"/>
+          </a:p>
+        </p:txBody>
+      </p:sp>
+      <p:sp>
+        <p:nvSpPr>
+          <p:cNvPr id="5" name="Text Placeholder 2"/>
+          <p:cNvSpPr txBox="1">
+            <a:spLocks/>
+          </p:cNvSpPr>
+          <p:nvPr/>
+        </p:nvSpPr>
+        <p:spPr>
+          <a:xfrm>
+            <a:off x="91439" y="960120"/>
+            <a:ext cx="7193281" cy="998220"/>
+          </a:xfrm>
+          <a:prstGeom prst="rect">
+            <a:avLst/>
+          </a:prstGeom>
+        </p:spPr>
+        <p:txBody>
+          <a:bodyPr/>
+          <a:lstStyle>
+            <a:lvl1pPr marL="342900" indent="-342900" algn="l" defTabSz="457200" rtl="0" eaLnBrk="1" latinLnBrk="0" hangingPunct="1">
+              <a:spcBef>
+                <a:spcPct val="20000"/>
+              </a:spcBef>
+              <a:buFont typeface="Arial"/>
+              <a:buChar char="•"/>
+              <a:defRPr sz="3200" kern="1200">
+                <a:solidFill>
+                  <a:schemeClr val="tx1"/>
+                </a:solidFill>
+                <a:latin typeface="+mn-lt"/>
+                <a:ea typeface="+mn-ea"/>
+                <a:cs typeface="+mn-cs"/>
+              </a:defRPr>
+            </a:lvl1pPr>
+            <a:lvl2pPr marL="742950" indent="-285750" algn="l" defTabSz="457200" rtl="0" eaLnBrk="1" latinLnBrk="0" hangingPunct="1">
+              <a:spcBef>
+                <a:spcPct val="20000"/>
+              </a:spcBef>
+              <a:buFont typeface="Arial"/>
+              <a:buChar char="–"/>
+              <a:defRPr sz="2800" kern="1200">
+                <a:solidFill>
+                  <a:schemeClr val="tx1"/>
+                </a:solidFill>
+                <a:latin typeface="+mn-lt"/>
+                <a:ea typeface="+mn-ea"/>
+                <a:cs typeface="+mn-cs"/>
+              </a:defRPr>
+            </a:lvl2pPr>
+            <a:lvl3pPr marL="1143000" indent="-228600" algn="l" defTabSz="457200" rtl="0" eaLnBrk="1" latinLnBrk="0" hangingPunct="1">
+              <a:spcBef>
+                <a:spcPct val="20000"/>
+              </a:spcBef>
+              <a:buFont typeface="Arial"/>
+              <a:buChar char="•"/>
+              <a:defRPr sz="2400" kern="1200">
+                <a:solidFill>
+                  <a:schemeClr val="tx1"/>
+                </a:solidFill>
+                <a:latin typeface="+mn-lt"/>
+                <a:ea typeface="+mn-ea"/>
+                <a:cs typeface="+mn-cs"/>
+              </a:defRPr>
+            </a:lvl3pPr>
+            <a:lvl4pPr marL="1600200" indent="-228600" algn="l" defTabSz="457200" rtl="0" eaLnBrk="1" latinLnBrk="0" hangingPunct="1">
+              <a:spcBef>
+                <a:spcPct val="20000"/>
+              </a:spcBef>
+              <a:buFont typeface="Arial"/>
+              <a:buChar char="–"/>
+              <a:defRPr sz="2000" kern="1200">
+                <a:solidFill>
+                  <a:schemeClr val="tx1"/>
+                </a:solidFill>
+                <a:latin typeface="+mn-lt"/>
+                <a:ea typeface="+mn-ea"/>
+                <a:cs typeface="+mn-cs"/>
+              </a:defRPr>
+            </a:lvl4pPr>
+            <a:lvl5pPr marL="2057400" indent="-228600" algn="l" defTabSz="457200" rtl="0" eaLnBrk="1" latinLnBrk="0" hangingPunct="1">
+              <a:spcBef>
+                <a:spcPct val="20000"/>
+              </a:spcBef>
+              <a:buFont typeface="Arial"/>
+              <a:buChar char="»"/>
+              <a:defRPr sz="2000" kern="1200">
+                <a:solidFill>
+                  <a:schemeClr val="tx1"/>
+                </a:solidFill>
+                <a:latin typeface="+mn-lt"/>
+                <a:ea typeface="+mn-ea"/>
+                <a:cs typeface="+mn-cs"/>
+              </a:defRPr>
+            </a:lvl5pPr>
+            <a:lvl6pPr marL="2514600" indent="-228600" algn="l" defTabSz="457200" rtl="0" eaLnBrk="1" latinLnBrk="0" hangingPunct="1">
+              <a:spcBef>
+                <a:spcPct val="20000"/>
+              </a:spcBef>
+              <a:buFont typeface="Arial"/>
+              <a:buChar char="•"/>
+              <a:defRPr sz="2000" kern="1200">
+                <a:solidFill>
+                  <a:schemeClr val="tx1"/>
+                </a:solidFill>
+                <a:latin typeface="+mn-lt"/>
+                <a:ea typeface="+mn-ea"/>
+                <a:cs typeface="+mn-cs"/>
+              </a:defRPr>
+            </a:lvl6pPr>
+            <a:lvl7pPr marL="2971800" indent="-228600" algn="l" defTabSz="457200" rtl="0" eaLnBrk="1" latinLnBrk="0" hangingPunct="1">
+              <a:spcBef>
+                <a:spcPct val="20000"/>
+              </a:spcBef>
+              <a:buFont typeface="Arial"/>
+              <a:buChar char="•"/>
+              <a:defRPr sz="2000" kern="1200">
+                <a:solidFill>
+                  <a:schemeClr val="tx1"/>
+                </a:solidFill>
+                <a:latin typeface="+mn-lt"/>
+                <a:ea typeface="+mn-ea"/>
+                <a:cs typeface="+mn-cs"/>
+              </a:defRPr>
+            </a:lvl7pPr>
+            <a:lvl8pPr marL="3429000" indent="-228600" algn="l" defTabSz="457200" rtl="0" eaLnBrk="1" latinLnBrk="0" hangingPunct="1">
+              <a:spcBef>
+                <a:spcPct val="20000"/>
+              </a:spcBef>
+              <a:buFont typeface="Arial"/>
+              <a:buChar char="•"/>
+              <a:defRPr sz="2000" kern="1200">
+                <a:solidFill>
+                  <a:schemeClr val="tx1"/>
+                </a:solidFill>
+                <a:latin typeface="+mn-lt"/>
+                <a:ea typeface="+mn-ea"/>
+                <a:cs typeface="+mn-cs"/>
+              </a:defRPr>
+            </a:lvl8pPr>
+            <a:lvl9pPr marL="3886200" indent="-228600" algn="l" defTabSz="457200" rtl="0" eaLnBrk="1" latinLnBrk="0" hangingPunct="1">
+              <a:spcBef>
+                <a:spcPct val="20000"/>
+              </a:spcBef>
+              <a:buFont typeface="Arial"/>
+              <a:buChar char="•"/>
+              <a:defRPr sz="2000" kern="1200">
+                <a:solidFill>
+                  <a:schemeClr val="tx1"/>
+                </a:solidFill>
+                <a:latin typeface="+mn-lt"/>
+                <a:ea typeface="+mn-ea"/>
+                <a:cs typeface="+mn-cs"/>
+              </a:defRPr>
+            </a:lvl9pPr>
+          </a:lstStyle>
+          <a:p>
+            <a:pPr marL="0" indent="0">
+              <a:buNone/>
+            </a:pPr>
+            <a:r>
+              <a:rPr lang="en-US" sz="1400" b="1" dirty="0"/>
+              <a:t>Happy Path</a:t>
+            </a:r>
+            <a:r>
+              <a:rPr lang="en-US" sz="1400" dirty="0" smtClean="0"/>
+              <a:t>:</a:t>
+            </a:r>
+          </a:p>
+          <a:p>
+            <a:r>
+              <a:rPr lang="en-US" sz="1200" dirty="0"/>
+              <a:t>Valid SRS file provided.</a:t>
+            </a:r>
+          </a:p>
+          <a:p>
+            <a:r>
+              <a:rPr lang="en-US" sz="1200" dirty="0"/>
+              <a:t>Generates complete Spring Boot project.</a:t>
+            </a:r>
+          </a:p>
+          <a:p>
+            <a:r>
+              <a:rPr lang="en-US" sz="1200" dirty="0"/>
+              <a:t>Passes tests and creates </a:t>
+            </a:r>
+            <a:r>
+              <a:rPr lang="en-US" sz="1200" dirty="0" err="1"/>
+              <a:t>GitHub</a:t>
+            </a:r>
+            <a:r>
+              <a:rPr lang="en-US" sz="1200" dirty="0"/>
+              <a:t> PR.</a:t>
+            </a:r>
+          </a:p>
+          <a:p>
+            <a:endParaRPr lang="en-US" sz="1800" b="1" dirty="0"/>
+          </a:p>
+          <a:p>
+            <a:pPr marL="0" indent="0">
+              <a:buNone/>
+            </a:pPr>
+            <a:endParaRPr lang="en-US" sz="1800" dirty="0"/>
+          </a:p>
+        </p:txBody>
+      </p:sp>
+      <p:sp>
+        <p:nvSpPr>
+          <p:cNvPr id="6" name="Title 1"/>
+          <p:cNvSpPr txBox="1">
+            <a:spLocks/>
+          </p:cNvSpPr>
+          <p:nvPr/>
+        </p:nvSpPr>
+        <p:spPr>
+          <a:xfrm>
+            <a:off x="167640" y="2343308"/>
+            <a:ext cx="5905500" cy="1939132"/>
+          </a:xfrm>
+          <a:prstGeom prst="rect">
+            <a:avLst/>
+          </a:prstGeom>
+        </p:spPr>
+        <p:txBody>
+          <a:bodyPr vert="horz" lIns="91440" tIns="45720" rIns="91440" bIns="45720" rtlCol="0" anchor="ctr">
+            <a:normAutofit/>
+          </a:bodyPr>
+          <a:lstStyle>
+            <a:lvl1pPr algn="ctr" defTabSz="457200" rtl="0" eaLnBrk="1" latinLnBrk="0" hangingPunct="1">
+              <a:spcBef>
+                <a:spcPct val="0"/>
+              </a:spcBef>
+              <a:buNone/>
+              <a:defRPr sz="4400" kern="1200">
+                <a:solidFill>
+                  <a:schemeClr val="tx1"/>
+                </a:solidFill>
+                <a:latin typeface="+mj-lt"/>
+                <a:ea typeface="+mj-ea"/>
+                <a:cs typeface="+mj-cs"/>
+              </a:defRPr>
+            </a:lvl1pPr>
+          </a:lstStyle>
+          <a:p>
+            <a:pPr marL="285750" indent="-285750" algn="l">
+              <a:buFont typeface="Arial" pitchFamily="34" charset="0"/>
+              <a:buChar char="•"/>
+            </a:pPr>
+            <a:endParaRPr lang="en-US" sz="1800" b="1" dirty="0"/>
+          </a:p>
+        </p:txBody>
+      </p:sp>
+      <p:sp>
+        <p:nvSpPr>
+          <p:cNvPr id="10" name="Text Placeholder 2"/>
+          <p:cNvSpPr txBox="1">
+            <a:spLocks/>
+          </p:cNvSpPr>
+          <p:nvPr/>
+        </p:nvSpPr>
+        <p:spPr>
+          <a:xfrm>
+            <a:off x="167640" y="2046286"/>
+            <a:ext cx="7193281" cy="858522"/>
+          </a:xfrm>
+          <a:prstGeom prst="rect">
+            <a:avLst/>
+          </a:prstGeom>
+        </p:spPr>
+        <p:txBody>
+          <a:bodyPr/>
+          <a:lstStyle>
+            <a:lvl1pPr marL="342900" indent="-342900" algn="l" defTabSz="457200" rtl="0" eaLnBrk="1" latinLnBrk="0" hangingPunct="1">
+              <a:spcBef>
+                <a:spcPct val="20000"/>
+              </a:spcBef>
+              <a:buFont typeface="Arial"/>
+              <a:buChar char="•"/>
+              <a:defRPr sz="3200" kern="1200">
+                <a:solidFill>
+                  <a:schemeClr val="tx1"/>
+                </a:solidFill>
+                <a:latin typeface="+mn-lt"/>
+                <a:ea typeface="+mn-ea"/>
+                <a:cs typeface="+mn-cs"/>
+              </a:defRPr>
+            </a:lvl1pPr>
+            <a:lvl2pPr marL="742950" indent="-285750" algn="l" defTabSz="457200" rtl="0" eaLnBrk="1" latinLnBrk="0" hangingPunct="1">
+              <a:spcBef>
+                <a:spcPct val="20000"/>
+              </a:spcBef>
+              <a:buFont typeface="Arial"/>
+              <a:buChar char="–"/>
+              <a:defRPr sz="2800" kern="1200">
+                <a:solidFill>
+                  <a:schemeClr val="tx1"/>
+                </a:solidFill>
+                <a:latin typeface="+mn-lt"/>
+                <a:ea typeface="+mn-ea"/>
+                <a:cs typeface="+mn-cs"/>
+              </a:defRPr>
+            </a:lvl2pPr>
+            <a:lvl3pPr marL="1143000" indent="-228600" algn="l" defTabSz="457200" rtl="0" eaLnBrk="1" latinLnBrk="0" hangingPunct="1">
+              <a:spcBef>
+                <a:spcPct val="20000"/>
+              </a:spcBef>
+              <a:buFont typeface="Arial"/>
+              <a:buChar char="•"/>
+              <a:defRPr sz="2400" kern="1200">
+                <a:solidFill>
+                  <a:schemeClr val="tx1"/>
+                </a:solidFill>
+                <a:latin typeface="+mn-lt"/>
+                <a:ea typeface="+mn-ea"/>
+                <a:cs typeface="+mn-cs"/>
+              </a:defRPr>
+            </a:lvl3pPr>
+            <a:lvl4pPr marL="1600200" indent="-228600" algn="l" defTabSz="457200" rtl="0" eaLnBrk="1" latinLnBrk="0" hangingPunct="1">
+              <a:spcBef>
+                <a:spcPct val="20000"/>
+              </a:spcBef>
+              <a:buFont typeface="Arial"/>
+              <a:buChar char="–"/>
+              <a:defRPr sz="2000" kern="1200">
+                <a:solidFill>
+                  <a:schemeClr val="tx1"/>
+                </a:solidFill>
+                <a:latin typeface="+mn-lt"/>
+                <a:ea typeface="+mn-ea"/>
+                <a:cs typeface="+mn-cs"/>
+              </a:defRPr>
+            </a:lvl4pPr>
+            <a:lvl5pPr marL="2057400" indent="-228600" algn="l" defTabSz="457200" rtl="0" eaLnBrk="1" latinLnBrk="0" hangingPunct="1">
+              <a:spcBef>
+                <a:spcPct val="20000"/>
+              </a:spcBef>
+              <a:buFont typeface="Arial"/>
+              <a:buChar char="»"/>
+              <a:defRPr sz="2000" kern="1200">
+                <a:solidFill>
+                  <a:schemeClr val="tx1"/>
+                </a:solidFill>
+                <a:latin typeface="+mn-lt"/>
+                <a:ea typeface="+mn-ea"/>
+                <a:cs typeface="+mn-cs"/>
+              </a:defRPr>
+            </a:lvl5pPr>
+            <a:lvl6pPr marL="2514600" indent="-228600" algn="l" defTabSz="457200" rtl="0" eaLnBrk="1" latinLnBrk="0" hangingPunct="1">
+              <a:spcBef>
+                <a:spcPct val="20000"/>
+              </a:spcBef>
+              <a:buFont typeface="Arial"/>
+              <a:buChar char="•"/>
+              <a:defRPr sz="2000" kern="1200">
+                <a:solidFill>
+                  <a:schemeClr val="tx1"/>
+                </a:solidFill>
+                <a:latin typeface="+mn-lt"/>
+                <a:ea typeface="+mn-ea"/>
+                <a:cs typeface="+mn-cs"/>
+              </a:defRPr>
+            </a:lvl6pPr>
+            <a:lvl7pPr marL="2971800" indent="-228600" algn="l" defTabSz="457200" rtl="0" eaLnBrk="1" latinLnBrk="0" hangingPunct="1">
+              <a:spcBef>
+                <a:spcPct val="20000"/>
+              </a:spcBef>
+              <a:buFont typeface="Arial"/>
+              <a:buChar char="•"/>
+              <a:defRPr sz="2000" kern="1200">
+                <a:solidFill>
+                  <a:schemeClr val="tx1"/>
+                </a:solidFill>
+                <a:latin typeface="+mn-lt"/>
+                <a:ea typeface="+mn-ea"/>
+                <a:cs typeface="+mn-cs"/>
+              </a:defRPr>
+            </a:lvl7pPr>
+            <a:lvl8pPr marL="3429000" indent="-228600" algn="l" defTabSz="457200" rtl="0" eaLnBrk="1" latinLnBrk="0" hangingPunct="1">
+              <a:spcBef>
+                <a:spcPct val="20000"/>
+              </a:spcBef>
+              <a:buFont typeface="Arial"/>
+              <a:buChar char="•"/>
+              <a:defRPr sz="2000" kern="1200">
+                <a:solidFill>
+                  <a:schemeClr val="tx1"/>
+                </a:solidFill>
+                <a:latin typeface="+mn-lt"/>
+                <a:ea typeface="+mn-ea"/>
+                <a:cs typeface="+mn-cs"/>
+              </a:defRPr>
+            </a:lvl8pPr>
+            <a:lvl9pPr marL="3886200" indent="-228600" algn="l" defTabSz="457200" rtl="0" eaLnBrk="1" latinLnBrk="0" hangingPunct="1">
+              <a:spcBef>
+                <a:spcPct val="20000"/>
+              </a:spcBef>
+              <a:buFont typeface="Arial"/>
+              <a:buChar char="•"/>
+              <a:defRPr sz="2000" kern="1200">
+                <a:solidFill>
+                  <a:schemeClr val="tx1"/>
+                </a:solidFill>
+                <a:latin typeface="+mn-lt"/>
+                <a:ea typeface="+mn-ea"/>
+                <a:cs typeface="+mn-cs"/>
+              </a:defRPr>
+            </a:lvl9pPr>
+          </a:lstStyle>
+          <a:p>
+            <a:pPr marL="0" indent="0">
+              <a:buNone/>
+            </a:pPr>
+            <a:r>
+              <a:rPr lang="en-US" sz="1400" b="1" dirty="0"/>
+              <a:t>Failure Handling</a:t>
+            </a:r>
+            <a:r>
+              <a:rPr lang="en-US" sz="1400" dirty="0" smtClean="0"/>
+              <a:t>:</a:t>
+            </a:r>
+          </a:p>
+          <a:p>
+            <a:r>
+              <a:rPr lang="en-US" sz="1200" dirty="0"/>
+              <a:t>On build failure: generates analysis report.</a:t>
+            </a:r>
+          </a:p>
+          <a:p>
+            <a:r>
+              <a:rPr lang="en-US" sz="1200" dirty="0"/>
+              <a:t>Commits broken code and analysis, no PR created</a:t>
+            </a:r>
+            <a:endParaRPr lang="en-US" sz="1200" b="1" dirty="0"/>
+          </a:p>
+          <a:p>
+            <a:pPr marL="0" indent="0">
+              <a:buNone/>
+            </a:pPr>
+            <a:endParaRPr lang="en-US" sz="1400" dirty="0"/>
+          </a:p>
+        </p:txBody>
+      </p:sp>
+      <p:sp>
+        <p:nvSpPr>
+          <p:cNvPr id="11" name="Text Placeholder 2"/>
+          <p:cNvSpPr txBox="1">
+            <a:spLocks/>
+          </p:cNvSpPr>
+          <p:nvPr/>
+        </p:nvSpPr>
+        <p:spPr>
+          <a:xfrm>
+            <a:off x="220980" y="2904807"/>
+            <a:ext cx="7193281" cy="905351"/>
+          </a:xfrm>
+          <a:prstGeom prst="rect">
+            <a:avLst/>
+          </a:prstGeom>
+        </p:spPr>
+        <p:txBody>
+          <a:bodyPr/>
+          <a:lstStyle>
+            <a:lvl1pPr marL="342900" indent="-342900" algn="l" defTabSz="457200" rtl="0" eaLnBrk="1" latinLnBrk="0" hangingPunct="1">
+              <a:spcBef>
+                <a:spcPct val="20000"/>
+              </a:spcBef>
+              <a:buFont typeface="Arial"/>
+              <a:buChar char="•"/>
+              <a:defRPr sz="3200" kern="1200">
+                <a:solidFill>
+                  <a:schemeClr val="tx1"/>
+                </a:solidFill>
+                <a:latin typeface="+mn-lt"/>
+                <a:ea typeface="+mn-ea"/>
+                <a:cs typeface="+mn-cs"/>
+              </a:defRPr>
+            </a:lvl1pPr>
+            <a:lvl2pPr marL="742950" indent="-285750" algn="l" defTabSz="457200" rtl="0" eaLnBrk="1" latinLnBrk="0" hangingPunct="1">
+              <a:spcBef>
+                <a:spcPct val="20000"/>
+              </a:spcBef>
+              <a:buFont typeface="Arial"/>
+              <a:buChar char="–"/>
+              <a:defRPr sz="2800" kern="1200">
+                <a:solidFill>
+                  <a:schemeClr val="tx1"/>
+                </a:solidFill>
+                <a:latin typeface="+mn-lt"/>
+                <a:ea typeface="+mn-ea"/>
+                <a:cs typeface="+mn-cs"/>
+              </a:defRPr>
+            </a:lvl2pPr>
+            <a:lvl3pPr marL="1143000" indent="-228600" algn="l" defTabSz="457200" rtl="0" eaLnBrk="1" latinLnBrk="0" hangingPunct="1">
+              <a:spcBef>
+                <a:spcPct val="20000"/>
+              </a:spcBef>
+              <a:buFont typeface="Arial"/>
+              <a:buChar char="•"/>
+              <a:defRPr sz="2400" kern="1200">
+                <a:solidFill>
+                  <a:schemeClr val="tx1"/>
+                </a:solidFill>
+                <a:latin typeface="+mn-lt"/>
+                <a:ea typeface="+mn-ea"/>
+                <a:cs typeface="+mn-cs"/>
+              </a:defRPr>
+            </a:lvl3pPr>
+            <a:lvl4pPr marL="1600200" indent="-228600" algn="l" defTabSz="457200" rtl="0" eaLnBrk="1" latinLnBrk="0" hangingPunct="1">
+              <a:spcBef>
+                <a:spcPct val="20000"/>
+              </a:spcBef>
+              <a:buFont typeface="Arial"/>
+              <a:buChar char="–"/>
+              <a:defRPr sz="2000" kern="1200">
+                <a:solidFill>
+                  <a:schemeClr val="tx1"/>
+                </a:solidFill>
+                <a:latin typeface="+mn-lt"/>
+                <a:ea typeface="+mn-ea"/>
+                <a:cs typeface="+mn-cs"/>
+              </a:defRPr>
+            </a:lvl4pPr>
+            <a:lvl5pPr marL="2057400" indent="-228600" algn="l" defTabSz="457200" rtl="0" eaLnBrk="1" latinLnBrk="0" hangingPunct="1">
+              <a:spcBef>
+                <a:spcPct val="20000"/>
+              </a:spcBef>
+              <a:buFont typeface="Arial"/>
+              <a:buChar char="»"/>
+              <a:defRPr sz="2000" kern="1200">
+                <a:solidFill>
+                  <a:schemeClr val="tx1"/>
+                </a:solidFill>
+                <a:latin typeface="+mn-lt"/>
+                <a:ea typeface="+mn-ea"/>
+                <a:cs typeface="+mn-cs"/>
+              </a:defRPr>
+            </a:lvl5pPr>
+            <a:lvl6pPr marL="2514600" indent="-228600" algn="l" defTabSz="457200" rtl="0" eaLnBrk="1" latinLnBrk="0" hangingPunct="1">
+              <a:spcBef>
+                <a:spcPct val="20000"/>
+              </a:spcBef>
+              <a:buFont typeface="Arial"/>
+              <a:buChar char="•"/>
+              <a:defRPr sz="2000" kern="1200">
+                <a:solidFill>
+                  <a:schemeClr val="tx1"/>
+                </a:solidFill>
+                <a:latin typeface="+mn-lt"/>
+                <a:ea typeface="+mn-ea"/>
+                <a:cs typeface="+mn-cs"/>
+              </a:defRPr>
+            </a:lvl6pPr>
+            <a:lvl7pPr marL="2971800" indent="-228600" algn="l" defTabSz="457200" rtl="0" eaLnBrk="1" latinLnBrk="0" hangingPunct="1">
+              <a:spcBef>
+                <a:spcPct val="20000"/>
+              </a:spcBef>
+              <a:buFont typeface="Arial"/>
+              <a:buChar char="•"/>
+              <a:defRPr sz="2000" kern="1200">
+                <a:solidFill>
+                  <a:schemeClr val="tx1"/>
+                </a:solidFill>
+                <a:latin typeface="+mn-lt"/>
+                <a:ea typeface="+mn-ea"/>
+                <a:cs typeface="+mn-cs"/>
+              </a:defRPr>
+            </a:lvl7pPr>
+            <a:lvl8pPr marL="3429000" indent="-228600" algn="l" defTabSz="457200" rtl="0" eaLnBrk="1" latinLnBrk="0" hangingPunct="1">
+              <a:spcBef>
+                <a:spcPct val="20000"/>
+              </a:spcBef>
+              <a:buFont typeface="Arial"/>
+              <a:buChar char="•"/>
+              <a:defRPr sz="2000" kern="1200">
+                <a:solidFill>
+                  <a:schemeClr val="tx1"/>
+                </a:solidFill>
+                <a:latin typeface="+mn-lt"/>
+                <a:ea typeface="+mn-ea"/>
+                <a:cs typeface="+mn-cs"/>
+              </a:defRPr>
+            </a:lvl8pPr>
+            <a:lvl9pPr marL="3886200" indent="-228600" algn="l" defTabSz="457200" rtl="0" eaLnBrk="1" latinLnBrk="0" hangingPunct="1">
+              <a:spcBef>
+                <a:spcPct val="20000"/>
+              </a:spcBef>
+              <a:buFont typeface="Arial"/>
+              <a:buChar char="•"/>
+              <a:defRPr sz="2000" kern="1200">
+                <a:solidFill>
+                  <a:schemeClr val="tx1"/>
+                </a:solidFill>
+                <a:latin typeface="+mn-lt"/>
+                <a:ea typeface="+mn-ea"/>
+                <a:cs typeface="+mn-cs"/>
+              </a:defRPr>
+            </a:lvl9pPr>
+          </a:lstStyle>
+          <a:p>
+            <a:pPr marL="0" indent="0">
+              <a:buNone/>
+            </a:pPr>
+            <a:r>
+              <a:rPr lang="en-US" sz="1400" b="1" dirty="0"/>
+              <a:t>Failure Handling</a:t>
+            </a:r>
+            <a:r>
+              <a:rPr lang="en-US" sz="1400" dirty="0" smtClean="0"/>
+              <a:t>:</a:t>
+            </a:r>
+          </a:p>
+          <a:p>
+            <a:r>
+              <a:rPr lang="en-US" sz="1200" dirty="0"/>
+              <a:t>On build failure: generates analysis report.</a:t>
+            </a:r>
+          </a:p>
+          <a:p>
+            <a:r>
+              <a:rPr lang="en-US" sz="1200" dirty="0"/>
+              <a:t>Commits broken code and analysis, no PR created</a:t>
+            </a:r>
+            <a:endParaRPr lang="en-US" sz="1200" b="1" dirty="0"/>
+          </a:p>
+          <a:p>
+            <a:pPr marL="0" indent="0">
+              <a:buNone/>
+            </a:pPr>
+            <a:endParaRPr lang="en-US" sz="1400" dirty="0"/>
+          </a:p>
+        </p:txBody>
+      </p:sp>
+      <p:sp>
+        <p:nvSpPr>
+          <p:cNvPr id="12" name="Text Placeholder 2"/>
+          <p:cNvSpPr txBox="1">
+            <a:spLocks/>
+          </p:cNvSpPr>
+          <p:nvPr/>
+        </p:nvSpPr>
+        <p:spPr>
+          <a:xfrm>
+            <a:off x="167640" y="3810158"/>
+            <a:ext cx="7193281" cy="1382872"/>
+          </a:xfrm>
+          <a:prstGeom prst="rect">
+            <a:avLst/>
+          </a:prstGeom>
+        </p:spPr>
+        <p:txBody>
+          <a:bodyPr/>
+          <a:lstStyle>
+            <a:lvl1pPr marL="342900" indent="-342900" algn="l" defTabSz="457200" rtl="0" eaLnBrk="1" latinLnBrk="0" hangingPunct="1">
+              <a:spcBef>
+                <a:spcPct val="20000"/>
+              </a:spcBef>
+              <a:buFont typeface="Arial"/>
+              <a:buChar char="•"/>
+              <a:defRPr sz="3200" kern="1200">
+                <a:solidFill>
+                  <a:schemeClr val="tx1"/>
+                </a:solidFill>
+                <a:latin typeface="+mn-lt"/>
+                <a:ea typeface="+mn-ea"/>
+                <a:cs typeface="+mn-cs"/>
+              </a:defRPr>
+            </a:lvl1pPr>
+            <a:lvl2pPr marL="742950" indent="-285750" algn="l" defTabSz="457200" rtl="0" eaLnBrk="1" latinLnBrk="0" hangingPunct="1">
+              <a:spcBef>
+                <a:spcPct val="20000"/>
+              </a:spcBef>
+              <a:buFont typeface="Arial"/>
+              <a:buChar char="–"/>
+              <a:defRPr sz="2800" kern="1200">
+                <a:solidFill>
+                  <a:schemeClr val="tx1"/>
+                </a:solidFill>
+                <a:latin typeface="+mn-lt"/>
+                <a:ea typeface="+mn-ea"/>
+                <a:cs typeface="+mn-cs"/>
+              </a:defRPr>
+            </a:lvl2pPr>
+            <a:lvl3pPr marL="1143000" indent="-228600" algn="l" defTabSz="457200" rtl="0" eaLnBrk="1" latinLnBrk="0" hangingPunct="1">
+              <a:spcBef>
+                <a:spcPct val="20000"/>
+              </a:spcBef>
+              <a:buFont typeface="Arial"/>
+              <a:buChar char="•"/>
+              <a:defRPr sz="2400" kern="1200">
+                <a:solidFill>
+                  <a:schemeClr val="tx1"/>
+                </a:solidFill>
+                <a:latin typeface="+mn-lt"/>
+                <a:ea typeface="+mn-ea"/>
+                <a:cs typeface="+mn-cs"/>
+              </a:defRPr>
+            </a:lvl3pPr>
+            <a:lvl4pPr marL="1600200" indent="-228600" algn="l" defTabSz="457200" rtl="0" eaLnBrk="1" latinLnBrk="0" hangingPunct="1">
+              <a:spcBef>
+                <a:spcPct val="20000"/>
+              </a:spcBef>
+              <a:buFont typeface="Arial"/>
+              <a:buChar char="–"/>
+              <a:defRPr sz="2000" kern="1200">
+                <a:solidFill>
+                  <a:schemeClr val="tx1"/>
+                </a:solidFill>
+                <a:latin typeface="+mn-lt"/>
+                <a:ea typeface="+mn-ea"/>
+                <a:cs typeface="+mn-cs"/>
+              </a:defRPr>
+            </a:lvl4pPr>
+            <a:lvl5pPr marL="2057400" indent="-228600" algn="l" defTabSz="457200" rtl="0" eaLnBrk="1" latinLnBrk="0" hangingPunct="1">
+              <a:spcBef>
+                <a:spcPct val="20000"/>
+              </a:spcBef>
+              <a:buFont typeface="Arial"/>
+              <a:buChar char="»"/>
+              <a:defRPr sz="2000" kern="1200">
+                <a:solidFill>
+                  <a:schemeClr val="tx1"/>
+                </a:solidFill>
+                <a:latin typeface="+mn-lt"/>
+                <a:ea typeface="+mn-ea"/>
+                <a:cs typeface="+mn-cs"/>
+              </a:defRPr>
+            </a:lvl5pPr>
+            <a:lvl6pPr marL="2514600" indent="-228600" algn="l" defTabSz="457200" rtl="0" eaLnBrk="1" latinLnBrk="0" hangingPunct="1">
+              <a:spcBef>
+                <a:spcPct val="20000"/>
+              </a:spcBef>
+              <a:buFont typeface="Arial"/>
+              <a:buChar char="•"/>
+              <a:defRPr sz="2000" kern="1200">
+                <a:solidFill>
+                  <a:schemeClr val="tx1"/>
+                </a:solidFill>
+                <a:latin typeface="+mn-lt"/>
+                <a:ea typeface="+mn-ea"/>
+                <a:cs typeface="+mn-cs"/>
+              </a:defRPr>
+            </a:lvl6pPr>
+            <a:lvl7pPr marL="2971800" indent="-228600" algn="l" defTabSz="457200" rtl="0" eaLnBrk="1" latinLnBrk="0" hangingPunct="1">
+              <a:spcBef>
+                <a:spcPct val="20000"/>
+              </a:spcBef>
+              <a:buFont typeface="Arial"/>
+              <a:buChar char="•"/>
+              <a:defRPr sz="2000" kern="1200">
+                <a:solidFill>
+                  <a:schemeClr val="tx1"/>
+                </a:solidFill>
+                <a:latin typeface="+mn-lt"/>
+                <a:ea typeface="+mn-ea"/>
+                <a:cs typeface="+mn-cs"/>
+              </a:defRPr>
+            </a:lvl7pPr>
+            <a:lvl8pPr marL="3429000" indent="-228600" algn="l" defTabSz="457200" rtl="0" eaLnBrk="1" latinLnBrk="0" hangingPunct="1">
+              <a:spcBef>
+                <a:spcPct val="20000"/>
+              </a:spcBef>
+              <a:buFont typeface="Arial"/>
+              <a:buChar char="•"/>
+              <a:defRPr sz="2000" kern="1200">
+                <a:solidFill>
+                  <a:schemeClr val="tx1"/>
+                </a:solidFill>
+                <a:latin typeface="+mn-lt"/>
+                <a:ea typeface="+mn-ea"/>
+                <a:cs typeface="+mn-cs"/>
+              </a:defRPr>
+            </a:lvl8pPr>
+            <a:lvl9pPr marL="3886200" indent="-228600" algn="l" defTabSz="457200" rtl="0" eaLnBrk="1" latinLnBrk="0" hangingPunct="1">
+              <a:spcBef>
+                <a:spcPct val="20000"/>
+              </a:spcBef>
+              <a:buFont typeface="Arial"/>
+              <a:buChar char="•"/>
+              <a:defRPr sz="2000" kern="1200">
+                <a:solidFill>
+                  <a:schemeClr val="tx1"/>
+                </a:solidFill>
+                <a:latin typeface="+mn-lt"/>
+                <a:ea typeface="+mn-ea"/>
+                <a:cs typeface="+mn-cs"/>
+              </a:defRPr>
+            </a:lvl9pPr>
+          </a:lstStyle>
+          <a:p>
+            <a:pPr marL="0" indent="0">
+              <a:buNone/>
+            </a:pPr>
+            <a:r>
+              <a:rPr lang="en-US" sz="1400" b="1" dirty="0"/>
+              <a:t>Graceful Exit</a:t>
+            </a:r>
+            <a:r>
+              <a:rPr lang="en-US" sz="1400" dirty="0" smtClean="0"/>
+              <a:t>:</a:t>
+            </a:r>
+          </a:p>
+          <a:p>
+            <a:r>
+              <a:rPr lang="en-US" sz="1200" dirty="0"/>
+              <a:t>Invalid </a:t>
+            </a:r>
+            <a:r>
+              <a:rPr lang="en-US" sz="1200" dirty="0" err="1"/>
+              <a:t>config</a:t>
+            </a:r>
+            <a:r>
+              <a:rPr lang="en-US" sz="1200" dirty="0"/>
+              <a:t> (e.g. missing </a:t>
+            </a:r>
+            <a:r>
+              <a:rPr lang="en-US" sz="1200" dirty="0" err="1"/>
+              <a:t>GitHub</a:t>
+            </a:r>
+            <a:r>
+              <a:rPr lang="en-US" sz="1200" dirty="0"/>
+              <a:t> URL): logs clear error and exits</a:t>
+            </a:r>
+            <a:r>
+              <a:rPr lang="en-US" sz="1200" dirty="0" smtClean="0"/>
+              <a:t>..</a:t>
+            </a:r>
+            <a:endParaRPr lang="en-US" sz="1200" dirty="0"/>
+          </a:p>
+          <a:p>
+            <a:r>
+              <a:rPr lang="en-US" sz="1200" dirty="0"/>
+              <a:t>No changes in </a:t>
+            </a:r>
+            <a:r>
+              <a:rPr lang="en-US" sz="1200" dirty="0" smtClean="0"/>
+              <a:t>SRS</a:t>
+            </a:r>
+            <a:endParaRPr lang="en-US" sz="1200" dirty="0"/>
+          </a:p>
+        </p:txBody>
+      </p:sp>
+    </p:spTree>
+    <p:extLst>
+      <p:ext uri="{BB962C8B-B14F-4D97-AF65-F5344CB8AC3E}">
+        <p14:creationId xmlns:p14="http://schemas.microsoft.com/office/powerpoint/2010/main" val="3177467954"/>
+      </p:ext>
+    </p:extLst>
+  </p:cSld>
+  <p:clrMapOvr>
+    <a:masterClrMapping/>
+  </p:clrMapOvr>
+</p:sld>
+</file>
+
+<file path=ppt/slides/slide7.xml><?xml version="1.0" encoding="utf-8"?>
 <p:sld xmlns:a="http://schemas.openxmlformats.org/drawingml/2006/main" xmlns:r="http://schemas.openxmlformats.org/officeDocument/2006/relationships" xmlns:p="http://schemas.openxmlformats.org/presentationml/2006/main">
   <p:cSld>
     <p:spTree>
@@ -4870,7 +8228,7 @@
 </p:sld>
 </file>
 
-<file path=ppt/slides/slide7.xml><?xml version="1.0" encoding="utf-8"?>
+<file path=ppt/slides/slide8.xml><?xml version="1.0" encoding="utf-8"?>
 <p:sld xmlns:a="http://schemas.openxmlformats.org/drawingml/2006/main" xmlns:r="http://schemas.openxmlformats.org/officeDocument/2006/relationships" xmlns:p="http://schemas.openxmlformats.org/presentationml/2006/main">
   <p:cSld>
     <p:spTree>
@@ -4937,7 +8295,7 @@
 </p:sld>
 </file>
 
-<file path=ppt/slides/slide8.xml><?xml version="1.0" encoding="utf-8"?>
+<file path=ppt/slides/slide9.xml><?xml version="1.0" encoding="utf-8"?>
 <p:sld xmlns:a="http://schemas.openxmlformats.org/drawingml/2006/main" xmlns:r="http://schemas.openxmlformats.org/officeDocument/2006/relationships" xmlns:p="http://schemas.openxmlformats.org/presentationml/2006/main">
   <p:cSld>
     <p:spTree>
@@ -5004,74 +8362,302 @@
 </p:sld>
 </file>
 
-<file path=ppt/slides/slide9.xml><?xml version="1.0" encoding="utf-8"?>
-<p:sld xmlns:a="http://schemas.openxmlformats.org/drawingml/2006/main" xmlns:r="http://schemas.openxmlformats.org/officeDocument/2006/relationships" xmlns:p="http://schemas.openxmlformats.org/presentationml/2006/main">
-  <p:cSld>
-    <p:spTree>
-      <p:nvGrpSpPr>
-        <p:cNvPr id="1" name=""/>
-        <p:cNvGrpSpPr/>
-        <p:nvPr/>
-      </p:nvGrpSpPr>
-      <p:grpSpPr>
-        <a:xfrm>
-          <a:off x="0" y="0"/>
-          <a:ext cx="0" cy="0"/>
-          <a:chOff x="0" y="0"/>
-          <a:chExt cx="0" cy="0"/>
-        </a:xfrm>
-      </p:grpSpPr>
-      <p:pic>
-        <p:nvPicPr>
-          <p:cNvPr id="3" name="Picture 2"/>
-          <p:cNvPicPr>
-            <a:picLocks noChangeAspect="1"/>
-          </p:cNvPicPr>
-          <p:nvPr/>
-        </p:nvPicPr>
-        <p:blipFill>
-          <a:blip r:embed="rId2">
-            <a:extLst>
-              <a:ext uri="{28A0092B-C50C-407E-A947-70E740481C1C}">
-                <a14:useLocalDpi xmlns:a14="http://schemas.microsoft.com/office/drawing/2010/main" val="0"/>
-              </a:ext>
-            </a:extLst>
+<file path=ppt/theme/theme1.xml><?xml version="1.0" encoding="utf-8"?>
+<a:theme xmlns:a="http://schemas.openxmlformats.org/drawingml/2006/main" name="Flow">
+  <a:themeElements>
+    <a:clrScheme name="Flow">
+      <a:dk1>
+        <a:sysClr val="windowText" lastClr="000000"/>
+      </a:dk1>
+      <a:lt1>
+        <a:sysClr val="window" lastClr="FFFFFF"/>
+      </a:lt1>
+      <a:dk2>
+        <a:srgbClr val="04617B"/>
+      </a:dk2>
+      <a:lt2>
+        <a:srgbClr val="DBF5F9"/>
+      </a:lt2>
+      <a:accent1>
+        <a:srgbClr val="0F6FC6"/>
+      </a:accent1>
+      <a:accent2>
+        <a:srgbClr val="009DD9"/>
+      </a:accent2>
+      <a:accent3>
+        <a:srgbClr val="0BD0D9"/>
+      </a:accent3>
+      <a:accent4>
+        <a:srgbClr val="10CF9B"/>
+      </a:accent4>
+      <a:accent5>
+        <a:srgbClr val="7CCA62"/>
+      </a:accent5>
+      <a:accent6>
+        <a:srgbClr val="A5C249"/>
+      </a:accent6>
+      <a:hlink>
+        <a:srgbClr val="F49100"/>
+      </a:hlink>
+      <a:folHlink>
+        <a:srgbClr val="85DFD0"/>
+      </a:folHlink>
+    </a:clrScheme>
+    <a:fontScheme name="Flow">
+      <a:majorFont>
+        <a:latin typeface="Calibri"/>
+        <a:ea typeface=""/>
+        <a:cs typeface=""/>
+        <a:font script="Jpan" typeface="ＭＳ Ｐゴシック"/>
+        <a:font script="Hang" typeface="HY중고딕"/>
+        <a:font script="Hans" typeface="隶书"/>
+        <a:font script="Hant" typeface="微軟正黑體"/>
+        <a:font script="Arab" typeface="Traditional Arabic"/>
+        <a:font script="Hebr" typeface="Arial"/>
+        <a:font script="Thai" typeface="Cordia New"/>
+        <a:font script="Ethi" typeface="Nyala"/>
+        <a:font script="Beng" typeface="Vrinda"/>
+        <a:font script="Gujr" typeface="Shruti"/>
+        <a:font script="Khmr" typeface="DaunPenh"/>
+        <a:font script="Knda" typeface="Tunga"/>
+        <a:font script="Guru" typeface="Raavi"/>
+        <a:font script="Cans" typeface="Euphemia"/>
+        <a:font script="Cher" typeface="Plantagenet Cherokee"/>
+        <a:font script="Yiii" typeface="Microsoft Yi Baiti"/>
+        <a:font script="Tibt" typeface="Microsoft Himalaya"/>
+        <a:font script="Thaa" typeface="MV Boli"/>
+        <a:font script="Deva" typeface="Mangal"/>
+        <a:font script="Telu" typeface="Gautami"/>
+        <a:font script="Taml" typeface="Latha"/>
+        <a:font script="Syrc" typeface="Estrangelo Edessa"/>
+        <a:font script="Orya" typeface="Kalinga"/>
+        <a:font script="Mlym" typeface="Kartika"/>
+        <a:font script="Laoo" typeface="DokChampa"/>
+        <a:font script="Sinh" typeface="Iskoola Pota"/>
+        <a:font script="Mong" typeface="Mongolian Baiti"/>
+        <a:font script="Viet" typeface="Arial"/>
+        <a:font script="Uigh" typeface="Microsoft Uighur"/>
+      </a:majorFont>
+      <a:minorFont>
+        <a:latin typeface="Constantia"/>
+        <a:ea typeface=""/>
+        <a:cs typeface=""/>
+        <a:font script="Jpan" typeface="HGP明朝E"/>
+        <a:font script="Hang" typeface="HY신명조"/>
+        <a:font script="Hans" typeface="宋体"/>
+        <a:font script="Hant" typeface="新細明體"/>
+        <a:font script="Arab" typeface="Majalla UI"/>
+        <a:font script="Hebr" typeface="David"/>
+        <a:font script="Thai" typeface="Browallia New"/>
+        <a:font script="Ethi" typeface="Nyala"/>
+        <a:font script="Beng" typeface="Vrinda"/>
+        <a:font script="Gujr" typeface="Shruti"/>
+        <a:font script="Khmr" typeface="MoolBoran"/>
+        <a:font script="Knda" typeface="Tunga"/>
+        <a:font script="Guru" typeface="Raavi"/>
+        <a:font script="Cans" typeface="Euphemia"/>
+        <a:font script="Cher" typeface="Plantagenet Cherokee"/>
+        <a:font script="Yiii" typeface="Microsoft Yi Baiti"/>
+        <a:font script="Tibt" typeface="Microsoft Himalaya"/>
+        <a:font script="Thaa" typeface="MV Boli"/>
+        <a:font script="Deva" typeface="Mangal"/>
+        <a:font script="Telu" typeface="Gautami"/>
+        <a:font script="Taml" typeface="Latha"/>
+        <a:font script="Syrc" typeface="Estrangelo Edessa"/>
+        <a:font script="Orya" typeface="Kalinga"/>
+        <a:font script="Mlym" typeface="Kartika"/>
+        <a:font script="Laoo" typeface="DokChampa"/>
+        <a:font script="Sinh" typeface="Iskoola Pota"/>
+        <a:font script="Mong" typeface="Mongolian Baiti"/>
+        <a:font script="Viet" typeface="Times New Roman"/>
+        <a:font script="Uigh" typeface="Microsoft Uighur"/>
+      </a:minorFont>
+    </a:fontScheme>
+    <a:fmtScheme name="Flow">
+      <a:fillStyleLst>
+        <a:solidFill>
+          <a:schemeClr val="phClr"/>
+        </a:solidFill>
+        <a:gradFill rotWithShape="1">
+          <a:gsLst>
+            <a:gs pos="0">
+              <a:schemeClr val="phClr">
+                <a:tint val="70000"/>
+                <a:satMod val="130000"/>
+              </a:schemeClr>
+            </a:gs>
+            <a:gs pos="43000">
+              <a:schemeClr val="phClr">
+                <a:tint val="44000"/>
+                <a:satMod val="165000"/>
+              </a:schemeClr>
+            </a:gs>
+            <a:gs pos="93000">
+              <a:schemeClr val="phClr">
+                <a:tint val="15000"/>
+                <a:satMod val="165000"/>
+              </a:schemeClr>
+            </a:gs>
+            <a:gs pos="100000">
+              <a:schemeClr val="phClr">
+                <a:tint val="5000"/>
+                <a:satMod val="250000"/>
+              </a:schemeClr>
+            </a:gs>
+          </a:gsLst>
+          <a:path path="circle">
+            <a:fillToRect l="50000" t="130000" r="50000" b="-30000"/>
+          </a:path>
+        </a:gradFill>
+        <a:gradFill rotWithShape="1">
+          <a:gsLst>
+            <a:gs pos="0">
+              <a:schemeClr val="phClr">
+                <a:tint val="98000"/>
+                <a:shade val="25000"/>
+                <a:satMod val="250000"/>
+              </a:schemeClr>
+            </a:gs>
+            <a:gs pos="68000">
+              <a:schemeClr val="phClr">
+                <a:tint val="86000"/>
+                <a:satMod val="115000"/>
+              </a:schemeClr>
+            </a:gs>
+            <a:gs pos="100000">
+              <a:schemeClr val="phClr">
+                <a:tint val="50000"/>
+                <a:satMod val="150000"/>
+              </a:schemeClr>
+            </a:gs>
+          </a:gsLst>
+          <a:path path="circle">
+            <a:fillToRect l="50000" t="130000" r="50000" b="-30000"/>
+          </a:path>
+        </a:gradFill>
+      </a:fillStyleLst>
+      <a:lnStyleLst>
+        <a:ln w="9525" cap="flat" cmpd="sng" algn="ctr">
+          <a:solidFill>
+            <a:schemeClr val="phClr">
+              <a:shade val="50000"/>
+              <a:satMod val="103000"/>
+            </a:schemeClr>
+          </a:solidFill>
+          <a:prstDash val="solid"/>
+        </a:ln>
+        <a:ln w="25400" cap="flat" cmpd="sng" algn="ctr">
+          <a:solidFill>
+            <a:schemeClr val="phClr"/>
+          </a:solidFill>
+          <a:prstDash val="solid"/>
+        </a:ln>
+        <a:ln w="38100" cap="flat" cmpd="sng" algn="ctr">
+          <a:solidFill>
+            <a:schemeClr val="phClr"/>
+          </a:solidFill>
+          <a:prstDash val="solid"/>
+        </a:ln>
+      </a:lnStyleLst>
+      <a:effectStyleLst>
+        <a:effectStyle>
+          <a:effectLst>
+            <a:outerShdw blurRad="57150" dist="38100" dir="5400000" algn="ctr" rotWithShape="0">
+              <a:schemeClr val="phClr">
+                <a:shade val="9000"/>
+                <a:alpha val="48000"/>
+                <a:satMod val="105000"/>
+              </a:schemeClr>
+            </a:outerShdw>
+          </a:effectLst>
+        </a:effectStyle>
+        <a:effectStyle>
+          <a:effectLst>
+            <a:outerShdw blurRad="57150" dist="38100" dir="5400000" algn="ctr" rotWithShape="0">
+              <a:schemeClr val="phClr">
+                <a:shade val="9000"/>
+                <a:alpha val="48000"/>
+                <a:satMod val="105000"/>
+              </a:schemeClr>
+            </a:outerShdw>
+          </a:effectLst>
+        </a:effectStyle>
+        <a:effectStyle>
+          <a:effectLst>
+            <a:outerShdw blurRad="57150" dist="38100" dir="5400000" algn="ctr" rotWithShape="0">
+              <a:schemeClr val="phClr">
+                <a:shade val="9000"/>
+                <a:alpha val="48000"/>
+                <a:satMod val="105000"/>
+              </a:schemeClr>
+            </a:outerShdw>
+          </a:effectLst>
+          <a:scene3d>
+            <a:camera prst="orthographicFront">
+              <a:rot lat="0" lon="0" rev="0"/>
+            </a:camera>
+            <a:lightRig rig="glow" dir="tl">
+              <a:rot lat="0" lon="0" rev="900000"/>
+            </a:lightRig>
+          </a:scene3d>
+          <a:sp3d prstMaterial="powder">
+            <a:bevelT w="25400" h="38100"/>
+          </a:sp3d>
+        </a:effectStyle>
+      </a:effectStyleLst>
+      <a:bgFillStyleLst>
+        <a:solidFill>
+          <a:schemeClr val="phClr"/>
+        </a:solidFill>
+        <a:gradFill rotWithShape="1">
+          <a:gsLst>
+            <a:gs pos="0">
+              <a:schemeClr val="phClr">
+                <a:tint val="80000"/>
+                <a:satMod val="400000"/>
+              </a:schemeClr>
+            </a:gs>
+            <a:gs pos="25000">
+              <a:schemeClr val="phClr">
+                <a:tint val="83000"/>
+                <a:satMod val="320000"/>
+              </a:schemeClr>
+            </a:gs>
+            <a:gs pos="100000">
+              <a:schemeClr val="phClr">
+                <a:shade val="15000"/>
+                <a:satMod val="320000"/>
+              </a:schemeClr>
+            </a:gs>
+          </a:gsLst>
+          <a:path path="circle">
+            <a:fillToRect l="10000" t="110000" r="10000" b="100000"/>
+          </a:path>
+        </a:gradFill>
+        <a:blipFill>
+          <a:blip xmlns:r="http://schemas.openxmlformats.org/officeDocument/2006/relationships" r:embed="rId1">
+            <a:duotone>
+              <a:schemeClr val="phClr">
+                <a:shade val="90000"/>
+                <a:satMod val="150000"/>
+              </a:schemeClr>
+              <a:schemeClr val="phClr">
+                <a:tint val="88000"/>
+                <a:satMod val="150000"/>
+              </a:schemeClr>
+            </a:duotone>
           </a:blip>
-          <a:stretch>
-            <a:fillRect/>
-          </a:stretch>
-        </p:blipFill>
-        <p:spPr>
-          <a:xfrm>
-            <a:off x="142257" y="1171260"/>
-            <a:ext cx="8859486" cy="4515480"/>
-          </a:xfrm>
-          <a:prstGeom prst="rect">
-            <a:avLst/>
-          </a:prstGeom>
-        </p:spPr>
-      </p:pic>
-    </p:spTree>
-    <p:extLst>
-      <p:ext uri="{BB962C8B-B14F-4D97-AF65-F5344CB8AC3E}">
-        <p14:creationId xmlns:p14="http://schemas.microsoft.com/office/powerpoint/2010/main" val="4226148915"/>
-      </p:ext>
-    </p:extLst>
-  </p:cSld>
-  <p:clrMapOvr>
-    <a:masterClrMapping/>
-  </p:clrMapOvr>
-  <p:timing>
-    <p:tnLst>
-      <p:par>
-        <p:cTn id="1" dur="indefinite" restart="never" nodeType="tmRoot"/>
-      </p:par>
-    </p:tnLst>
-  </p:timing>
-</p:sld>
+          <a:tile tx="0" ty="0" sx="65000" sy="65000" flip="none" algn="tl"/>
+        </a:blipFill>
+      </a:bgFillStyleLst>
+    </a:fmtScheme>
+  </a:themeElements>
+  <a:objectDefaults/>
+  <a:extraClrSchemeLst/>
+</a:theme>
 </file>
 
-<file path=ppt/theme/theme1.xml><?xml version="1.0" encoding="utf-8"?>
+<file path=ppt/theme/theme2.xml><?xml version="1.0" encoding="utf-8"?>
 <a:theme xmlns:a="http://schemas.openxmlformats.org/drawingml/2006/main" name="Office Theme">
   <a:themeElements>
     <a:clrScheme name="Office">
@@ -5216,16 +8802,20 @@
           <a:gsLst>
             <a:gs pos="0">
               <a:schemeClr val="phClr">
-                <a:tint val="100000"/>
-                <a:shade val="100000"/>
+                <a:shade val="51000"/>
+                <a:satMod val="130000"/>
+              </a:schemeClr>
+            </a:gs>
+            <a:gs pos="80000">
+              <a:schemeClr val="phClr">
+                <a:shade val="93000"/>
                 <a:satMod val="130000"/>
               </a:schemeClr>
             </a:gs>
             <a:gs pos="100000">
               <a:schemeClr val="phClr">
-                <a:tint val="50000"/>
-                <a:shade val="100000"/>
-                <a:satMod val="350000"/>
+                <a:shade val="94000"/>
+                <a:satMod val="135000"/>
               </a:schemeClr>
             </a:gs>
           </a:gsLst>
@@ -5347,46 +8937,7 @@
       </a:bgFillStyleLst>
     </a:fmtScheme>
   </a:themeElements>
-  <a:objectDefaults>
-    <a:spDef>
-      <a:spPr/>
-      <a:bodyPr/>
-      <a:lstStyle/>
-      <a:style>
-        <a:lnRef idx="1">
-          <a:schemeClr val="accent1"/>
-        </a:lnRef>
-        <a:fillRef idx="3">
-          <a:schemeClr val="accent1"/>
-        </a:fillRef>
-        <a:effectRef idx="2">
-          <a:schemeClr val="accent1"/>
-        </a:effectRef>
-        <a:fontRef idx="minor">
-          <a:schemeClr val="lt1"/>
-        </a:fontRef>
-      </a:style>
-    </a:spDef>
-    <a:lnDef>
-      <a:spPr/>
-      <a:bodyPr/>
-      <a:lstStyle/>
-      <a:style>
-        <a:lnRef idx="2">
-          <a:schemeClr val="accent1"/>
-        </a:lnRef>
-        <a:fillRef idx="0">
-          <a:schemeClr val="accent1"/>
-        </a:fillRef>
-        <a:effectRef idx="1">
-          <a:schemeClr val="accent1"/>
-        </a:effectRef>
-        <a:fontRef idx="minor">
-          <a:schemeClr val="tx1"/>
-        </a:fontRef>
-      </a:style>
-    </a:lnDef>
-  </a:objectDefaults>
+  <a:objectDefaults/>
   <a:extraClrSchemeLst/>
 </a:theme>
 </file>